--- a/mQQ/BIM_Leading Group/Explain/프레젠테이션1.pptx
+++ b/mQQ/BIM_Leading Group/Explain/프레젠테이션1.pptx
@@ -8,14 +8,15 @@
     <p:sldId id="256" r:id="rId2"/>
     <p:sldId id="257" r:id="rId3"/>
     <p:sldId id="258" r:id="rId4"/>
-    <p:sldId id="259" r:id="rId5"/>
+    <p:sldId id="261" r:id="rId5"/>
     <p:sldId id="260" r:id="rId6"/>
-    <p:sldId id="261" r:id="rId7"/>
-    <p:sldId id="262" r:id="rId8"/>
-    <p:sldId id="263" r:id="rId9"/>
-    <p:sldId id="264" r:id="rId10"/>
-    <p:sldId id="265" r:id="rId11"/>
-    <p:sldId id="266" r:id="rId12"/>
+    <p:sldId id="267" r:id="rId7"/>
+    <p:sldId id="259" r:id="rId8"/>
+    <p:sldId id="262" r:id="rId9"/>
+    <p:sldId id="263" r:id="rId10"/>
+    <p:sldId id="264" r:id="rId11"/>
+    <p:sldId id="265" r:id="rId12"/>
+    <p:sldId id="266" r:id="rId13"/>
   </p:sldIdLst>
   <p:sldSz cx="12192000" cy="6858000"/>
   <p:notesSz cx="6858000" cy="9144000"/>
@@ -114,6 +115,11 @@
       </a:defRPr>
     </a:lvl9pPr>
   </p:defaultTextStyle>
+  <p:extLst>
+    <p:ext uri="{EFAFB233-063F-42B5-8137-9DF3F51BA10A}">
+      <p15:sldGuideLst xmlns:p15="http://schemas.microsoft.com/office/powerpoint/2012/main"/>
+    </p:ext>
+  </p:extLst>
 </p:presentation>
 </file>
 
@@ -159,10 +165,9 @@
           </a:lstStyle>
           <a:p>
             <a:r>
-              <a:rPr lang="ko-KR" altLang="en-US" smtClean="0"/>
+              <a:rPr lang="ko-KR" altLang="en-US"/>
               <a:t>마스터 제목 스타일 편집</a:t>
             </a:r>
-            <a:endParaRPr lang="ko-KR" altLang="en-US"/>
           </a:p>
         </p:txBody>
       </p:sp>
@@ -224,10 +229,9 @@
           </a:lstStyle>
           <a:p>
             <a:r>
-              <a:rPr lang="ko-KR" altLang="en-US" smtClean="0"/>
+              <a:rPr lang="ko-KR" altLang="en-US"/>
               <a:t>클릭하여 마스터 부제목 스타일 편집</a:t>
             </a:r>
-            <a:endParaRPr lang="ko-KR" altLang="en-US"/>
           </a:p>
         </p:txBody>
       </p:sp>
@@ -342,10 +346,9 @@
           <a:lstStyle/>
           <a:p>
             <a:r>
-              <a:rPr lang="ko-KR" altLang="en-US" smtClean="0"/>
+              <a:rPr lang="ko-KR" altLang="en-US"/>
               <a:t>마스터 제목 스타일 편집</a:t>
             </a:r>
-            <a:endParaRPr lang="ko-KR" altLang="en-US"/>
           </a:p>
         </p:txBody>
       </p:sp>
@@ -366,38 +369,37 @@
           <a:p>
             <a:pPr lvl="0"/>
             <a:r>
-              <a:rPr lang="ko-KR" altLang="en-US" smtClean="0"/>
+              <a:rPr lang="ko-KR" altLang="en-US"/>
               <a:t>마스터 텍스트 스타일 편집</a:t>
             </a:r>
           </a:p>
           <a:p>
             <a:pPr lvl="1"/>
             <a:r>
-              <a:rPr lang="ko-KR" altLang="en-US" smtClean="0"/>
+              <a:rPr lang="ko-KR" altLang="en-US"/>
               <a:t>둘째 수준</a:t>
             </a:r>
           </a:p>
           <a:p>
             <a:pPr lvl="2"/>
             <a:r>
-              <a:rPr lang="ko-KR" altLang="en-US" smtClean="0"/>
+              <a:rPr lang="ko-KR" altLang="en-US"/>
               <a:t>셋째 수준</a:t>
             </a:r>
           </a:p>
           <a:p>
             <a:pPr lvl="3"/>
             <a:r>
-              <a:rPr lang="ko-KR" altLang="en-US" smtClean="0"/>
+              <a:rPr lang="ko-KR" altLang="en-US"/>
               <a:t>넷째 수준</a:t>
             </a:r>
           </a:p>
           <a:p>
             <a:pPr lvl="4"/>
             <a:r>
-              <a:rPr lang="ko-KR" altLang="en-US" smtClean="0"/>
+              <a:rPr lang="ko-KR" altLang="en-US"/>
               <a:t>다섯째 수준</a:t>
             </a:r>
-            <a:endParaRPr lang="ko-KR" altLang="en-US"/>
           </a:p>
         </p:txBody>
       </p:sp>
@@ -517,10 +519,9 @@
           <a:lstStyle/>
           <a:p>
             <a:r>
-              <a:rPr lang="ko-KR" altLang="en-US" smtClean="0"/>
+              <a:rPr lang="ko-KR" altLang="en-US"/>
               <a:t>마스터 제목 스타일 편집</a:t>
             </a:r>
-            <a:endParaRPr lang="ko-KR" altLang="en-US"/>
           </a:p>
         </p:txBody>
       </p:sp>
@@ -546,38 +547,37 @@
           <a:p>
             <a:pPr lvl="0"/>
             <a:r>
-              <a:rPr lang="ko-KR" altLang="en-US" smtClean="0"/>
+              <a:rPr lang="ko-KR" altLang="en-US"/>
               <a:t>마스터 텍스트 스타일 편집</a:t>
             </a:r>
           </a:p>
           <a:p>
             <a:pPr lvl="1"/>
             <a:r>
-              <a:rPr lang="ko-KR" altLang="en-US" smtClean="0"/>
+              <a:rPr lang="ko-KR" altLang="en-US"/>
               <a:t>둘째 수준</a:t>
             </a:r>
           </a:p>
           <a:p>
             <a:pPr lvl="2"/>
             <a:r>
-              <a:rPr lang="ko-KR" altLang="en-US" smtClean="0"/>
+              <a:rPr lang="ko-KR" altLang="en-US"/>
               <a:t>셋째 수준</a:t>
             </a:r>
           </a:p>
           <a:p>
             <a:pPr lvl="3"/>
             <a:r>
-              <a:rPr lang="ko-KR" altLang="en-US" smtClean="0"/>
+              <a:rPr lang="ko-KR" altLang="en-US"/>
               <a:t>넷째 수준</a:t>
             </a:r>
           </a:p>
           <a:p>
             <a:pPr lvl="4"/>
             <a:r>
-              <a:rPr lang="ko-KR" altLang="en-US" smtClean="0"/>
+              <a:rPr lang="ko-KR" altLang="en-US"/>
               <a:t>다섯째 수준</a:t>
             </a:r>
-            <a:endParaRPr lang="ko-KR" altLang="en-US"/>
           </a:p>
         </p:txBody>
       </p:sp>
@@ -692,10 +692,9 @@
           <a:lstStyle/>
           <a:p>
             <a:r>
-              <a:rPr lang="ko-KR" altLang="en-US" smtClean="0"/>
+              <a:rPr lang="ko-KR" altLang="en-US"/>
               <a:t>마스터 제목 스타일 편집</a:t>
             </a:r>
-            <a:endParaRPr lang="ko-KR" altLang="en-US"/>
           </a:p>
         </p:txBody>
       </p:sp>
@@ -716,38 +715,37 @@
           <a:p>
             <a:pPr lvl="0"/>
             <a:r>
-              <a:rPr lang="ko-KR" altLang="en-US" smtClean="0"/>
+              <a:rPr lang="ko-KR" altLang="en-US"/>
               <a:t>마스터 텍스트 스타일 편집</a:t>
             </a:r>
           </a:p>
           <a:p>
             <a:pPr lvl="1"/>
             <a:r>
-              <a:rPr lang="ko-KR" altLang="en-US" smtClean="0"/>
+              <a:rPr lang="ko-KR" altLang="en-US"/>
               <a:t>둘째 수준</a:t>
             </a:r>
           </a:p>
           <a:p>
             <a:pPr lvl="2"/>
             <a:r>
-              <a:rPr lang="ko-KR" altLang="en-US" smtClean="0"/>
+              <a:rPr lang="ko-KR" altLang="en-US"/>
               <a:t>셋째 수준</a:t>
             </a:r>
           </a:p>
           <a:p>
             <a:pPr lvl="3"/>
             <a:r>
-              <a:rPr lang="ko-KR" altLang="en-US" smtClean="0"/>
+              <a:rPr lang="ko-KR" altLang="en-US"/>
               <a:t>넷째 수준</a:t>
             </a:r>
           </a:p>
           <a:p>
             <a:pPr lvl="4"/>
             <a:r>
-              <a:rPr lang="ko-KR" altLang="en-US" smtClean="0"/>
+              <a:rPr lang="ko-KR" altLang="en-US"/>
               <a:t>다섯째 수준</a:t>
             </a:r>
-            <a:endParaRPr lang="ko-KR" altLang="en-US"/>
           </a:p>
         </p:txBody>
       </p:sp>
@@ -871,10 +869,9 @@
           </a:lstStyle>
           <a:p>
             <a:r>
-              <a:rPr lang="ko-KR" altLang="en-US" smtClean="0"/>
+              <a:rPr lang="ko-KR" altLang="en-US"/>
               <a:t>마스터 제목 스타일 편집</a:t>
             </a:r>
-            <a:endParaRPr lang="ko-KR" altLang="en-US"/>
           </a:p>
         </p:txBody>
       </p:sp>
@@ -991,7 +988,7 @@
           <a:p>
             <a:pPr lvl="0"/>
             <a:r>
-              <a:rPr lang="ko-KR" altLang="en-US" smtClean="0"/>
+              <a:rPr lang="ko-KR" altLang="en-US"/>
               <a:t>마스터 텍스트 스타일 편집</a:t>
             </a:r>
           </a:p>
@@ -1108,10 +1105,9 @@
           <a:lstStyle/>
           <a:p>
             <a:r>
-              <a:rPr lang="ko-KR" altLang="en-US" smtClean="0"/>
+              <a:rPr lang="ko-KR" altLang="en-US"/>
               <a:t>마스터 제목 스타일 편집</a:t>
             </a:r>
-            <a:endParaRPr lang="ko-KR" altLang="en-US"/>
           </a:p>
         </p:txBody>
       </p:sp>
@@ -1137,38 +1133,37 @@
           <a:p>
             <a:pPr lvl="0"/>
             <a:r>
-              <a:rPr lang="ko-KR" altLang="en-US" smtClean="0"/>
+              <a:rPr lang="ko-KR" altLang="en-US"/>
               <a:t>마스터 텍스트 스타일 편집</a:t>
             </a:r>
           </a:p>
           <a:p>
             <a:pPr lvl="1"/>
             <a:r>
-              <a:rPr lang="ko-KR" altLang="en-US" smtClean="0"/>
+              <a:rPr lang="ko-KR" altLang="en-US"/>
               <a:t>둘째 수준</a:t>
             </a:r>
           </a:p>
           <a:p>
             <a:pPr lvl="2"/>
             <a:r>
-              <a:rPr lang="ko-KR" altLang="en-US" smtClean="0"/>
+              <a:rPr lang="ko-KR" altLang="en-US"/>
               <a:t>셋째 수준</a:t>
             </a:r>
           </a:p>
           <a:p>
             <a:pPr lvl="3"/>
             <a:r>
-              <a:rPr lang="ko-KR" altLang="en-US" smtClean="0"/>
+              <a:rPr lang="ko-KR" altLang="en-US"/>
               <a:t>넷째 수준</a:t>
             </a:r>
           </a:p>
           <a:p>
             <a:pPr lvl="4"/>
             <a:r>
-              <a:rPr lang="ko-KR" altLang="en-US" smtClean="0"/>
+              <a:rPr lang="ko-KR" altLang="en-US"/>
               <a:t>다섯째 수준</a:t>
             </a:r>
-            <a:endParaRPr lang="ko-KR" altLang="en-US"/>
           </a:p>
         </p:txBody>
       </p:sp>
@@ -1194,38 +1189,37 @@
           <a:p>
             <a:pPr lvl="0"/>
             <a:r>
-              <a:rPr lang="ko-KR" altLang="en-US" smtClean="0"/>
+              <a:rPr lang="ko-KR" altLang="en-US"/>
               <a:t>마스터 텍스트 스타일 편집</a:t>
             </a:r>
           </a:p>
           <a:p>
             <a:pPr lvl="1"/>
             <a:r>
-              <a:rPr lang="ko-KR" altLang="en-US" smtClean="0"/>
+              <a:rPr lang="ko-KR" altLang="en-US"/>
               <a:t>둘째 수준</a:t>
             </a:r>
           </a:p>
           <a:p>
             <a:pPr lvl="2"/>
             <a:r>
-              <a:rPr lang="ko-KR" altLang="en-US" smtClean="0"/>
+              <a:rPr lang="ko-KR" altLang="en-US"/>
               <a:t>셋째 수준</a:t>
             </a:r>
           </a:p>
           <a:p>
             <a:pPr lvl="3"/>
             <a:r>
-              <a:rPr lang="ko-KR" altLang="en-US" smtClean="0"/>
+              <a:rPr lang="ko-KR" altLang="en-US"/>
               <a:t>넷째 수준</a:t>
             </a:r>
           </a:p>
           <a:p>
             <a:pPr lvl="4"/>
             <a:r>
-              <a:rPr lang="ko-KR" altLang="en-US" smtClean="0"/>
+              <a:rPr lang="ko-KR" altLang="en-US"/>
               <a:t>다섯째 수준</a:t>
             </a:r>
-            <a:endParaRPr lang="ko-KR" altLang="en-US"/>
           </a:p>
         </p:txBody>
       </p:sp>
@@ -1345,10 +1339,9 @@
           <a:lstStyle/>
           <a:p>
             <a:r>
-              <a:rPr lang="ko-KR" altLang="en-US" smtClean="0"/>
+              <a:rPr lang="ko-KR" altLang="en-US"/>
               <a:t>마스터 제목 스타일 편집</a:t>
             </a:r>
-            <a:endParaRPr lang="ko-KR" altLang="en-US"/>
           </a:p>
         </p:txBody>
       </p:sp>
@@ -1411,7 +1404,7 @@
           <a:p>
             <a:pPr lvl="0"/>
             <a:r>
-              <a:rPr lang="ko-KR" altLang="en-US" smtClean="0"/>
+              <a:rPr lang="ko-KR" altLang="en-US"/>
               <a:t>마스터 텍스트 스타일 편집</a:t>
             </a:r>
           </a:p>
@@ -1439,38 +1432,37 @@
           <a:p>
             <a:pPr lvl="0"/>
             <a:r>
-              <a:rPr lang="ko-KR" altLang="en-US" smtClean="0"/>
+              <a:rPr lang="ko-KR" altLang="en-US"/>
               <a:t>마스터 텍스트 스타일 편집</a:t>
             </a:r>
           </a:p>
           <a:p>
             <a:pPr lvl="1"/>
             <a:r>
-              <a:rPr lang="ko-KR" altLang="en-US" smtClean="0"/>
+              <a:rPr lang="ko-KR" altLang="en-US"/>
               <a:t>둘째 수준</a:t>
             </a:r>
           </a:p>
           <a:p>
             <a:pPr lvl="2"/>
             <a:r>
-              <a:rPr lang="ko-KR" altLang="en-US" smtClean="0"/>
+              <a:rPr lang="ko-KR" altLang="en-US"/>
               <a:t>셋째 수준</a:t>
             </a:r>
           </a:p>
           <a:p>
             <a:pPr lvl="3"/>
             <a:r>
-              <a:rPr lang="ko-KR" altLang="en-US" smtClean="0"/>
+              <a:rPr lang="ko-KR" altLang="en-US"/>
               <a:t>넷째 수준</a:t>
             </a:r>
           </a:p>
           <a:p>
             <a:pPr lvl="4"/>
             <a:r>
-              <a:rPr lang="ko-KR" altLang="en-US" smtClean="0"/>
+              <a:rPr lang="ko-KR" altLang="en-US"/>
               <a:t>다섯째 수준</a:t>
             </a:r>
-            <a:endParaRPr lang="ko-KR" altLang="en-US"/>
           </a:p>
         </p:txBody>
       </p:sp>
@@ -1533,7 +1525,7 @@
           <a:p>
             <a:pPr lvl="0"/>
             <a:r>
-              <a:rPr lang="ko-KR" altLang="en-US" smtClean="0"/>
+              <a:rPr lang="ko-KR" altLang="en-US"/>
               <a:t>마스터 텍스트 스타일 편집</a:t>
             </a:r>
           </a:p>
@@ -1561,38 +1553,37 @@
           <a:p>
             <a:pPr lvl="0"/>
             <a:r>
-              <a:rPr lang="ko-KR" altLang="en-US" smtClean="0"/>
+              <a:rPr lang="ko-KR" altLang="en-US"/>
               <a:t>마스터 텍스트 스타일 편집</a:t>
             </a:r>
           </a:p>
           <a:p>
             <a:pPr lvl="1"/>
             <a:r>
-              <a:rPr lang="ko-KR" altLang="en-US" smtClean="0"/>
+              <a:rPr lang="ko-KR" altLang="en-US"/>
               <a:t>둘째 수준</a:t>
             </a:r>
           </a:p>
           <a:p>
             <a:pPr lvl="2"/>
             <a:r>
-              <a:rPr lang="ko-KR" altLang="en-US" smtClean="0"/>
+              <a:rPr lang="ko-KR" altLang="en-US"/>
               <a:t>셋째 수준</a:t>
             </a:r>
           </a:p>
           <a:p>
             <a:pPr lvl="3"/>
             <a:r>
-              <a:rPr lang="ko-KR" altLang="en-US" smtClean="0"/>
+              <a:rPr lang="ko-KR" altLang="en-US"/>
               <a:t>넷째 수준</a:t>
             </a:r>
           </a:p>
           <a:p>
             <a:pPr lvl="4"/>
             <a:r>
-              <a:rPr lang="ko-KR" altLang="en-US" smtClean="0"/>
+              <a:rPr lang="ko-KR" altLang="en-US"/>
               <a:t>다섯째 수준</a:t>
             </a:r>
-            <a:endParaRPr lang="ko-KR" altLang="en-US"/>
           </a:p>
         </p:txBody>
       </p:sp>
@@ -1707,10 +1698,9 @@
           <a:lstStyle/>
           <a:p>
             <a:r>
-              <a:rPr lang="ko-KR" altLang="en-US" smtClean="0"/>
+              <a:rPr lang="ko-KR" altLang="en-US"/>
               <a:t>마스터 제목 스타일 편집</a:t>
             </a:r>
-            <a:endParaRPr lang="ko-KR" altLang="en-US"/>
           </a:p>
         </p:txBody>
       </p:sp>
@@ -1929,10 +1919,9 @@
           </a:lstStyle>
           <a:p>
             <a:r>
-              <a:rPr lang="ko-KR" altLang="en-US" smtClean="0"/>
+              <a:rPr lang="ko-KR" altLang="en-US"/>
               <a:t>마스터 제목 스타일 편집</a:t>
             </a:r>
-            <a:endParaRPr lang="ko-KR" altLang="en-US"/>
           </a:p>
         </p:txBody>
       </p:sp>
@@ -1986,38 +1975,37 @@
           <a:p>
             <a:pPr lvl="0"/>
             <a:r>
-              <a:rPr lang="ko-KR" altLang="en-US" smtClean="0"/>
+              <a:rPr lang="ko-KR" altLang="en-US"/>
               <a:t>마스터 텍스트 스타일 편집</a:t>
             </a:r>
           </a:p>
           <a:p>
             <a:pPr lvl="1"/>
             <a:r>
-              <a:rPr lang="ko-KR" altLang="en-US" smtClean="0"/>
+              <a:rPr lang="ko-KR" altLang="en-US"/>
               <a:t>둘째 수준</a:t>
             </a:r>
           </a:p>
           <a:p>
             <a:pPr lvl="2"/>
             <a:r>
-              <a:rPr lang="ko-KR" altLang="en-US" smtClean="0"/>
+              <a:rPr lang="ko-KR" altLang="en-US"/>
               <a:t>셋째 수준</a:t>
             </a:r>
           </a:p>
           <a:p>
             <a:pPr lvl="3"/>
             <a:r>
-              <a:rPr lang="ko-KR" altLang="en-US" smtClean="0"/>
+              <a:rPr lang="ko-KR" altLang="en-US"/>
               <a:t>넷째 수준</a:t>
             </a:r>
           </a:p>
           <a:p>
             <a:pPr lvl="4"/>
             <a:r>
-              <a:rPr lang="ko-KR" altLang="en-US" smtClean="0"/>
+              <a:rPr lang="ko-KR" altLang="en-US"/>
               <a:t>다섯째 수준</a:t>
             </a:r>
-            <a:endParaRPr lang="ko-KR" altLang="en-US"/>
           </a:p>
         </p:txBody>
       </p:sp>
@@ -2080,7 +2068,7 @@
           <a:p>
             <a:pPr lvl="0"/>
             <a:r>
-              <a:rPr lang="ko-KR" altLang="en-US" smtClean="0"/>
+              <a:rPr lang="ko-KR" altLang="en-US"/>
               <a:t>마스터 텍스트 스타일 편집</a:t>
             </a:r>
           </a:p>
@@ -2206,10 +2194,9 @@
           </a:lstStyle>
           <a:p>
             <a:r>
-              <a:rPr lang="ko-KR" altLang="en-US" smtClean="0"/>
+              <a:rPr lang="ko-KR" altLang="en-US"/>
               <a:t>마스터 제목 스타일 편집</a:t>
             </a:r>
-            <a:endParaRPr lang="ko-KR" altLang="en-US"/>
           </a:p>
         </p:txBody>
       </p:sp>
@@ -2333,7 +2320,7 @@
           <a:p>
             <a:pPr lvl="0"/>
             <a:r>
-              <a:rPr lang="ko-KR" altLang="en-US" smtClean="0"/>
+              <a:rPr lang="ko-KR" altLang="en-US"/>
               <a:t>마스터 텍스트 스타일 편집</a:t>
             </a:r>
           </a:p>
@@ -2465,10 +2452,9 @@
           <a:lstStyle/>
           <a:p>
             <a:r>
-              <a:rPr lang="ko-KR" altLang="en-US" smtClean="0"/>
+              <a:rPr lang="ko-KR" altLang="en-US"/>
               <a:t>마스터 제목 스타일 편집</a:t>
             </a:r>
-            <a:endParaRPr lang="ko-KR" altLang="en-US"/>
           </a:p>
         </p:txBody>
       </p:sp>
@@ -2499,38 +2485,37 @@
           <a:p>
             <a:pPr lvl="0"/>
             <a:r>
-              <a:rPr lang="ko-KR" altLang="en-US" smtClean="0"/>
+              <a:rPr lang="ko-KR" altLang="en-US"/>
               <a:t>마스터 텍스트 스타일 편집</a:t>
             </a:r>
           </a:p>
           <a:p>
             <a:pPr lvl="1"/>
             <a:r>
-              <a:rPr lang="ko-KR" altLang="en-US" smtClean="0"/>
+              <a:rPr lang="ko-KR" altLang="en-US"/>
               <a:t>둘째 수준</a:t>
             </a:r>
           </a:p>
           <a:p>
             <a:pPr lvl="2"/>
             <a:r>
-              <a:rPr lang="ko-KR" altLang="en-US" smtClean="0"/>
+              <a:rPr lang="ko-KR" altLang="en-US"/>
               <a:t>셋째 수준</a:t>
             </a:r>
           </a:p>
           <a:p>
             <a:pPr lvl="3"/>
             <a:r>
-              <a:rPr lang="ko-KR" altLang="en-US" smtClean="0"/>
+              <a:rPr lang="ko-KR" altLang="en-US"/>
               <a:t>넷째 수준</a:t>
             </a:r>
           </a:p>
           <a:p>
             <a:pPr lvl="4"/>
             <a:r>
-              <a:rPr lang="ko-KR" altLang="en-US" smtClean="0"/>
+              <a:rPr lang="ko-KR" altLang="en-US"/>
               <a:t>다섯째 수준</a:t>
             </a:r>
-            <a:endParaRPr lang="ko-KR" altLang="en-US"/>
           </a:p>
         </p:txBody>
       </p:sp>
@@ -3031,6 +3016,36 @@
     </p:spTree>
     <p:extLst>
       <p:ext uri="{BB962C8B-B14F-4D97-AF65-F5344CB8AC3E}">
+        <p14:creationId xmlns:p14="http://schemas.microsoft.com/office/powerpoint/2010/main" val="3790534129"/>
+      </p:ext>
+    </p:extLst>
+  </p:cSld>
+  <p:clrMapOvr>
+    <a:masterClrMapping/>
+  </p:clrMapOvr>
+</p:sld>
+</file>
+
+<file path=ppt/slides/slide11.xml><?xml version="1.0" encoding="utf-8"?>
+<p:sld xmlns:a="http://schemas.openxmlformats.org/drawingml/2006/main" xmlns:r="http://schemas.openxmlformats.org/officeDocument/2006/relationships" xmlns:p="http://schemas.openxmlformats.org/presentationml/2006/main">
+  <p:cSld>
+    <p:spTree>
+      <p:nvGrpSpPr>
+        <p:cNvPr id="1" name=""/>
+        <p:cNvGrpSpPr/>
+        <p:nvPr/>
+      </p:nvGrpSpPr>
+      <p:grpSpPr>
+        <a:xfrm>
+          <a:off x="0" y="0"/>
+          <a:ext cx="0" cy="0"/>
+          <a:chOff x="0" y="0"/>
+          <a:chExt cx="0" cy="0"/>
+        </a:xfrm>
+      </p:grpSpPr>
+    </p:spTree>
+    <p:extLst>
+      <p:ext uri="{BB962C8B-B14F-4D97-AF65-F5344CB8AC3E}">
         <p14:creationId xmlns:p14="http://schemas.microsoft.com/office/powerpoint/2010/main" val="253511957"/>
       </p:ext>
     </p:extLst>
@@ -3041,7 +3056,7 @@
 </p:sld>
 </file>
 
-<file path=ppt/slides/slide11.xml><?xml version="1.0" encoding="utf-8"?>
+<file path=ppt/slides/slide12.xml><?xml version="1.0" encoding="utf-8"?>
 <p:sld xmlns:a="http://schemas.openxmlformats.org/drawingml/2006/main" xmlns:r="http://schemas.openxmlformats.org/officeDocument/2006/relationships" xmlns:p="http://schemas.openxmlformats.org/presentationml/2006/main">
   <p:cSld>
     <p:spTree>
@@ -3633,39 +3648,1435 @@
           <a:chExt cx="0" cy="0"/>
         </a:xfrm>
       </p:grpSpPr>
+      <p:pic>
+        <p:nvPicPr>
+          <p:cNvPr id="4" name="그림 3"/>
+          <p:cNvPicPr>
+            <a:picLocks noChangeAspect="1"/>
+          </p:cNvPicPr>
+          <p:nvPr/>
+        </p:nvPicPr>
+        <p:blipFill rotWithShape="1">
+          <a:blip r:embed="rId2"/>
+          <a:srcRect l="44584" t="43269" r="38229" b="23654"/>
+          <a:stretch/>
+        </p:blipFill>
+        <p:spPr>
+          <a:xfrm>
+            <a:off x="6673915" y="3092771"/>
+            <a:ext cx="2204271" cy="2573737"/>
+          </a:xfrm>
+          <a:prstGeom prst="rect">
+            <a:avLst/>
+          </a:prstGeom>
+        </p:spPr>
+      </p:pic>
+      <p:pic>
+        <p:nvPicPr>
+          <p:cNvPr id="5" name="그림 4"/>
+          <p:cNvPicPr>
+            <a:picLocks noChangeAspect="1"/>
+          </p:cNvPicPr>
+          <p:nvPr/>
+        </p:nvPicPr>
+        <p:blipFill rotWithShape="1">
+          <a:blip r:embed="rId3"/>
+          <a:srcRect l="44086" t="67791" r="40269" b="24169"/>
+          <a:stretch/>
+        </p:blipFill>
+        <p:spPr>
+          <a:xfrm>
+            <a:off x="6670737" y="5918446"/>
+            <a:ext cx="2006468" cy="625575"/>
+          </a:xfrm>
+          <a:prstGeom prst="rect">
+            <a:avLst/>
+          </a:prstGeom>
+        </p:spPr>
+      </p:pic>
+      <p:pic>
+        <p:nvPicPr>
+          <p:cNvPr id="8" name="그림 7"/>
+          <p:cNvPicPr>
+            <a:picLocks noChangeAspect="1"/>
+          </p:cNvPicPr>
+          <p:nvPr/>
+        </p:nvPicPr>
+        <p:blipFill rotWithShape="1">
+          <a:blip r:embed="rId4"/>
+          <a:srcRect l="16764" t="31464" r="3817" b="32804"/>
+          <a:stretch/>
+        </p:blipFill>
+        <p:spPr>
+          <a:xfrm>
+            <a:off x="1053296" y="232085"/>
+            <a:ext cx="9759196" cy="2378382"/>
+          </a:xfrm>
+          <a:prstGeom prst="rect">
+            <a:avLst/>
+          </a:prstGeom>
+        </p:spPr>
+      </p:pic>
+      <p:sp>
+        <p:nvSpPr>
+          <p:cNvPr id="7" name="직사각형 6"/>
+          <p:cNvSpPr/>
+          <p:nvPr/>
+        </p:nvSpPr>
+        <p:spPr>
+          <a:xfrm>
+            <a:off x="1497936" y="1235026"/>
+            <a:ext cx="1277598" cy="1156550"/>
+          </a:xfrm>
+          <a:prstGeom prst="rect">
+            <a:avLst/>
+          </a:prstGeom>
+          <a:noFill/>
+          <a:ln w="25400">
+            <a:solidFill>
+              <a:srgbClr val="C00000"/>
+            </a:solidFill>
+            <a:prstDash val="dash"/>
+          </a:ln>
+        </p:spPr>
+        <p:style>
+          <a:lnRef idx="2">
+            <a:schemeClr val="accent1">
+              <a:shade val="50000"/>
+            </a:schemeClr>
+          </a:lnRef>
+          <a:fillRef idx="1">
+            <a:schemeClr val="accent1"/>
+          </a:fillRef>
+          <a:effectRef idx="0">
+            <a:schemeClr val="accent1"/>
+          </a:effectRef>
+          <a:fontRef idx="minor">
+            <a:schemeClr val="lt1"/>
+          </a:fontRef>
+        </p:style>
+        <p:txBody>
+          <a:bodyPr rtlCol="0" anchor="ctr"/>
+          <a:lstStyle/>
+          <a:p>
+            <a:pPr algn="ctr"/>
+            <a:endParaRPr lang="ko-KR" altLang="en-US"/>
+          </a:p>
+        </p:txBody>
+      </p:sp>
+      <p:cxnSp>
+        <p:nvCxnSpPr>
+          <p:cNvPr id="10" name="구부러진 연결선 9"/>
+          <p:cNvCxnSpPr/>
+          <p:nvPr/>
+        </p:nvCxnSpPr>
+        <p:spPr>
+          <a:xfrm flipV="1">
+            <a:off x="2775534" y="1127380"/>
+            <a:ext cx="5135705" cy="571792"/>
+          </a:xfrm>
+          <a:prstGeom prst="curvedConnector3">
+            <a:avLst/>
+          </a:prstGeom>
+          <a:ln w="25400">
+            <a:solidFill>
+              <a:srgbClr val="C00000"/>
+            </a:solidFill>
+            <a:prstDash val="dash"/>
+            <a:tailEnd type="triangle"/>
+          </a:ln>
+        </p:spPr>
+        <p:style>
+          <a:lnRef idx="1">
+            <a:schemeClr val="accent1"/>
+          </a:lnRef>
+          <a:fillRef idx="0">
+            <a:schemeClr val="accent1"/>
+          </a:fillRef>
+          <a:effectRef idx="0">
+            <a:schemeClr val="accent1"/>
+          </a:effectRef>
+          <a:fontRef idx="minor">
+            <a:schemeClr val="tx1"/>
+          </a:fontRef>
+        </p:style>
+      </p:cxnSp>
+      <p:sp>
+        <p:nvSpPr>
+          <p:cNvPr id="13" name="직사각형 12"/>
+          <p:cNvSpPr/>
+          <p:nvPr/>
+        </p:nvSpPr>
+        <p:spPr>
+          <a:xfrm>
+            <a:off x="6767655" y="1357852"/>
+            <a:ext cx="795148" cy="493202"/>
+          </a:xfrm>
+          <a:prstGeom prst="rect">
+            <a:avLst/>
+          </a:prstGeom>
+          <a:noFill/>
+          <a:ln w="25400">
+            <a:solidFill>
+              <a:srgbClr val="00B050"/>
+            </a:solidFill>
+            <a:prstDash val="dash"/>
+          </a:ln>
+        </p:spPr>
+        <p:style>
+          <a:lnRef idx="2">
+            <a:schemeClr val="accent1">
+              <a:shade val="50000"/>
+            </a:schemeClr>
+          </a:lnRef>
+          <a:fillRef idx="1">
+            <a:schemeClr val="accent1"/>
+          </a:fillRef>
+          <a:effectRef idx="0">
+            <a:schemeClr val="accent1"/>
+          </a:effectRef>
+          <a:fontRef idx="minor">
+            <a:schemeClr val="lt1"/>
+          </a:fontRef>
+        </p:style>
+        <p:txBody>
+          <a:bodyPr rtlCol="0" anchor="ctr"/>
+          <a:lstStyle/>
+          <a:p>
+            <a:pPr algn="ctr"/>
+            <a:endParaRPr lang="ko-KR" altLang="en-US"/>
+          </a:p>
+        </p:txBody>
+      </p:sp>
+      <p:cxnSp>
+        <p:nvCxnSpPr>
+          <p:cNvPr id="14" name="구부러진 연결선 13"/>
+          <p:cNvCxnSpPr/>
+          <p:nvPr/>
+        </p:nvCxnSpPr>
+        <p:spPr>
+          <a:xfrm flipV="1">
+            <a:off x="7562803" y="1222100"/>
+            <a:ext cx="378530" cy="325190"/>
+          </a:xfrm>
+          <a:prstGeom prst="curvedConnector3">
+            <a:avLst/>
+          </a:prstGeom>
+          <a:ln w="25400">
+            <a:solidFill>
+              <a:srgbClr val="00B050"/>
+            </a:solidFill>
+            <a:prstDash val="dash"/>
+            <a:tailEnd type="triangle"/>
+          </a:ln>
+        </p:spPr>
+        <p:style>
+          <a:lnRef idx="1">
+            <a:schemeClr val="accent1"/>
+          </a:lnRef>
+          <a:fillRef idx="0">
+            <a:schemeClr val="accent1"/>
+          </a:fillRef>
+          <a:effectRef idx="0">
+            <a:schemeClr val="accent1"/>
+          </a:effectRef>
+          <a:fontRef idx="minor">
+            <a:schemeClr val="tx1"/>
+          </a:fontRef>
+        </p:style>
+      </p:cxnSp>
+      <p:sp>
+        <p:nvSpPr>
+          <p:cNvPr id="12" name="직사각형 11">
+            <a:extLst>
+              <a:ext uri="{FF2B5EF4-FFF2-40B4-BE49-F238E27FC236}">
+                <a16:creationId xmlns:a16="http://schemas.microsoft.com/office/drawing/2014/main" id="{A62D77DD-D706-4D4E-815D-D9124AC85436}"/>
+              </a:ext>
+            </a:extLst>
+          </p:cNvPr>
+          <p:cNvSpPr/>
+          <p:nvPr/>
+        </p:nvSpPr>
+        <p:spPr>
+          <a:xfrm>
+            <a:off x="6670737" y="3092771"/>
+            <a:ext cx="2101123" cy="2637849"/>
+          </a:xfrm>
+          <a:prstGeom prst="rect">
+            <a:avLst/>
+          </a:prstGeom>
+          <a:noFill/>
+          <a:ln w="25400">
+            <a:solidFill>
+              <a:srgbClr val="C00000"/>
+            </a:solidFill>
+            <a:prstDash val="dash"/>
+          </a:ln>
+        </p:spPr>
+        <p:style>
+          <a:lnRef idx="2">
+            <a:schemeClr val="accent1">
+              <a:shade val="50000"/>
+            </a:schemeClr>
+          </a:lnRef>
+          <a:fillRef idx="1">
+            <a:schemeClr val="accent1"/>
+          </a:fillRef>
+          <a:effectRef idx="0">
+            <a:schemeClr val="accent1"/>
+          </a:effectRef>
+          <a:fontRef idx="minor">
+            <a:schemeClr val="lt1"/>
+          </a:fontRef>
+        </p:style>
+        <p:txBody>
+          <a:bodyPr rtlCol="0" anchor="ctr"/>
+          <a:lstStyle/>
+          <a:p>
+            <a:pPr algn="ctr"/>
+            <a:endParaRPr lang="ko-KR" altLang="en-US"/>
+          </a:p>
+        </p:txBody>
+      </p:sp>
+      <p:cxnSp>
+        <p:nvCxnSpPr>
+          <p:cNvPr id="6" name="직선 연결선 5">
+            <a:extLst>
+              <a:ext uri="{FF2B5EF4-FFF2-40B4-BE49-F238E27FC236}">
+                <a16:creationId xmlns:a16="http://schemas.microsoft.com/office/drawing/2014/main" id="{BE311EE5-D399-44FB-B31E-A9234743B4EB}"/>
+              </a:ext>
+            </a:extLst>
+          </p:cNvPr>
+          <p:cNvCxnSpPr>
+            <a:cxnSpLocks/>
+          </p:cNvCxnSpPr>
+          <p:nvPr/>
+        </p:nvCxnSpPr>
+        <p:spPr>
+          <a:xfrm flipH="1">
+            <a:off x="6767655" y="2610467"/>
+            <a:ext cx="1143584" cy="482304"/>
+          </a:xfrm>
+          <a:prstGeom prst="line">
+            <a:avLst/>
+          </a:prstGeom>
+        </p:spPr>
+        <p:style>
+          <a:lnRef idx="1">
+            <a:schemeClr val="dk1"/>
+          </a:lnRef>
+          <a:fillRef idx="0">
+            <a:schemeClr val="dk1"/>
+          </a:fillRef>
+          <a:effectRef idx="0">
+            <a:schemeClr val="dk1"/>
+          </a:effectRef>
+          <a:fontRef idx="minor">
+            <a:schemeClr val="tx1"/>
+          </a:fontRef>
+        </p:style>
+      </p:cxnSp>
+      <p:cxnSp>
+        <p:nvCxnSpPr>
+          <p:cNvPr id="11" name="직선 연결선 10">
+            <a:extLst>
+              <a:ext uri="{FF2B5EF4-FFF2-40B4-BE49-F238E27FC236}">
+                <a16:creationId xmlns:a16="http://schemas.microsoft.com/office/drawing/2014/main" id="{7B8DE674-9B99-4F5E-8515-9DBAF9AEBAA7}"/>
+              </a:ext>
+            </a:extLst>
+          </p:cNvPr>
+          <p:cNvCxnSpPr>
+            <a:cxnSpLocks/>
+          </p:cNvCxnSpPr>
+          <p:nvPr/>
+        </p:nvCxnSpPr>
+        <p:spPr>
+          <a:xfrm flipH="1">
+            <a:off x="8771860" y="2610467"/>
+            <a:ext cx="106326" cy="568668"/>
+          </a:xfrm>
+          <a:prstGeom prst="line">
+            <a:avLst/>
+          </a:prstGeom>
+        </p:spPr>
+        <p:style>
+          <a:lnRef idx="1">
+            <a:schemeClr val="dk1"/>
+          </a:lnRef>
+          <a:fillRef idx="0">
+            <a:schemeClr val="dk1"/>
+          </a:fillRef>
+          <a:effectRef idx="0">
+            <a:schemeClr val="dk1"/>
+          </a:effectRef>
+          <a:fontRef idx="minor">
+            <a:schemeClr val="tx1"/>
+          </a:fontRef>
+        </p:style>
+      </p:cxnSp>
+      <p:cxnSp>
+        <p:nvCxnSpPr>
+          <p:cNvPr id="22" name="연결선: 구부러짐 21">
+            <a:extLst>
+              <a:ext uri="{FF2B5EF4-FFF2-40B4-BE49-F238E27FC236}">
+                <a16:creationId xmlns:a16="http://schemas.microsoft.com/office/drawing/2014/main" id="{9356D80F-7344-4982-854D-1512C515472B}"/>
+              </a:ext>
+            </a:extLst>
+          </p:cNvPr>
+          <p:cNvCxnSpPr>
+            <a:cxnSpLocks/>
+          </p:cNvCxnSpPr>
+          <p:nvPr/>
+        </p:nvCxnSpPr>
+        <p:spPr>
+          <a:xfrm rot="5400000">
+            <a:off x="7605397" y="1695988"/>
+            <a:ext cx="1682048" cy="795148"/>
+          </a:xfrm>
+          <a:prstGeom prst="curvedConnector3">
+            <a:avLst/>
+          </a:prstGeom>
+          <a:ln w="19050">
+            <a:solidFill>
+              <a:srgbClr val="C00000"/>
+            </a:solidFill>
+            <a:prstDash val="dash"/>
+            <a:tailEnd type="triangle"/>
+          </a:ln>
+        </p:spPr>
+        <p:style>
+          <a:lnRef idx="1">
+            <a:schemeClr val="accent1"/>
+          </a:lnRef>
+          <a:fillRef idx="0">
+            <a:schemeClr val="accent1"/>
+          </a:fillRef>
+          <a:effectRef idx="0">
+            <a:schemeClr val="accent1"/>
+          </a:effectRef>
+          <a:fontRef idx="minor">
+            <a:schemeClr val="tx1"/>
+          </a:fontRef>
+        </p:style>
+      </p:cxnSp>
+      <p:sp>
+        <p:nvSpPr>
+          <p:cNvPr id="24" name="직사각형 23">
+            <a:extLst>
+              <a:ext uri="{FF2B5EF4-FFF2-40B4-BE49-F238E27FC236}">
+                <a16:creationId xmlns:a16="http://schemas.microsoft.com/office/drawing/2014/main" id="{673A9175-26C0-45AE-9532-57ED7864BC78}"/>
+              </a:ext>
+            </a:extLst>
+          </p:cNvPr>
+          <p:cNvSpPr/>
+          <p:nvPr/>
+        </p:nvSpPr>
+        <p:spPr>
+          <a:xfrm>
+            <a:off x="8677205" y="1127380"/>
+            <a:ext cx="981145" cy="107646"/>
+          </a:xfrm>
+          <a:prstGeom prst="rect">
+            <a:avLst/>
+          </a:prstGeom>
+          <a:noFill/>
+          <a:ln w="15875">
+            <a:solidFill>
+              <a:srgbClr val="C00000"/>
+            </a:solidFill>
+            <a:prstDash val="dash"/>
+          </a:ln>
+        </p:spPr>
+        <p:style>
+          <a:lnRef idx="2">
+            <a:schemeClr val="accent1">
+              <a:shade val="50000"/>
+            </a:schemeClr>
+          </a:lnRef>
+          <a:fillRef idx="1">
+            <a:schemeClr val="accent1"/>
+          </a:fillRef>
+          <a:effectRef idx="0">
+            <a:schemeClr val="accent1"/>
+          </a:effectRef>
+          <a:fontRef idx="minor">
+            <a:schemeClr val="lt1"/>
+          </a:fontRef>
+        </p:style>
+        <p:txBody>
+          <a:bodyPr rtlCol="0" anchor="ctr"/>
+          <a:lstStyle/>
+          <a:p>
+            <a:pPr algn="ctr"/>
+            <a:endParaRPr lang="ko-KR" altLang="en-US"/>
+          </a:p>
+        </p:txBody>
+      </p:sp>
+      <p:sp>
+        <p:nvSpPr>
+          <p:cNvPr id="25" name="직사각형 24">
+            <a:extLst>
+              <a:ext uri="{FF2B5EF4-FFF2-40B4-BE49-F238E27FC236}">
+                <a16:creationId xmlns:a16="http://schemas.microsoft.com/office/drawing/2014/main" id="{63F5804C-29E1-4379-A951-94FF1F2F5C48}"/>
+              </a:ext>
+            </a:extLst>
+          </p:cNvPr>
+          <p:cNvSpPr/>
+          <p:nvPr/>
+        </p:nvSpPr>
+        <p:spPr>
+          <a:xfrm>
+            <a:off x="8750270" y="1235616"/>
+            <a:ext cx="1841530" cy="107646"/>
+          </a:xfrm>
+          <a:prstGeom prst="rect">
+            <a:avLst/>
+          </a:prstGeom>
+          <a:noFill/>
+          <a:ln w="15875">
+            <a:solidFill>
+              <a:srgbClr val="00B050"/>
+            </a:solidFill>
+            <a:prstDash val="dash"/>
+          </a:ln>
+        </p:spPr>
+        <p:style>
+          <a:lnRef idx="2">
+            <a:schemeClr val="accent1">
+              <a:shade val="50000"/>
+            </a:schemeClr>
+          </a:lnRef>
+          <a:fillRef idx="1">
+            <a:schemeClr val="accent1"/>
+          </a:fillRef>
+          <a:effectRef idx="0">
+            <a:schemeClr val="accent1"/>
+          </a:effectRef>
+          <a:fontRef idx="minor">
+            <a:schemeClr val="lt1"/>
+          </a:fontRef>
+        </p:style>
+        <p:txBody>
+          <a:bodyPr rtlCol="0" anchor="ctr"/>
+          <a:lstStyle/>
+          <a:p>
+            <a:pPr algn="ctr"/>
+            <a:endParaRPr lang="ko-KR" altLang="en-US"/>
+          </a:p>
+        </p:txBody>
+      </p:sp>
+      <p:cxnSp>
+        <p:nvCxnSpPr>
+          <p:cNvPr id="26" name="연결선: 구부러짐 25">
+            <a:extLst>
+              <a:ext uri="{FF2B5EF4-FFF2-40B4-BE49-F238E27FC236}">
+                <a16:creationId xmlns:a16="http://schemas.microsoft.com/office/drawing/2014/main" id="{1D29990E-A179-4E4D-AF33-5E0D4F2CE119}"/>
+              </a:ext>
+            </a:extLst>
+          </p:cNvPr>
+          <p:cNvCxnSpPr>
+            <a:cxnSpLocks/>
+            <a:endCxn id="30" idx="3"/>
+          </p:cNvCxnSpPr>
+          <p:nvPr/>
+        </p:nvCxnSpPr>
+        <p:spPr>
+          <a:xfrm rot="5400000">
+            <a:off x="6919945" y="3195177"/>
+            <a:ext cx="4855914" cy="1152086"/>
+          </a:xfrm>
+          <a:prstGeom prst="curvedConnector2">
+            <a:avLst/>
+          </a:prstGeom>
+          <a:ln w="19050">
+            <a:solidFill>
+              <a:srgbClr val="00B050"/>
+            </a:solidFill>
+            <a:prstDash val="dash"/>
+            <a:tailEnd type="triangle"/>
+          </a:ln>
+        </p:spPr>
+        <p:style>
+          <a:lnRef idx="1">
+            <a:schemeClr val="accent1"/>
+          </a:lnRef>
+          <a:fillRef idx="0">
+            <a:schemeClr val="accent1"/>
+          </a:fillRef>
+          <a:effectRef idx="0">
+            <a:schemeClr val="accent1"/>
+          </a:effectRef>
+          <a:fontRef idx="minor">
+            <a:schemeClr val="tx1"/>
+          </a:fontRef>
+        </p:style>
+      </p:cxnSp>
+      <p:sp>
+        <p:nvSpPr>
+          <p:cNvPr id="30" name="직사각형 29">
+            <a:extLst>
+              <a:ext uri="{FF2B5EF4-FFF2-40B4-BE49-F238E27FC236}">
+                <a16:creationId xmlns:a16="http://schemas.microsoft.com/office/drawing/2014/main" id="{209ADFBC-24D5-43EC-9559-F97D8BFEA301}"/>
+              </a:ext>
+            </a:extLst>
+          </p:cNvPr>
+          <p:cNvSpPr/>
+          <p:nvPr/>
+        </p:nvSpPr>
+        <p:spPr>
+          <a:xfrm>
+            <a:off x="6670737" y="5854333"/>
+            <a:ext cx="2101122" cy="689687"/>
+          </a:xfrm>
+          <a:prstGeom prst="rect">
+            <a:avLst/>
+          </a:prstGeom>
+          <a:noFill/>
+          <a:ln w="25400">
+            <a:solidFill>
+              <a:srgbClr val="00B050"/>
+            </a:solidFill>
+            <a:prstDash val="dash"/>
+          </a:ln>
+        </p:spPr>
+        <p:style>
+          <a:lnRef idx="2">
+            <a:schemeClr val="accent1">
+              <a:shade val="50000"/>
+            </a:schemeClr>
+          </a:lnRef>
+          <a:fillRef idx="1">
+            <a:schemeClr val="accent1"/>
+          </a:fillRef>
+          <a:effectRef idx="0">
+            <a:schemeClr val="accent1"/>
+          </a:effectRef>
+          <a:fontRef idx="minor">
+            <a:schemeClr val="lt1"/>
+          </a:fontRef>
+        </p:style>
+        <p:txBody>
+          <a:bodyPr rtlCol="0" anchor="ctr"/>
+          <a:lstStyle/>
+          <a:p>
+            <a:pPr algn="ctr"/>
+            <a:endParaRPr lang="ko-KR" altLang="en-US"/>
+          </a:p>
+        </p:txBody>
+      </p:sp>
+      <p:sp>
+        <p:nvSpPr>
+          <p:cNvPr id="33" name="양쪽 중괄호 32">
+            <a:extLst>
+              <a:ext uri="{FF2B5EF4-FFF2-40B4-BE49-F238E27FC236}">
+                <a16:creationId xmlns:a16="http://schemas.microsoft.com/office/drawing/2014/main" id="{2D704785-6CCB-4C0C-A120-3172469EC070}"/>
+              </a:ext>
+            </a:extLst>
+          </p:cNvPr>
+          <p:cNvSpPr/>
+          <p:nvPr/>
+        </p:nvSpPr>
+        <p:spPr>
+          <a:xfrm>
+            <a:off x="5841396" y="3070338"/>
+            <a:ext cx="3511570" cy="3533144"/>
+          </a:xfrm>
+          <a:prstGeom prst="bracePair">
+            <a:avLst/>
+          </a:prstGeom>
+        </p:spPr>
+        <p:style>
+          <a:lnRef idx="1">
+            <a:schemeClr val="accent1"/>
+          </a:lnRef>
+          <a:fillRef idx="0">
+            <a:schemeClr val="accent1"/>
+          </a:fillRef>
+          <a:effectRef idx="0">
+            <a:schemeClr val="accent1"/>
+          </a:effectRef>
+          <a:fontRef idx="minor">
+            <a:schemeClr val="tx1"/>
+          </a:fontRef>
+        </p:style>
+        <p:txBody>
+          <a:bodyPr rtlCol="0" anchor="ctr"/>
+          <a:lstStyle/>
+          <a:p>
+            <a:pPr algn="ctr"/>
+            <a:endParaRPr lang="ko-KR" altLang="en-US"/>
+          </a:p>
+        </p:txBody>
+      </p:sp>
+    </p:spTree>
+    <p:extLst>
+      <p:ext uri="{BB962C8B-B14F-4D97-AF65-F5344CB8AC3E}">
+        <p14:creationId xmlns:p14="http://schemas.microsoft.com/office/powerpoint/2010/main" val="4292616408"/>
+      </p:ext>
+    </p:extLst>
+  </p:cSld>
+  <p:clrMapOvr>
+    <a:masterClrMapping/>
+  </p:clrMapOvr>
+</p:sld>
+</file>
+
+<file path=ppt/slides/slide4.xml><?xml version="1.0" encoding="utf-8"?>
+<p:sld xmlns:a="http://schemas.openxmlformats.org/drawingml/2006/main" xmlns:r="http://schemas.openxmlformats.org/officeDocument/2006/relationships" xmlns:p="http://schemas.openxmlformats.org/presentationml/2006/main">
+  <p:cSld>
+    <p:spTree>
+      <p:nvGrpSpPr>
+        <p:cNvPr id="1" name=""/>
+        <p:cNvGrpSpPr/>
+        <p:nvPr/>
+      </p:nvGrpSpPr>
+      <p:grpSpPr>
+        <a:xfrm>
+          <a:off x="0" y="0"/>
+          <a:ext cx="0" cy="0"/>
+          <a:chOff x="0" y="0"/>
+          <a:chExt cx="0" cy="0"/>
+        </a:xfrm>
+      </p:grpSpPr>
+      <p:sp>
+        <p:nvSpPr>
+          <p:cNvPr id="2" name="양쪽 중괄호 1">
+            <a:extLst>
+              <a:ext uri="{FF2B5EF4-FFF2-40B4-BE49-F238E27FC236}">
+                <a16:creationId xmlns:a16="http://schemas.microsoft.com/office/drawing/2014/main" id="{CD17D0D2-3864-48E9-AD9A-A4BFDEB8CAA2}"/>
+              </a:ext>
+            </a:extLst>
+          </p:cNvPr>
+          <p:cNvSpPr/>
+          <p:nvPr/>
+        </p:nvSpPr>
+        <p:spPr>
+          <a:xfrm>
+            <a:off x="507762" y="642326"/>
+            <a:ext cx="1966067" cy="1454161"/>
+          </a:xfrm>
+          <a:prstGeom prst="bracePair">
+            <a:avLst/>
+          </a:prstGeom>
+        </p:spPr>
+        <p:style>
+          <a:lnRef idx="1">
+            <a:schemeClr val="accent1"/>
+          </a:lnRef>
+          <a:fillRef idx="0">
+            <a:schemeClr val="accent1"/>
+          </a:fillRef>
+          <a:effectRef idx="0">
+            <a:schemeClr val="accent1"/>
+          </a:effectRef>
+          <a:fontRef idx="minor">
+            <a:schemeClr val="tx1"/>
+          </a:fontRef>
+        </p:style>
+        <p:txBody>
+          <a:bodyPr rtlCol="0" anchor="ctr"/>
+          <a:lstStyle/>
+          <a:p>
+            <a:pPr algn="ctr"/>
+            <a:endParaRPr lang="ko-KR" altLang="en-US"/>
+          </a:p>
+        </p:txBody>
+      </p:sp>
+      <p:sp>
+        <p:nvSpPr>
+          <p:cNvPr id="3" name="TextBox 2">
+            <a:extLst>
+              <a:ext uri="{FF2B5EF4-FFF2-40B4-BE49-F238E27FC236}">
+                <a16:creationId xmlns:a16="http://schemas.microsoft.com/office/drawing/2014/main" id="{FCBE3684-648B-4D36-BFE0-03B38F7B3F35}"/>
+              </a:ext>
+            </a:extLst>
+          </p:cNvPr>
+          <p:cNvSpPr txBox="1"/>
+          <p:nvPr/>
+        </p:nvSpPr>
+        <p:spPr>
+          <a:xfrm>
+            <a:off x="733935" y="645821"/>
+            <a:ext cx="1553310" cy="1754326"/>
+          </a:xfrm>
+          <a:prstGeom prst="rect">
+            <a:avLst/>
+          </a:prstGeom>
+          <a:noFill/>
+        </p:spPr>
+        <p:txBody>
+          <a:bodyPr wrap="none" rtlCol="0">
+            <a:spAutoFit/>
+          </a:bodyPr>
+          <a:lstStyle/>
+          <a:p>
+            <a:r>
+              <a:rPr lang="en-US" altLang="ko-KR" dirty="0"/>
+              <a:t>Key1:</a:t>
+            </a:r>
+            <a:r>
+              <a:rPr lang="ko-KR" altLang="en-US" dirty="0"/>
+              <a:t> </a:t>
+            </a:r>
+            <a:r>
+              <a:rPr lang="en-US" altLang="ko-KR" dirty="0"/>
+              <a:t>Value1,</a:t>
+            </a:r>
+          </a:p>
+          <a:p>
+            <a:r>
+              <a:rPr lang="en-US" altLang="ko-KR" dirty="0"/>
+              <a:t>Key2:</a:t>
+            </a:r>
+            <a:r>
+              <a:rPr lang="ko-KR" altLang="en-US" dirty="0"/>
+              <a:t> </a:t>
+            </a:r>
+            <a:r>
+              <a:rPr lang="en-US" altLang="ko-KR" dirty="0"/>
+              <a:t>Value2,</a:t>
+            </a:r>
+          </a:p>
+          <a:p>
+            <a:r>
+              <a:rPr lang="en-US" altLang="ko-KR" dirty="0"/>
+              <a:t>Key3:</a:t>
+            </a:r>
+            <a:r>
+              <a:rPr lang="ko-KR" altLang="en-US" dirty="0"/>
+              <a:t> </a:t>
+            </a:r>
+            <a:r>
+              <a:rPr lang="en-US" altLang="ko-KR" dirty="0"/>
+              <a:t>Value3</a:t>
+            </a:r>
+          </a:p>
+          <a:p>
+            <a:r>
+              <a:rPr lang="en-US" altLang="ko-KR" dirty="0"/>
+              <a:t>.</a:t>
+            </a:r>
+          </a:p>
+          <a:p>
+            <a:r>
+              <a:rPr lang="en-US" altLang="ko-KR" dirty="0"/>
+              <a:t>.</a:t>
+            </a:r>
+          </a:p>
+          <a:p>
+            <a:endParaRPr lang="ko-KR" altLang="en-US" dirty="0"/>
+          </a:p>
+        </p:txBody>
+      </p:sp>
+      <p:sp>
+        <p:nvSpPr>
+          <p:cNvPr id="6" name="TextBox 5">
+            <a:extLst>
+              <a:ext uri="{FF2B5EF4-FFF2-40B4-BE49-F238E27FC236}">
+                <a16:creationId xmlns:a16="http://schemas.microsoft.com/office/drawing/2014/main" id="{FAB80531-40C5-42D7-A1A7-9E317CDC97AE}"/>
+              </a:ext>
+            </a:extLst>
+          </p:cNvPr>
+          <p:cNvSpPr txBox="1"/>
+          <p:nvPr/>
+        </p:nvSpPr>
+        <p:spPr>
+          <a:xfrm>
+            <a:off x="4859796" y="272994"/>
+            <a:ext cx="1571649" cy="369332"/>
+          </a:xfrm>
+          <a:prstGeom prst="rect">
+            <a:avLst/>
+          </a:prstGeom>
+          <a:noFill/>
+        </p:spPr>
+        <p:txBody>
+          <a:bodyPr wrap="none" rtlCol="0">
+            <a:spAutoFit/>
+          </a:bodyPr>
+          <a:lstStyle/>
+          <a:p>
+            <a:r>
+              <a:rPr lang="en-US" altLang="ko-KR" dirty="0"/>
+              <a:t>&lt;Dictionary&gt;</a:t>
+            </a:r>
+            <a:endParaRPr lang="ko-KR" altLang="en-US" dirty="0"/>
+          </a:p>
+        </p:txBody>
+      </p:sp>
+      <p:sp>
+        <p:nvSpPr>
+          <p:cNvPr id="7" name="TextBox 6">
+            <a:extLst>
+              <a:ext uri="{FF2B5EF4-FFF2-40B4-BE49-F238E27FC236}">
+                <a16:creationId xmlns:a16="http://schemas.microsoft.com/office/drawing/2014/main" id="{88582F1D-E131-4937-9CDD-0A5B793685DE}"/>
+              </a:ext>
+            </a:extLst>
+          </p:cNvPr>
+          <p:cNvSpPr txBox="1"/>
+          <p:nvPr/>
+        </p:nvSpPr>
+        <p:spPr>
+          <a:xfrm>
+            <a:off x="507762" y="272994"/>
+            <a:ext cx="1571649" cy="369332"/>
+          </a:xfrm>
+          <a:prstGeom prst="rect">
+            <a:avLst/>
+          </a:prstGeom>
+          <a:noFill/>
+        </p:spPr>
+        <p:txBody>
+          <a:bodyPr wrap="none" rtlCol="0">
+            <a:spAutoFit/>
+          </a:bodyPr>
+          <a:lstStyle/>
+          <a:p>
+            <a:r>
+              <a:rPr lang="en-US" altLang="ko-KR" dirty="0"/>
+              <a:t>&lt;Dictionary&gt;</a:t>
+            </a:r>
+            <a:endParaRPr lang="ko-KR" altLang="en-US" dirty="0"/>
+          </a:p>
+        </p:txBody>
+      </p:sp>
+      <p:pic>
+        <p:nvPicPr>
+          <p:cNvPr id="1026" name="Picture 2" descr="Computer Desk Man - Free vector graphic on Pixabay">
+            <a:extLst>
+              <a:ext uri="{FF2B5EF4-FFF2-40B4-BE49-F238E27FC236}">
+                <a16:creationId xmlns:a16="http://schemas.microsoft.com/office/drawing/2014/main" id="{DAAA4DD9-5CE6-4826-91A8-765459EDDE43}"/>
+              </a:ext>
+            </a:extLst>
+          </p:cNvPr>
+          <p:cNvPicPr>
+            <a:picLocks noChangeAspect="1" noChangeArrowheads="1"/>
+          </p:cNvPicPr>
+          <p:nvPr/>
+        </p:nvPicPr>
+        <p:blipFill rotWithShape="1">
+          <a:blip r:embed="rId2">
+            <a:extLst>
+              <a:ext uri="{28A0092B-C50C-407E-A947-70E740481C1C}">
+                <a14:useLocalDpi xmlns:a14="http://schemas.microsoft.com/office/drawing/2010/main" val="0"/>
+              </a:ext>
+            </a:extLst>
+          </a:blip>
+          <a:srcRect l="4156" t="4411" r="4024" b="5512"/>
+          <a:stretch/>
+        </p:blipFill>
+        <p:spPr bwMode="auto">
+          <a:xfrm>
+            <a:off x="4469155" y="3475389"/>
+            <a:ext cx="3253689" cy="2946400"/>
+          </a:xfrm>
+          <a:prstGeom prst="rect">
+            <a:avLst/>
+          </a:prstGeom>
+          <a:noFill/>
+          <a:extLst>
+            <a:ext uri="{909E8E84-426E-40DD-AFC4-6F175D3DCCD1}">
+              <a14:hiddenFill xmlns:a14="http://schemas.microsoft.com/office/drawing/2010/main">
+                <a:solidFill>
+                  <a:srgbClr val="FFFFFF"/>
+                </a:solidFill>
+              </a14:hiddenFill>
+            </a:ext>
+          </a:extLst>
+        </p:spPr>
+      </p:pic>
+      <p:sp>
+        <p:nvSpPr>
+          <p:cNvPr id="8" name="말풍선: 타원형 7">
+            <a:extLst>
+              <a:ext uri="{FF2B5EF4-FFF2-40B4-BE49-F238E27FC236}">
+                <a16:creationId xmlns:a16="http://schemas.microsoft.com/office/drawing/2014/main" id="{778B71BC-7182-4BD5-8445-85B1E5B9872F}"/>
+              </a:ext>
+            </a:extLst>
+          </p:cNvPr>
+          <p:cNvSpPr/>
+          <p:nvPr/>
+        </p:nvSpPr>
+        <p:spPr>
+          <a:xfrm>
+            <a:off x="426681" y="2820977"/>
+            <a:ext cx="3253689" cy="1636877"/>
+          </a:xfrm>
+          <a:prstGeom prst="wedgeEllipseCallout">
+            <a:avLst>
+              <a:gd name="adj1" fmla="val 77322"/>
+              <a:gd name="adj2" fmla="val 40332"/>
+            </a:avLst>
+          </a:prstGeom>
+        </p:spPr>
+        <p:style>
+          <a:lnRef idx="2">
+            <a:schemeClr val="accent1">
+              <a:shade val="50000"/>
+            </a:schemeClr>
+          </a:lnRef>
+          <a:fillRef idx="1">
+            <a:schemeClr val="accent1"/>
+          </a:fillRef>
+          <a:effectRef idx="0">
+            <a:schemeClr val="accent1"/>
+          </a:effectRef>
+          <a:fontRef idx="minor">
+            <a:schemeClr val="lt1"/>
+          </a:fontRef>
+        </p:style>
+        <p:txBody>
+          <a:bodyPr rtlCol="0" anchor="ctr"/>
+          <a:lstStyle/>
+          <a:p>
+            <a:pPr algn="ctr"/>
+            <a:r>
+              <a:rPr lang="en-US" altLang="ko-KR" dirty="0"/>
+              <a:t>Hey, Dictionary~</a:t>
+            </a:r>
+          </a:p>
+          <a:p>
+            <a:pPr algn="ctr"/>
+            <a:endParaRPr lang="en-US" altLang="ko-KR" dirty="0"/>
+          </a:p>
+          <a:p>
+            <a:pPr algn="ctr"/>
+            <a:r>
+              <a:rPr lang="en-US" altLang="ko-KR" dirty="0"/>
+              <a:t>Show me the</a:t>
+            </a:r>
+          </a:p>
+          <a:p>
+            <a:pPr algn="ctr"/>
+            <a:r>
+              <a:rPr lang="en-US" altLang="ko-KR" dirty="0"/>
+              <a:t>“</a:t>
+            </a:r>
+            <a:r>
+              <a:rPr lang="ko-KR" altLang="en-US" dirty="0"/>
+              <a:t>즐기다</a:t>
+            </a:r>
+            <a:r>
+              <a:rPr lang="en-US" altLang="ko-KR" dirty="0"/>
+              <a:t>”.</a:t>
+            </a:r>
+            <a:endParaRPr lang="ko-KR" altLang="en-US" dirty="0"/>
+          </a:p>
+        </p:txBody>
+      </p:sp>
+      <p:sp>
+        <p:nvSpPr>
+          <p:cNvPr id="9" name="말풍선: 모서리가 둥근 사각형 8">
+            <a:extLst>
+              <a:ext uri="{FF2B5EF4-FFF2-40B4-BE49-F238E27FC236}">
+                <a16:creationId xmlns:a16="http://schemas.microsoft.com/office/drawing/2014/main" id="{6BAB2AC9-4F1D-4015-87B3-25970205C991}"/>
+              </a:ext>
+            </a:extLst>
+          </p:cNvPr>
+          <p:cNvSpPr/>
+          <p:nvPr/>
+        </p:nvSpPr>
+        <p:spPr>
+          <a:xfrm>
+            <a:off x="7722844" y="2820976"/>
+            <a:ext cx="3253689" cy="1402681"/>
+          </a:xfrm>
+          <a:prstGeom prst="wedgeRoundRectCallout">
+            <a:avLst>
+              <a:gd name="adj1" fmla="val -48490"/>
+              <a:gd name="adj2" fmla="val 66934"/>
+              <a:gd name="adj3" fmla="val 16667"/>
+            </a:avLst>
+          </a:prstGeom>
+          <a:noFill/>
+        </p:spPr>
+        <p:style>
+          <a:lnRef idx="2">
+            <a:schemeClr val="accent1">
+              <a:shade val="50000"/>
+            </a:schemeClr>
+          </a:lnRef>
+          <a:fillRef idx="1">
+            <a:schemeClr val="accent1"/>
+          </a:fillRef>
+          <a:effectRef idx="0">
+            <a:schemeClr val="accent1"/>
+          </a:effectRef>
+          <a:fontRef idx="minor">
+            <a:schemeClr val="lt1"/>
+          </a:fontRef>
+        </p:style>
+        <p:txBody>
+          <a:bodyPr rtlCol="0" anchor="ctr"/>
+          <a:lstStyle/>
+          <a:p>
+            <a:pPr algn="ctr"/>
+            <a:r>
+              <a:rPr lang="en-US" altLang="ko-KR">
+                <a:solidFill>
+                  <a:schemeClr val="tx1"/>
+                </a:solidFill>
+              </a:rPr>
+              <a:t>It</a:t>
+            </a:r>
+            <a:r>
+              <a:rPr lang="ko-KR" altLang="en-US">
+                <a:solidFill>
+                  <a:schemeClr val="tx1"/>
+                </a:solidFill>
+              </a:rPr>
+              <a:t> </a:t>
+            </a:r>
+            <a:r>
+              <a:rPr lang="en-US" altLang="ko-KR">
+                <a:solidFill>
+                  <a:schemeClr val="tx1"/>
+                </a:solidFill>
+              </a:rPr>
+              <a:t>is “Enjoy</a:t>
+            </a:r>
+            <a:r>
+              <a:rPr lang="en-US" altLang="ko-KR" dirty="0">
+                <a:solidFill>
+                  <a:schemeClr val="tx1"/>
+                </a:solidFill>
+              </a:rPr>
+              <a:t>”.</a:t>
+            </a:r>
+            <a:endParaRPr lang="ko-KR" altLang="en-US" dirty="0">
+              <a:solidFill>
+                <a:schemeClr val="tx1"/>
+              </a:solidFill>
+            </a:endParaRPr>
+          </a:p>
+        </p:txBody>
+      </p:sp>
+      <p:sp>
+        <p:nvSpPr>
+          <p:cNvPr id="22" name="양쪽 중괄호 21">
+            <a:extLst>
+              <a:ext uri="{FF2B5EF4-FFF2-40B4-BE49-F238E27FC236}">
+                <a16:creationId xmlns:a16="http://schemas.microsoft.com/office/drawing/2014/main" id="{25BB5C26-D7F6-45CC-BCBB-D88992ED50E2}"/>
+              </a:ext>
+            </a:extLst>
+          </p:cNvPr>
+          <p:cNvSpPr/>
+          <p:nvPr/>
+        </p:nvSpPr>
+        <p:spPr>
+          <a:xfrm>
+            <a:off x="4859796" y="642326"/>
+            <a:ext cx="2686898" cy="1454161"/>
+          </a:xfrm>
+          <a:prstGeom prst="bracePair">
+            <a:avLst/>
+          </a:prstGeom>
+        </p:spPr>
+        <p:style>
+          <a:lnRef idx="1">
+            <a:schemeClr val="accent1"/>
+          </a:lnRef>
+          <a:fillRef idx="0">
+            <a:schemeClr val="accent1"/>
+          </a:fillRef>
+          <a:effectRef idx="0">
+            <a:schemeClr val="accent1"/>
+          </a:effectRef>
+          <a:fontRef idx="minor">
+            <a:schemeClr val="tx1"/>
+          </a:fontRef>
+        </p:style>
+        <p:txBody>
+          <a:bodyPr rtlCol="0" anchor="ctr"/>
+          <a:lstStyle/>
+          <a:p>
+            <a:pPr algn="ctr"/>
+            <a:endParaRPr lang="ko-KR" altLang="en-US"/>
+          </a:p>
+        </p:txBody>
+      </p:sp>
+      <p:sp>
+        <p:nvSpPr>
+          <p:cNvPr id="23" name="TextBox 22">
+            <a:extLst>
+              <a:ext uri="{FF2B5EF4-FFF2-40B4-BE49-F238E27FC236}">
+                <a16:creationId xmlns:a16="http://schemas.microsoft.com/office/drawing/2014/main" id="{605FF8D3-94F3-4960-942B-BA0396D5C1F6}"/>
+              </a:ext>
+            </a:extLst>
+          </p:cNvPr>
+          <p:cNvSpPr txBox="1"/>
+          <p:nvPr/>
+        </p:nvSpPr>
+        <p:spPr>
+          <a:xfrm>
+            <a:off x="5073494" y="655828"/>
+            <a:ext cx="1922321" cy="2308324"/>
+          </a:xfrm>
+          <a:prstGeom prst="rect">
+            <a:avLst/>
+          </a:prstGeom>
+          <a:noFill/>
+        </p:spPr>
+        <p:txBody>
+          <a:bodyPr wrap="square" rtlCol="0">
+            <a:spAutoFit/>
+          </a:bodyPr>
+          <a:lstStyle/>
+          <a:p>
+            <a:r>
+              <a:rPr lang="en-US" altLang="ko-KR" dirty="0"/>
+              <a:t>“</a:t>
+            </a:r>
+            <a:r>
+              <a:rPr lang="ko-KR" altLang="en-US" dirty="0"/>
+              <a:t>가다</a:t>
+            </a:r>
+            <a:r>
+              <a:rPr lang="en-US" altLang="ko-KR" dirty="0"/>
+              <a:t>”:</a:t>
+            </a:r>
+            <a:r>
+              <a:rPr lang="ko-KR" altLang="en-US" dirty="0"/>
+              <a:t> </a:t>
+            </a:r>
+            <a:r>
+              <a:rPr lang="en-US" altLang="ko-KR" dirty="0"/>
+              <a:t>“Go”,</a:t>
+            </a:r>
+          </a:p>
+          <a:p>
+            <a:endParaRPr lang="en-US" altLang="ko-KR" dirty="0"/>
+          </a:p>
+          <a:p>
+            <a:r>
+              <a:rPr lang="en-US" altLang="ko-KR" dirty="0"/>
+              <a:t>“</a:t>
+            </a:r>
+            <a:r>
+              <a:rPr lang="ko-KR" altLang="en-US" dirty="0"/>
+              <a:t>멈추다</a:t>
+            </a:r>
+            <a:r>
+              <a:rPr lang="en-US" altLang="ko-KR" dirty="0"/>
+              <a:t>”:</a:t>
+            </a:r>
+            <a:r>
+              <a:rPr lang="ko-KR" altLang="en-US" dirty="0"/>
+              <a:t> </a:t>
+            </a:r>
+            <a:r>
+              <a:rPr lang="en-US" altLang="ko-KR" dirty="0"/>
+              <a:t>“Stop”,</a:t>
+            </a:r>
+          </a:p>
+          <a:p>
+            <a:endParaRPr lang="en-US" altLang="ko-KR" dirty="0"/>
+          </a:p>
+          <a:p>
+            <a:r>
+              <a:rPr lang="en-US" altLang="ko-KR" dirty="0"/>
+              <a:t>“</a:t>
+            </a:r>
+            <a:r>
+              <a:rPr lang="ko-KR" altLang="en-US" dirty="0"/>
+              <a:t>즐기다</a:t>
+            </a:r>
+            <a:r>
+              <a:rPr lang="en-US" altLang="ko-KR" dirty="0"/>
+              <a:t>”:</a:t>
+            </a:r>
+            <a:r>
+              <a:rPr lang="ko-KR" altLang="en-US" dirty="0"/>
+              <a:t> </a:t>
+            </a:r>
+            <a:r>
+              <a:rPr lang="en-US" altLang="ko-KR" dirty="0"/>
+              <a:t>“Enjoy”</a:t>
+            </a:r>
+          </a:p>
+          <a:p>
+            <a:r>
+              <a:rPr lang="en-US" altLang="ko-KR" dirty="0"/>
+              <a:t>.</a:t>
+            </a:r>
+          </a:p>
+          <a:p>
+            <a:r>
+              <a:rPr lang="en-US" altLang="ko-KR" dirty="0"/>
+              <a:t>.</a:t>
+            </a:r>
+          </a:p>
+          <a:p>
+            <a:endParaRPr lang="ko-KR" altLang="en-US" dirty="0"/>
+          </a:p>
+        </p:txBody>
+      </p:sp>
+    </p:spTree>
+    <p:extLst>
+      <p:ext uri="{BB962C8B-B14F-4D97-AF65-F5344CB8AC3E}">
+        <p14:creationId xmlns:p14="http://schemas.microsoft.com/office/powerpoint/2010/main" val="3028633267"/>
+      </p:ext>
+    </p:extLst>
+  </p:cSld>
+  <p:clrMapOvr>
+    <a:masterClrMapping/>
+  </p:clrMapOvr>
+</p:sld>
+</file>
+
+<file path=ppt/slides/slide5.xml><?xml version="1.0" encoding="utf-8"?>
+<p:sld xmlns:a="http://schemas.openxmlformats.org/drawingml/2006/main" xmlns:r="http://schemas.openxmlformats.org/officeDocument/2006/relationships" xmlns:p="http://schemas.openxmlformats.org/presentationml/2006/main">
+  <p:cSld>
+    <p:spTree>
+      <p:nvGrpSpPr>
+        <p:cNvPr id="1" name=""/>
+        <p:cNvGrpSpPr/>
+        <p:nvPr/>
+      </p:nvGrpSpPr>
+      <p:grpSpPr>
+        <a:xfrm>
+          <a:off x="0" y="0"/>
+          <a:ext cx="0" cy="0"/>
+          <a:chOff x="0" y="0"/>
+          <a:chExt cx="0" cy="0"/>
+        </a:xfrm>
+      </p:grpSpPr>
       <p:grpSp>
         <p:nvGrpSpPr>
-          <p:cNvPr id="17" name="그룹 16"/>
+          <p:cNvPr id="5" name="그룹 4">
+            <a:extLst>
+              <a:ext uri="{FF2B5EF4-FFF2-40B4-BE49-F238E27FC236}">
+                <a16:creationId xmlns:a16="http://schemas.microsoft.com/office/drawing/2014/main" id="{BBF058AC-120C-4C9F-BE67-60586FAE7057}"/>
+              </a:ext>
+            </a:extLst>
+          </p:cNvPr>
           <p:cNvGrpSpPr/>
           <p:nvPr/>
         </p:nvGrpSpPr>
         <p:grpSpPr>
           <a:xfrm>
-            <a:off x="8022475" y="2699367"/>
-            <a:ext cx="2847975" cy="4001573"/>
-            <a:chOff x="962025" y="2699367"/>
-            <a:chExt cx="3267075" cy="4590433"/>
+            <a:off x="5921829" y="740229"/>
+            <a:ext cx="5897574" cy="5167085"/>
+            <a:chOff x="2612333" y="740229"/>
+            <a:chExt cx="9207070" cy="5431971"/>
           </a:xfrm>
         </p:grpSpPr>
-        <p:cxnSp>
-          <p:nvCxnSpPr>
-            <p:cNvPr id="2" name="직선 연결선 1"/>
-            <p:cNvCxnSpPr/>
+        <p:pic>
+          <p:nvPicPr>
+            <p:cNvPr id="2" name="그림 1">
+              <a:extLst>
+                <a:ext uri="{FF2B5EF4-FFF2-40B4-BE49-F238E27FC236}">
+                  <a16:creationId xmlns:a16="http://schemas.microsoft.com/office/drawing/2014/main" id="{664C8156-936F-40EF-99A5-36A49B330830}"/>
+                </a:ext>
+              </a:extLst>
+            </p:cNvPr>
+            <p:cNvPicPr>
+              <a:picLocks noChangeAspect="1"/>
+            </p:cNvPicPr>
             <p:nvPr/>
-          </p:nvCxnSpPr>
+          </p:nvPicPr>
+          <p:blipFill rotWithShape="1">
+            <a:blip r:embed="rId2"/>
+            <a:srcRect l="44992" t="43269" r="47944" b="54443"/>
+            <a:stretch/>
+          </p:blipFill>
           <p:spPr>
             <a:xfrm>
-              <a:off x="962025" y="2699367"/>
-              <a:ext cx="0" cy="4590433"/>
+              <a:off x="3988787" y="2070261"/>
+              <a:ext cx="1778130" cy="349376"/>
             </a:xfrm>
-            <a:prstGeom prst="line">
+            <a:prstGeom prst="rect">
               <a:avLst/>
             </a:prstGeom>
-            <a:ln w="92075">
-              <a:solidFill>
-                <a:schemeClr val="tx1"/>
-              </a:solidFill>
-            </a:ln>
+          </p:spPr>
+        </p:pic>
+        <p:pic>
+          <p:nvPicPr>
+            <p:cNvPr id="3" name="그림 2">
+              <a:extLst>
+                <a:ext uri="{FF2B5EF4-FFF2-40B4-BE49-F238E27FC236}">
+                  <a16:creationId xmlns:a16="http://schemas.microsoft.com/office/drawing/2014/main" id="{E565DEBA-584A-4D0C-B46C-DFDEE62190E3}"/>
+                </a:ext>
+              </a:extLst>
+            </p:cNvPr>
+            <p:cNvPicPr>
+              <a:picLocks noChangeAspect="1"/>
+            </p:cNvPicPr>
+            <p:nvPr/>
+          </p:nvPicPr>
+          <p:blipFill rotWithShape="1">
+            <a:blip r:embed="rId2"/>
+            <a:srcRect l="45776" t="45779" r="38228" b="23654"/>
+            <a:stretch/>
+          </p:blipFill>
+          <p:spPr>
+            <a:xfrm>
+              <a:off x="7469176" y="1022017"/>
+              <a:ext cx="2411084" cy="2795240"/>
+            </a:xfrm>
+            <a:prstGeom prst="rect">
+              <a:avLst/>
+            </a:prstGeom>
+          </p:spPr>
+        </p:pic>
+        <p:sp>
+          <p:nvSpPr>
+            <p:cNvPr id="4" name="TextBox 3">
+              <a:extLst>
+                <a:ext uri="{FF2B5EF4-FFF2-40B4-BE49-F238E27FC236}">
+                  <a16:creationId xmlns:a16="http://schemas.microsoft.com/office/drawing/2014/main" id="{F681A94F-16F6-47CA-A227-31C61133BC96}"/>
+                </a:ext>
+              </a:extLst>
+            </p:cNvPr>
+            <p:cNvSpPr txBox="1"/>
+            <p:nvPr/>
+          </p:nvSpPr>
+          <p:spPr>
+            <a:xfrm>
+              <a:off x="6925656" y="1985435"/>
+              <a:ext cx="235962" cy="646331"/>
+            </a:xfrm>
+            <a:prstGeom prst="rect">
+              <a:avLst/>
+            </a:prstGeom>
+            <a:noFill/>
+          </p:spPr>
+          <p:txBody>
+            <a:bodyPr wrap="none" rtlCol="0">
+              <a:spAutoFit/>
+            </a:bodyPr>
+            <a:lstStyle/>
+            <a:p>
+              <a:r>
+                <a:rPr lang="en-US" altLang="ko-KR" dirty="0"/>
+                <a:t>:</a:t>
+              </a:r>
+            </a:p>
+            <a:p>
+              <a:endParaRPr lang="ko-KR" altLang="en-US" dirty="0"/>
+            </a:p>
+          </p:txBody>
+        </p:sp>
+        <p:sp>
+          <p:nvSpPr>
+            <p:cNvPr id="14" name="양쪽 중괄호 13">
+              <a:extLst>
+                <a:ext uri="{FF2B5EF4-FFF2-40B4-BE49-F238E27FC236}">
+                  <a16:creationId xmlns:a16="http://schemas.microsoft.com/office/drawing/2014/main" id="{4E912310-70F2-4779-9D5C-F4F43D5A48DA}"/>
+                </a:ext>
+              </a:extLst>
+            </p:cNvPr>
+            <p:cNvSpPr/>
+            <p:nvPr/>
+          </p:nvSpPr>
+          <p:spPr>
+            <a:xfrm>
+              <a:off x="2612333" y="740229"/>
+              <a:ext cx="9207070" cy="5431971"/>
+            </a:xfrm>
+            <a:prstGeom prst="bracePair">
+              <a:avLst/>
+            </a:prstGeom>
           </p:spPr>
           <p:style>
             <a:lnRef idx="1">
@@ -3681,10 +5092,179 @@
               <a:schemeClr val="tx1"/>
             </a:fontRef>
           </p:style>
-        </p:cxnSp>
+          <p:txBody>
+            <a:bodyPr rtlCol="0" anchor="ctr"/>
+            <a:lstStyle/>
+            <a:p>
+              <a:pPr algn="ctr"/>
+              <a:endParaRPr lang="ko-KR" altLang="en-US"/>
+            </a:p>
+          </p:txBody>
+        </p:sp>
         <p:pic>
           <p:nvPicPr>
-            <p:cNvPr id="4" name="그림 3"/>
+            <p:cNvPr id="17" name="그림 16">
+              <a:extLst>
+                <a:ext uri="{FF2B5EF4-FFF2-40B4-BE49-F238E27FC236}">
+                  <a16:creationId xmlns:a16="http://schemas.microsoft.com/office/drawing/2014/main" id="{663645CE-AB24-4433-80C9-95DDBAF0DEBE}"/>
+                </a:ext>
+              </a:extLst>
+            </p:cNvPr>
+            <p:cNvPicPr>
+              <a:picLocks noChangeAspect="1"/>
+            </p:cNvPicPr>
+            <p:nvPr/>
+          </p:nvPicPr>
+          <p:blipFill rotWithShape="1">
+            <a:blip r:embed="rId3"/>
+            <a:srcRect l="44959" t="67791" r="41450" b="29757"/>
+            <a:stretch/>
+          </p:blipFill>
+          <p:spPr>
+            <a:xfrm>
+              <a:off x="3432051" y="4409311"/>
+              <a:ext cx="3191613" cy="349376"/>
+            </a:xfrm>
+            <a:prstGeom prst="rect">
+              <a:avLst/>
+            </a:prstGeom>
+          </p:spPr>
+        </p:pic>
+        <p:pic>
+          <p:nvPicPr>
+            <p:cNvPr id="19" name="그림 18">
+              <a:extLst>
+                <a:ext uri="{FF2B5EF4-FFF2-40B4-BE49-F238E27FC236}">
+                  <a16:creationId xmlns:a16="http://schemas.microsoft.com/office/drawing/2014/main" id="{C9FB6483-D22B-420F-A1FE-323A786BAFF7}"/>
+                </a:ext>
+              </a:extLst>
+            </p:cNvPr>
+            <p:cNvPicPr>
+              <a:picLocks noChangeAspect="1"/>
+            </p:cNvPicPr>
+            <p:nvPr/>
+          </p:nvPicPr>
+          <p:blipFill rotWithShape="1">
+            <a:blip r:embed="rId3"/>
+            <a:srcRect l="45903" t="70320" r="50107" b="24169"/>
+            <a:stretch/>
+          </p:blipFill>
+          <p:spPr>
+            <a:xfrm>
+              <a:off x="7756166" y="4374881"/>
+              <a:ext cx="1634577" cy="1370013"/>
+            </a:xfrm>
+            <a:prstGeom prst="rect">
+              <a:avLst/>
+            </a:prstGeom>
+          </p:spPr>
+        </p:pic>
+        <p:sp>
+          <p:nvSpPr>
+            <p:cNvPr id="22" name="TextBox 21">
+              <a:extLst>
+                <a:ext uri="{FF2B5EF4-FFF2-40B4-BE49-F238E27FC236}">
+                  <a16:creationId xmlns:a16="http://schemas.microsoft.com/office/drawing/2014/main" id="{D4A30E8E-00AF-45A4-9751-79A7CBC362DA}"/>
+                </a:ext>
+              </a:extLst>
+            </p:cNvPr>
+            <p:cNvSpPr txBox="1"/>
+            <p:nvPr/>
+          </p:nvSpPr>
+          <p:spPr>
+            <a:xfrm>
+              <a:off x="6925656" y="4409311"/>
+              <a:ext cx="235962" cy="646331"/>
+            </a:xfrm>
+            <a:prstGeom prst="rect">
+              <a:avLst/>
+            </a:prstGeom>
+            <a:noFill/>
+          </p:spPr>
+          <p:txBody>
+            <a:bodyPr wrap="none" rtlCol="0">
+              <a:spAutoFit/>
+            </a:bodyPr>
+            <a:lstStyle/>
+            <a:p>
+              <a:r>
+                <a:rPr lang="en-US" altLang="ko-KR" dirty="0"/>
+                <a:t>:</a:t>
+              </a:r>
+            </a:p>
+            <a:p>
+              <a:endParaRPr lang="ko-KR" altLang="en-US" dirty="0"/>
+            </a:p>
+          </p:txBody>
+        </p:sp>
+        <p:sp>
+          <p:nvSpPr>
+            <p:cNvPr id="23" name="TextBox 22">
+              <a:extLst>
+                <a:ext uri="{FF2B5EF4-FFF2-40B4-BE49-F238E27FC236}">
+                  <a16:creationId xmlns:a16="http://schemas.microsoft.com/office/drawing/2014/main" id="{B4D9BA87-888F-4482-971E-8348C07DAE13}"/>
+                </a:ext>
+              </a:extLst>
+            </p:cNvPr>
+            <p:cNvSpPr txBox="1"/>
+            <p:nvPr/>
+          </p:nvSpPr>
+          <p:spPr>
+            <a:xfrm>
+              <a:off x="10069836" y="3015582"/>
+              <a:ext cx="332142" cy="1446550"/>
+            </a:xfrm>
+            <a:prstGeom prst="rect">
+              <a:avLst/>
+            </a:prstGeom>
+            <a:noFill/>
+          </p:spPr>
+          <p:txBody>
+            <a:bodyPr wrap="none" rtlCol="0">
+              <a:spAutoFit/>
+            </a:bodyPr>
+            <a:lstStyle/>
+            <a:p>
+              <a:r>
+                <a:rPr lang="en-US" altLang="ko-KR" sz="4400" b="1" dirty="0"/>
+                <a:t>,</a:t>
+              </a:r>
+            </a:p>
+            <a:p>
+              <a:endParaRPr lang="ko-KR" altLang="en-US" sz="4400" b="1" dirty="0"/>
+            </a:p>
+          </p:txBody>
+        </p:sp>
+      </p:grpSp>
+      <p:grpSp>
+        <p:nvGrpSpPr>
+          <p:cNvPr id="6" name="그룹 5">
+            <a:extLst>
+              <a:ext uri="{FF2B5EF4-FFF2-40B4-BE49-F238E27FC236}">
+                <a16:creationId xmlns:a16="http://schemas.microsoft.com/office/drawing/2014/main" id="{B0D77731-9A39-4603-A45F-33240A16B87F}"/>
+              </a:ext>
+            </a:extLst>
+          </p:cNvPr>
+          <p:cNvGrpSpPr/>
+          <p:nvPr/>
+        </p:nvGrpSpPr>
+        <p:grpSpPr>
+          <a:xfrm>
+            <a:off x="343273" y="740228"/>
+            <a:ext cx="4355651" cy="5167085"/>
+            <a:chOff x="343274" y="1634221"/>
+            <a:chExt cx="3511570" cy="3533144"/>
+          </a:xfrm>
+        </p:grpSpPr>
+        <p:pic>
+          <p:nvPicPr>
+            <p:cNvPr id="24" name="그림 23">
+              <a:extLst>
+                <a:ext uri="{FF2B5EF4-FFF2-40B4-BE49-F238E27FC236}">
+                  <a16:creationId xmlns:a16="http://schemas.microsoft.com/office/drawing/2014/main" id="{B2CE19BC-A375-41D1-9429-9C02D2F68DCE}"/>
+                </a:ext>
+              </a:extLst>
+            </p:cNvPr>
             <p:cNvPicPr>
               <a:picLocks noChangeAspect="1"/>
             </p:cNvPicPr>
@@ -3697,8 +5277,8 @@
           </p:blipFill>
           <p:spPr>
             <a:xfrm>
-              <a:off x="1085850" y="2699367"/>
-              <a:ext cx="3143250" cy="3276600"/>
+              <a:off x="1175793" y="1656654"/>
+              <a:ext cx="2204271" cy="2573737"/>
             </a:xfrm>
             <a:prstGeom prst="rect">
               <a:avLst/>
@@ -3707,7 +5287,13 @@
         </p:pic>
         <p:pic>
           <p:nvPicPr>
-            <p:cNvPr id="5" name="그림 4"/>
+            <p:cNvPr id="25" name="그림 24">
+              <a:extLst>
+                <a:ext uri="{FF2B5EF4-FFF2-40B4-BE49-F238E27FC236}">
+                  <a16:creationId xmlns:a16="http://schemas.microsoft.com/office/drawing/2014/main" id="{F31743C1-CF0C-4612-A3F3-B24A53CF73D7}"/>
+                </a:ext>
+              </a:extLst>
+            </p:cNvPr>
             <p:cNvPicPr>
               <a:picLocks noChangeAspect="1"/>
             </p:cNvPicPr>
@@ -3720,46 +5306,8 @@
           </p:blipFill>
           <p:spPr>
             <a:xfrm>
-              <a:off x="1081318" y="6296707"/>
-              <a:ext cx="2861187" cy="796413"/>
-            </a:xfrm>
-            <a:prstGeom prst="rect">
-              <a:avLst/>
-            </a:prstGeom>
-          </p:spPr>
-        </p:pic>
-      </p:grpSp>
-      <p:grpSp>
-        <p:nvGrpSpPr>
-          <p:cNvPr id="18" name="그룹 17"/>
-          <p:cNvGrpSpPr/>
-          <p:nvPr/>
-        </p:nvGrpSpPr>
-        <p:grpSpPr>
-          <a:xfrm>
-            <a:off x="962025" y="232085"/>
-            <a:ext cx="9850467" cy="2378382"/>
-            <a:chOff x="123313" y="320985"/>
-            <a:chExt cx="8401438" cy="2028516"/>
-          </a:xfrm>
-        </p:grpSpPr>
-        <p:pic>
-          <p:nvPicPr>
-            <p:cNvPr id="8" name="그림 7"/>
-            <p:cNvPicPr>
-              <a:picLocks noChangeAspect="1"/>
-            </p:cNvPicPr>
-            <p:nvPr/>
-          </p:nvPicPr>
-          <p:blipFill rotWithShape="1">
-            <a:blip r:embed="rId4"/>
-            <a:srcRect l="16021" t="31464" r="3817" b="32804"/>
-            <a:stretch/>
-          </p:blipFill>
-          <p:spPr>
-            <a:xfrm>
-              <a:off x="123313" y="320985"/>
-              <a:ext cx="8401438" cy="2028516"/>
+              <a:off x="1172615" y="4482329"/>
+              <a:ext cx="2006468" cy="625575"/>
             </a:xfrm>
             <a:prstGeom prst="rect">
               <a:avLst/>
@@ -3768,14 +5316,20 @@
         </p:pic>
         <p:sp>
           <p:nvSpPr>
-            <p:cNvPr id="7" name="직사각형 6"/>
+            <p:cNvPr id="26" name="직사각형 25">
+              <a:extLst>
+                <a:ext uri="{FF2B5EF4-FFF2-40B4-BE49-F238E27FC236}">
+                  <a16:creationId xmlns:a16="http://schemas.microsoft.com/office/drawing/2014/main" id="{7C299ECA-8AE2-44CD-AB7F-D0AC5E8DDF04}"/>
+                </a:ext>
+              </a:extLst>
+            </p:cNvPr>
             <p:cNvSpPr/>
             <p:nvPr/>
           </p:nvSpPr>
           <p:spPr>
             <a:xfrm>
-              <a:off x="580390" y="1176391"/>
-              <a:ext cx="1089660" cy="986419"/>
+              <a:off x="1172615" y="1656654"/>
+              <a:ext cx="2101123" cy="2637849"/>
             </a:xfrm>
             <a:prstGeom prst="rect">
               <a:avLst/>
@@ -3813,53 +5367,22 @@
             </a:p>
           </p:txBody>
         </p:sp>
-        <p:cxnSp>
-          <p:nvCxnSpPr>
-            <p:cNvPr id="10" name="구부러진 연결선 9"/>
-            <p:cNvCxnSpPr/>
-            <p:nvPr/>
-          </p:nvCxnSpPr>
-          <p:spPr>
-            <a:xfrm flipV="1">
-              <a:off x="1670050" y="1084580"/>
-              <a:ext cx="4380230" cy="487680"/>
-            </a:xfrm>
-            <a:prstGeom prst="curvedConnector3">
-              <a:avLst/>
-            </a:prstGeom>
-            <a:ln w="25400">
-              <a:solidFill>
-                <a:srgbClr val="C00000"/>
-              </a:solidFill>
-              <a:prstDash val="dash"/>
-              <a:tailEnd type="triangle"/>
-            </a:ln>
-          </p:spPr>
-          <p:style>
-            <a:lnRef idx="1">
-              <a:schemeClr val="accent1"/>
-            </a:lnRef>
-            <a:fillRef idx="0">
-              <a:schemeClr val="accent1"/>
-            </a:fillRef>
-            <a:effectRef idx="0">
-              <a:schemeClr val="accent1"/>
-            </a:effectRef>
-            <a:fontRef idx="minor">
-              <a:schemeClr val="tx1"/>
-            </a:fontRef>
-          </p:style>
-        </p:cxnSp>
         <p:sp>
           <p:nvSpPr>
-            <p:cNvPr id="13" name="직사각형 12"/>
+            <p:cNvPr id="27" name="직사각형 26">
+              <a:extLst>
+                <a:ext uri="{FF2B5EF4-FFF2-40B4-BE49-F238E27FC236}">
+                  <a16:creationId xmlns:a16="http://schemas.microsoft.com/office/drawing/2014/main" id="{E05E13FE-C87C-4BCB-9FBA-D5BC8B86C903}"/>
+                </a:ext>
+              </a:extLst>
+            </p:cNvPr>
             <p:cNvSpPr/>
             <p:nvPr/>
           </p:nvSpPr>
           <p:spPr>
             <a:xfrm>
-              <a:off x="5074920" y="1281149"/>
-              <a:ext cx="678180" cy="420651"/>
+              <a:off x="1172615" y="4418216"/>
+              <a:ext cx="2101122" cy="689687"/>
             </a:xfrm>
             <a:prstGeom prst="rect">
               <a:avLst/>
@@ -3897,27 +5420,26 @@
             </a:p>
           </p:txBody>
         </p:sp>
-        <p:cxnSp>
-          <p:nvCxnSpPr>
-            <p:cNvPr id="14" name="구부러진 연결선 13"/>
-            <p:cNvCxnSpPr/>
+        <p:sp>
+          <p:nvSpPr>
+            <p:cNvPr id="28" name="양쪽 중괄호 27">
+              <a:extLst>
+                <a:ext uri="{FF2B5EF4-FFF2-40B4-BE49-F238E27FC236}">
+                  <a16:creationId xmlns:a16="http://schemas.microsoft.com/office/drawing/2014/main" id="{BE57DA3D-0EE7-4DCD-B2E0-577349CFF1A0}"/>
+                </a:ext>
+              </a:extLst>
+            </p:cNvPr>
+            <p:cNvSpPr/>
             <p:nvPr/>
-          </p:nvCxnSpPr>
+          </p:nvSpPr>
           <p:spPr>
-            <a:xfrm flipV="1">
-              <a:off x="5753100" y="1165366"/>
-              <a:ext cx="322847" cy="277354"/>
+            <a:xfrm>
+              <a:off x="343274" y="1634221"/>
+              <a:ext cx="3511570" cy="3533144"/>
             </a:xfrm>
-            <a:prstGeom prst="curvedConnector3">
+            <a:prstGeom prst="bracePair">
               <a:avLst/>
             </a:prstGeom>
-            <a:ln w="25400">
-              <a:solidFill>
-                <a:srgbClr val="00B050"/>
-              </a:solidFill>
-              <a:prstDash val="dash"/>
-              <a:tailEnd type="triangle"/>
-            </a:ln>
           </p:spPr>
           <p:style>
             <a:lnRef idx="1">
@@ -3933,68 +5455,52 @@
               <a:schemeClr val="tx1"/>
             </a:fontRef>
           </p:style>
-        </p:cxnSp>
+          <p:txBody>
+            <a:bodyPr rtlCol="0" anchor="ctr"/>
+            <a:lstStyle/>
+            <a:p>
+              <a:pPr algn="ctr"/>
+              <a:endParaRPr lang="ko-KR" altLang="en-US"/>
+            </a:p>
+          </p:txBody>
+        </p:sp>
       </p:grpSp>
-    </p:spTree>
-    <p:extLst>
-      <p:ext uri="{BB962C8B-B14F-4D97-AF65-F5344CB8AC3E}">
-        <p14:creationId xmlns:p14="http://schemas.microsoft.com/office/powerpoint/2010/main" val="4292616408"/>
-      </p:ext>
-    </p:extLst>
-  </p:cSld>
-  <p:clrMapOvr>
-    <a:masterClrMapping/>
-  </p:clrMapOvr>
-</p:sld>
-</file>
-
-<file path=ppt/slides/slide4.xml><?xml version="1.0" encoding="utf-8"?>
-<p:sld xmlns:a="http://schemas.openxmlformats.org/drawingml/2006/main" xmlns:r="http://schemas.openxmlformats.org/officeDocument/2006/relationships" xmlns:p="http://schemas.openxmlformats.org/presentationml/2006/main">
-  <p:cSld>
-    <p:spTree>
-      <p:nvGrpSpPr>
-        <p:cNvPr id="1" name=""/>
-        <p:cNvGrpSpPr/>
-        <p:nvPr/>
-      </p:nvGrpSpPr>
-      <p:grpSpPr>
-        <a:xfrm>
-          <a:off x="0" y="0"/>
-          <a:ext cx="0" cy="0"/>
-          <a:chOff x="0" y="0"/>
-          <a:chExt cx="0" cy="0"/>
-        </a:xfrm>
-      </p:grpSpPr>
-    </p:spTree>
-    <p:extLst>
-      <p:ext uri="{BB962C8B-B14F-4D97-AF65-F5344CB8AC3E}">
-        <p14:creationId xmlns:p14="http://schemas.microsoft.com/office/powerpoint/2010/main" val="2089554246"/>
-      </p:ext>
-    </p:extLst>
-  </p:cSld>
-  <p:clrMapOvr>
-    <a:masterClrMapping/>
-  </p:clrMapOvr>
-</p:sld>
-</file>
-
-<file path=ppt/slides/slide5.xml><?xml version="1.0" encoding="utf-8"?>
-<p:sld xmlns:a="http://schemas.openxmlformats.org/drawingml/2006/main" xmlns:r="http://schemas.openxmlformats.org/officeDocument/2006/relationships" xmlns:p="http://schemas.openxmlformats.org/presentationml/2006/main">
-  <p:cSld>
-    <p:spTree>
-      <p:nvGrpSpPr>
-        <p:cNvPr id="1" name=""/>
-        <p:cNvGrpSpPr/>
-        <p:nvPr/>
-      </p:nvGrpSpPr>
-      <p:grpSpPr>
-        <a:xfrm>
-          <a:off x="0" y="0"/>
-          <a:ext cx="0" cy="0"/>
-          <a:chOff x="0" y="0"/>
-          <a:chExt cx="0" cy="0"/>
-        </a:xfrm>
-      </p:grpSpPr>
+      <p:sp>
+        <p:nvSpPr>
+          <p:cNvPr id="7" name="TextBox 6">
+            <a:extLst>
+              <a:ext uri="{FF2B5EF4-FFF2-40B4-BE49-F238E27FC236}">
+                <a16:creationId xmlns:a16="http://schemas.microsoft.com/office/drawing/2014/main" id="{209E7554-751A-4551-98E8-CCAFFA61DB60}"/>
+              </a:ext>
+            </a:extLst>
+          </p:cNvPr>
+          <p:cNvSpPr txBox="1"/>
+          <p:nvPr/>
+        </p:nvSpPr>
+        <p:spPr>
+          <a:xfrm>
+            <a:off x="5074682" y="3020877"/>
+            <a:ext cx="516488" cy="646331"/>
+          </a:xfrm>
+          <a:prstGeom prst="rect">
+            <a:avLst/>
+          </a:prstGeom>
+          <a:noFill/>
+        </p:spPr>
+        <p:txBody>
+          <a:bodyPr wrap="none" rtlCol="0">
+            <a:spAutoFit/>
+          </a:bodyPr>
+          <a:lstStyle/>
+          <a:p>
+            <a:r>
+              <a:rPr lang="en-US" altLang="ko-KR" sz="3600" b="1" dirty="0"/>
+              <a:t>=</a:t>
+            </a:r>
+            <a:endParaRPr lang="ko-KR" altLang="en-US" sz="3600" b="1" dirty="0"/>
+          </a:p>
+        </p:txBody>
+      </p:sp>
     </p:spTree>
     <p:extLst>
       <p:ext uri="{BB962C8B-B14F-4D97-AF65-F5344CB8AC3E}">
@@ -4025,10 +5531,767 @@
           <a:chExt cx="0" cy="0"/>
         </a:xfrm>
       </p:grpSpPr>
+      <p:sp>
+        <p:nvSpPr>
+          <p:cNvPr id="2" name="양쪽 중괄호 1">
+            <a:extLst>
+              <a:ext uri="{FF2B5EF4-FFF2-40B4-BE49-F238E27FC236}">
+                <a16:creationId xmlns:a16="http://schemas.microsoft.com/office/drawing/2014/main" id="{CD17D0D2-3864-48E9-AD9A-A4BFDEB8CAA2}"/>
+              </a:ext>
+            </a:extLst>
+          </p:cNvPr>
+          <p:cNvSpPr/>
+          <p:nvPr/>
+        </p:nvSpPr>
+        <p:spPr>
+          <a:xfrm>
+            <a:off x="507762" y="642326"/>
+            <a:ext cx="1966067" cy="1454161"/>
+          </a:xfrm>
+          <a:prstGeom prst="bracePair">
+            <a:avLst/>
+          </a:prstGeom>
+        </p:spPr>
+        <p:style>
+          <a:lnRef idx="1">
+            <a:schemeClr val="accent1"/>
+          </a:lnRef>
+          <a:fillRef idx="0">
+            <a:schemeClr val="accent1"/>
+          </a:fillRef>
+          <a:effectRef idx="0">
+            <a:schemeClr val="accent1"/>
+          </a:effectRef>
+          <a:fontRef idx="minor">
+            <a:schemeClr val="tx1"/>
+          </a:fontRef>
+        </p:style>
+        <p:txBody>
+          <a:bodyPr rtlCol="0" anchor="ctr"/>
+          <a:lstStyle/>
+          <a:p>
+            <a:pPr algn="ctr"/>
+            <a:endParaRPr lang="ko-KR" altLang="en-US"/>
+          </a:p>
+        </p:txBody>
+      </p:sp>
+      <p:sp>
+        <p:nvSpPr>
+          <p:cNvPr id="3" name="TextBox 2">
+            <a:extLst>
+              <a:ext uri="{FF2B5EF4-FFF2-40B4-BE49-F238E27FC236}">
+                <a16:creationId xmlns:a16="http://schemas.microsoft.com/office/drawing/2014/main" id="{FCBE3684-648B-4D36-BFE0-03B38F7B3F35}"/>
+              </a:ext>
+            </a:extLst>
+          </p:cNvPr>
+          <p:cNvSpPr txBox="1"/>
+          <p:nvPr/>
+        </p:nvSpPr>
+        <p:spPr>
+          <a:xfrm>
+            <a:off x="733935" y="645821"/>
+            <a:ext cx="1553310" cy="1754326"/>
+          </a:xfrm>
+          <a:prstGeom prst="rect">
+            <a:avLst/>
+          </a:prstGeom>
+          <a:noFill/>
+        </p:spPr>
+        <p:txBody>
+          <a:bodyPr wrap="none" rtlCol="0">
+            <a:spAutoFit/>
+          </a:bodyPr>
+          <a:lstStyle/>
+          <a:p>
+            <a:r>
+              <a:rPr lang="en-US" altLang="ko-KR" dirty="0"/>
+              <a:t>Key1:</a:t>
+            </a:r>
+            <a:r>
+              <a:rPr lang="ko-KR" altLang="en-US" dirty="0"/>
+              <a:t> </a:t>
+            </a:r>
+            <a:r>
+              <a:rPr lang="en-US" altLang="ko-KR" dirty="0"/>
+              <a:t>Value1,</a:t>
+            </a:r>
+          </a:p>
+          <a:p>
+            <a:r>
+              <a:rPr lang="en-US" altLang="ko-KR" dirty="0"/>
+              <a:t>Key2:</a:t>
+            </a:r>
+            <a:r>
+              <a:rPr lang="ko-KR" altLang="en-US" dirty="0"/>
+              <a:t> </a:t>
+            </a:r>
+            <a:r>
+              <a:rPr lang="en-US" altLang="ko-KR" dirty="0"/>
+              <a:t>Value2,</a:t>
+            </a:r>
+          </a:p>
+          <a:p>
+            <a:r>
+              <a:rPr lang="en-US" altLang="ko-KR" dirty="0"/>
+              <a:t>Key3:</a:t>
+            </a:r>
+            <a:r>
+              <a:rPr lang="ko-KR" altLang="en-US" dirty="0"/>
+              <a:t> </a:t>
+            </a:r>
+            <a:r>
+              <a:rPr lang="en-US" altLang="ko-KR" dirty="0"/>
+              <a:t>Value3</a:t>
+            </a:r>
+          </a:p>
+          <a:p>
+            <a:r>
+              <a:rPr lang="en-US" altLang="ko-KR" dirty="0"/>
+              <a:t>.</a:t>
+            </a:r>
+          </a:p>
+          <a:p>
+            <a:r>
+              <a:rPr lang="en-US" altLang="ko-KR" dirty="0"/>
+              <a:t>.</a:t>
+            </a:r>
+          </a:p>
+          <a:p>
+            <a:endParaRPr lang="ko-KR" altLang="en-US" dirty="0"/>
+          </a:p>
+        </p:txBody>
+      </p:sp>
+      <p:sp>
+        <p:nvSpPr>
+          <p:cNvPr id="6" name="TextBox 5">
+            <a:extLst>
+              <a:ext uri="{FF2B5EF4-FFF2-40B4-BE49-F238E27FC236}">
+                <a16:creationId xmlns:a16="http://schemas.microsoft.com/office/drawing/2014/main" id="{FAB80531-40C5-42D7-A1A7-9E317CDC97AE}"/>
+              </a:ext>
+            </a:extLst>
+          </p:cNvPr>
+          <p:cNvSpPr txBox="1"/>
+          <p:nvPr/>
+        </p:nvSpPr>
+        <p:spPr>
+          <a:xfrm>
+            <a:off x="4859796" y="272994"/>
+            <a:ext cx="1571649" cy="369332"/>
+          </a:xfrm>
+          <a:prstGeom prst="rect">
+            <a:avLst/>
+          </a:prstGeom>
+          <a:noFill/>
+        </p:spPr>
+        <p:txBody>
+          <a:bodyPr wrap="none" rtlCol="0">
+            <a:spAutoFit/>
+          </a:bodyPr>
+          <a:lstStyle/>
+          <a:p>
+            <a:r>
+              <a:rPr lang="en-US" altLang="ko-KR" dirty="0"/>
+              <a:t>&lt;Dictionary&gt;</a:t>
+            </a:r>
+            <a:endParaRPr lang="ko-KR" altLang="en-US" dirty="0"/>
+          </a:p>
+        </p:txBody>
+      </p:sp>
+      <p:sp>
+        <p:nvSpPr>
+          <p:cNvPr id="7" name="TextBox 6">
+            <a:extLst>
+              <a:ext uri="{FF2B5EF4-FFF2-40B4-BE49-F238E27FC236}">
+                <a16:creationId xmlns:a16="http://schemas.microsoft.com/office/drawing/2014/main" id="{88582F1D-E131-4937-9CDD-0A5B793685DE}"/>
+              </a:ext>
+            </a:extLst>
+          </p:cNvPr>
+          <p:cNvSpPr txBox="1"/>
+          <p:nvPr/>
+        </p:nvSpPr>
+        <p:spPr>
+          <a:xfrm>
+            <a:off x="507762" y="272994"/>
+            <a:ext cx="1571649" cy="369332"/>
+          </a:xfrm>
+          <a:prstGeom prst="rect">
+            <a:avLst/>
+          </a:prstGeom>
+          <a:noFill/>
+        </p:spPr>
+        <p:txBody>
+          <a:bodyPr wrap="none" rtlCol="0">
+            <a:spAutoFit/>
+          </a:bodyPr>
+          <a:lstStyle/>
+          <a:p>
+            <a:r>
+              <a:rPr lang="en-US" altLang="ko-KR" dirty="0"/>
+              <a:t>&lt;Dictionary&gt;</a:t>
+            </a:r>
+            <a:endParaRPr lang="ko-KR" altLang="en-US" dirty="0"/>
+          </a:p>
+        </p:txBody>
+      </p:sp>
+      <p:pic>
+        <p:nvPicPr>
+          <p:cNvPr id="1026" name="Picture 2" descr="Computer Desk Man - Free vector graphic on Pixabay">
+            <a:extLst>
+              <a:ext uri="{FF2B5EF4-FFF2-40B4-BE49-F238E27FC236}">
+                <a16:creationId xmlns:a16="http://schemas.microsoft.com/office/drawing/2014/main" id="{DAAA4DD9-5CE6-4826-91A8-765459EDDE43}"/>
+              </a:ext>
+            </a:extLst>
+          </p:cNvPr>
+          <p:cNvPicPr>
+            <a:picLocks noChangeAspect="1" noChangeArrowheads="1"/>
+          </p:cNvPicPr>
+          <p:nvPr/>
+        </p:nvPicPr>
+        <p:blipFill rotWithShape="1">
+          <a:blip r:embed="rId2">
+            <a:extLst>
+              <a:ext uri="{28A0092B-C50C-407E-A947-70E740481C1C}">
+                <a14:useLocalDpi xmlns:a14="http://schemas.microsoft.com/office/drawing/2010/main" val="0"/>
+              </a:ext>
+            </a:extLst>
+          </a:blip>
+          <a:srcRect l="4156" t="4411" r="4024" b="5512"/>
+          <a:stretch/>
+        </p:blipFill>
+        <p:spPr bwMode="auto">
+          <a:xfrm>
+            <a:off x="4469155" y="3475389"/>
+            <a:ext cx="3253689" cy="2946400"/>
+          </a:xfrm>
+          <a:prstGeom prst="rect">
+            <a:avLst/>
+          </a:prstGeom>
+          <a:noFill/>
+          <a:extLst>
+            <a:ext uri="{909E8E84-426E-40DD-AFC4-6F175D3DCCD1}">
+              <a14:hiddenFill xmlns:a14="http://schemas.microsoft.com/office/drawing/2010/main">
+                <a:solidFill>
+                  <a:srgbClr val="FFFFFF"/>
+                </a:solidFill>
+              </a14:hiddenFill>
+            </a:ext>
+          </a:extLst>
+        </p:spPr>
+      </p:pic>
+      <p:sp>
+        <p:nvSpPr>
+          <p:cNvPr id="8" name="말풍선: 타원형 7">
+            <a:extLst>
+              <a:ext uri="{FF2B5EF4-FFF2-40B4-BE49-F238E27FC236}">
+                <a16:creationId xmlns:a16="http://schemas.microsoft.com/office/drawing/2014/main" id="{778B71BC-7182-4BD5-8445-85B1E5B9872F}"/>
+              </a:ext>
+            </a:extLst>
+          </p:cNvPr>
+          <p:cNvSpPr/>
+          <p:nvPr/>
+        </p:nvSpPr>
+        <p:spPr>
+          <a:xfrm>
+            <a:off x="426681" y="2820977"/>
+            <a:ext cx="3253689" cy="1636877"/>
+          </a:xfrm>
+          <a:prstGeom prst="wedgeEllipseCallout">
+            <a:avLst>
+              <a:gd name="adj1" fmla="val 77322"/>
+              <a:gd name="adj2" fmla="val 40332"/>
+            </a:avLst>
+          </a:prstGeom>
+        </p:spPr>
+        <p:style>
+          <a:lnRef idx="2">
+            <a:schemeClr val="accent1">
+              <a:shade val="50000"/>
+            </a:schemeClr>
+          </a:lnRef>
+          <a:fillRef idx="1">
+            <a:schemeClr val="accent1"/>
+          </a:fillRef>
+          <a:effectRef idx="0">
+            <a:schemeClr val="accent1"/>
+          </a:effectRef>
+          <a:fontRef idx="minor">
+            <a:schemeClr val="lt1"/>
+          </a:fontRef>
+        </p:style>
+        <p:txBody>
+          <a:bodyPr rtlCol="0" anchor="ctr"/>
+          <a:lstStyle/>
+          <a:p>
+            <a:pPr algn="ctr"/>
+            <a:r>
+              <a:rPr lang="en-US" altLang="ko-KR" dirty="0"/>
+              <a:t>Hey, Dictionary~</a:t>
+            </a:r>
+          </a:p>
+          <a:p>
+            <a:pPr algn="ctr"/>
+            <a:endParaRPr lang="en-US" altLang="ko-KR" dirty="0"/>
+          </a:p>
+          <a:p>
+            <a:pPr algn="ctr"/>
+            <a:r>
+              <a:rPr lang="en-US" altLang="ko-KR" dirty="0"/>
+              <a:t>Show me the</a:t>
+            </a:r>
+          </a:p>
+          <a:p>
+            <a:pPr algn="ctr"/>
+            <a:r>
+              <a:rPr lang="en-US" altLang="ko-KR" dirty="0"/>
+              <a:t>“</a:t>
+            </a:r>
+            <a:r>
+              <a:rPr lang="ko-KR" altLang="en-US" dirty="0"/>
+              <a:t>즐기다</a:t>
+            </a:r>
+            <a:r>
+              <a:rPr lang="en-US" altLang="ko-KR" dirty="0"/>
+              <a:t>”.</a:t>
+            </a:r>
+            <a:endParaRPr lang="ko-KR" altLang="en-US" dirty="0"/>
+          </a:p>
+        </p:txBody>
+      </p:sp>
+      <p:sp>
+        <p:nvSpPr>
+          <p:cNvPr id="9" name="말풍선: 모서리가 둥근 사각형 8">
+            <a:extLst>
+              <a:ext uri="{FF2B5EF4-FFF2-40B4-BE49-F238E27FC236}">
+                <a16:creationId xmlns:a16="http://schemas.microsoft.com/office/drawing/2014/main" id="{6BAB2AC9-4F1D-4015-87B3-25970205C991}"/>
+              </a:ext>
+            </a:extLst>
+          </p:cNvPr>
+          <p:cNvSpPr/>
+          <p:nvPr/>
+        </p:nvSpPr>
+        <p:spPr>
+          <a:xfrm>
+            <a:off x="7722844" y="2820976"/>
+            <a:ext cx="3253689" cy="2827470"/>
+          </a:xfrm>
+          <a:prstGeom prst="wedgeRoundRectCallout">
+            <a:avLst>
+              <a:gd name="adj1" fmla="val -59874"/>
+              <a:gd name="adj2" fmla="val 7985"/>
+              <a:gd name="adj3" fmla="val 16667"/>
+            </a:avLst>
+          </a:prstGeom>
+          <a:noFill/>
+        </p:spPr>
+        <p:style>
+          <a:lnRef idx="2">
+            <a:schemeClr val="accent1">
+              <a:shade val="50000"/>
+            </a:schemeClr>
+          </a:lnRef>
+          <a:fillRef idx="1">
+            <a:schemeClr val="accent1"/>
+          </a:fillRef>
+          <a:effectRef idx="0">
+            <a:schemeClr val="accent1"/>
+          </a:effectRef>
+          <a:fontRef idx="minor">
+            <a:schemeClr val="lt1"/>
+          </a:fontRef>
+        </p:style>
+        <p:txBody>
+          <a:bodyPr rtlCol="0" anchor="ctr"/>
+          <a:lstStyle/>
+          <a:p>
+            <a:r>
+              <a:rPr lang="en-US" altLang="ko-KR" dirty="0">
+                <a:solidFill>
+                  <a:schemeClr val="tx1"/>
+                </a:solidFill>
+              </a:rPr>
+              <a:t>It</a:t>
+            </a:r>
+            <a:r>
+              <a:rPr lang="ko-KR" altLang="en-US" dirty="0">
+                <a:solidFill>
+                  <a:schemeClr val="tx1"/>
+                </a:solidFill>
+              </a:rPr>
+              <a:t> </a:t>
+            </a:r>
+            <a:r>
+              <a:rPr lang="en-US" altLang="ko-KR" dirty="0">
+                <a:solidFill>
+                  <a:schemeClr val="tx1"/>
+                </a:solidFill>
+              </a:rPr>
+              <a:t>is     “Enjoy”.</a:t>
+            </a:r>
+            <a:endParaRPr lang="ko-KR" altLang="en-US" dirty="0">
+              <a:solidFill>
+                <a:schemeClr val="tx1"/>
+              </a:solidFill>
+            </a:endParaRPr>
+          </a:p>
+        </p:txBody>
+      </p:sp>
+      <p:pic>
+        <p:nvPicPr>
+          <p:cNvPr id="11" name="그림 10">
+            <a:extLst>
+              <a:ext uri="{FF2B5EF4-FFF2-40B4-BE49-F238E27FC236}">
+                <a16:creationId xmlns:a16="http://schemas.microsoft.com/office/drawing/2014/main" id="{69D2BD6F-71AA-4318-88C9-614C1CFFF726}"/>
+              </a:ext>
+            </a:extLst>
+          </p:cNvPr>
+          <p:cNvPicPr>
+            <a:picLocks noChangeAspect="1"/>
+          </p:cNvPicPr>
+          <p:nvPr/>
+        </p:nvPicPr>
+        <p:blipFill rotWithShape="1">
+          <a:blip r:embed="rId3"/>
+          <a:srcRect l="45078" t="43535" r="48168" b="54797"/>
+          <a:stretch/>
+        </p:blipFill>
+        <p:spPr>
+          <a:xfrm>
+            <a:off x="1372156" y="3909060"/>
+            <a:ext cx="1414509" cy="314597"/>
+          </a:xfrm>
+          <a:prstGeom prst="rect">
+            <a:avLst/>
+          </a:prstGeom>
+        </p:spPr>
+      </p:pic>
+      <p:pic>
+        <p:nvPicPr>
+          <p:cNvPr id="12" name="그림 11">
+            <a:extLst>
+              <a:ext uri="{FF2B5EF4-FFF2-40B4-BE49-F238E27FC236}">
+                <a16:creationId xmlns:a16="http://schemas.microsoft.com/office/drawing/2014/main" id="{91C785F4-CC7D-4C7D-A856-314852BFF43C}"/>
+              </a:ext>
+            </a:extLst>
+          </p:cNvPr>
+          <p:cNvPicPr>
+            <a:picLocks noChangeAspect="1"/>
+          </p:cNvPicPr>
+          <p:nvPr/>
+        </p:nvPicPr>
+        <p:blipFill rotWithShape="1">
+          <a:blip r:embed="rId3"/>
+          <a:srcRect l="45776" t="45779" r="38228" b="23654"/>
+          <a:stretch/>
+        </p:blipFill>
+        <p:spPr>
+          <a:xfrm>
+            <a:off x="8669438" y="3009348"/>
+            <a:ext cx="1756865" cy="2308324"/>
+          </a:xfrm>
+          <a:prstGeom prst="rect">
+            <a:avLst/>
+          </a:prstGeom>
+        </p:spPr>
+      </p:pic>
+      <p:grpSp>
+        <p:nvGrpSpPr>
+          <p:cNvPr id="13" name="그룹 12">
+            <a:extLst>
+              <a:ext uri="{FF2B5EF4-FFF2-40B4-BE49-F238E27FC236}">
+                <a16:creationId xmlns:a16="http://schemas.microsoft.com/office/drawing/2014/main" id="{2C9CB3BF-4798-4239-A53B-74FB8A656BD3}"/>
+              </a:ext>
+            </a:extLst>
+          </p:cNvPr>
+          <p:cNvGrpSpPr/>
+          <p:nvPr/>
+        </p:nvGrpSpPr>
+        <p:grpSpPr>
+          <a:xfrm>
+            <a:off x="4859796" y="642326"/>
+            <a:ext cx="2686898" cy="1615830"/>
+            <a:chOff x="2612333" y="740229"/>
+            <a:chExt cx="9207070" cy="6035876"/>
+          </a:xfrm>
+        </p:grpSpPr>
+        <p:pic>
+          <p:nvPicPr>
+            <p:cNvPr id="14" name="그림 13">
+              <a:extLst>
+                <a:ext uri="{FF2B5EF4-FFF2-40B4-BE49-F238E27FC236}">
+                  <a16:creationId xmlns:a16="http://schemas.microsoft.com/office/drawing/2014/main" id="{D5F6CC41-74B3-464B-B888-D97EDB7C0B52}"/>
+                </a:ext>
+              </a:extLst>
+            </p:cNvPr>
+            <p:cNvPicPr>
+              <a:picLocks noChangeAspect="1"/>
+            </p:cNvPicPr>
+            <p:nvPr/>
+          </p:nvPicPr>
+          <p:blipFill rotWithShape="1">
+            <a:blip r:embed="rId3"/>
+            <a:srcRect l="44992" t="43269" r="47944" b="54443"/>
+            <a:stretch/>
+          </p:blipFill>
+          <p:spPr>
+            <a:xfrm>
+              <a:off x="3988787" y="2070261"/>
+              <a:ext cx="1778130" cy="349376"/>
+            </a:xfrm>
+            <a:prstGeom prst="rect">
+              <a:avLst/>
+            </a:prstGeom>
+          </p:spPr>
+        </p:pic>
+        <p:pic>
+          <p:nvPicPr>
+            <p:cNvPr id="15" name="그림 14">
+              <a:extLst>
+                <a:ext uri="{FF2B5EF4-FFF2-40B4-BE49-F238E27FC236}">
+                  <a16:creationId xmlns:a16="http://schemas.microsoft.com/office/drawing/2014/main" id="{3395815D-EB8B-4E37-A2F7-1DD5992AE4A0}"/>
+                </a:ext>
+              </a:extLst>
+            </p:cNvPr>
+            <p:cNvPicPr>
+              <a:picLocks noChangeAspect="1"/>
+            </p:cNvPicPr>
+            <p:nvPr/>
+          </p:nvPicPr>
+          <p:blipFill rotWithShape="1">
+            <a:blip r:embed="rId3"/>
+            <a:srcRect l="45776" t="45779" r="38228" b="23654"/>
+            <a:stretch/>
+          </p:blipFill>
+          <p:spPr>
+            <a:xfrm>
+              <a:off x="7469176" y="1022017"/>
+              <a:ext cx="2411084" cy="2795240"/>
+            </a:xfrm>
+            <a:prstGeom prst="rect">
+              <a:avLst/>
+            </a:prstGeom>
+          </p:spPr>
+        </p:pic>
+        <p:sp>
+          <p:nvSpPr>
+            <p:cNvPr id="16" name="TextBox 15">
+              <a:extLst>
+                <a:ext uri="{FF2B5EF4-FFF2-40B4-BE49-F238E27FC236}">
+                  <a16:creationId xmlns:a16="http://schemas.microsoft.com/office/drawing/2014/main" id="{0F9D0CBC-2262-46BF-9D72-7278643BE207}"/>
+                </a:ext>
+              </a:extLst>
+            </p:cNvPr>
+            <p:cNvSpPr txBox="1"/>
+            <p:nvPr/>
+          </p:nvSpPr>
+          <p:spPr>
+            <a:xfrm>
+              <a:off x="6925656" y="1985435"/>
+              <a:ext cx="235962" cy="646331"/>
+            </a:xfrm>
+            <a:prstGeom prst="rect">
+              <a:avLst/>
+            </a:prstGeom>
+            <a:noFill/>
+          </p:spPr>
+          <p:txBody>
+            <a:bodyPr wrap="none" rtlCol="0">
+              <a:spAutoFit/>
+            </a:bodyPr>
+            <a:lstStyle/>
+            <a:p>
+              <a:r>
+                <a:rPr lang="en-US" altLang="ko-KR" dirty="0"/>
+                <a:t>:</a:t>
+              </a:r>
+            </a:p>
+            <a:p>
+              <a:endParaRPr lang="ko-KR" altLang="en-US" dirty="0"/>
+            </a:p>
+          </p:txBody>
+        </p:sp>
+        <p:sp>
+          <p:nvSpPr>
+            <p:cNvPr id="17" name="양쪽 중괄호 16">
+              <a:extLst>
+                <a:ext uri="{FF2B5EF4-FFF2-40B4-BE49-F238E27FC236}">
+                  <a16:creationId xmlns:a16="http://schemas.microsoft.com/office/drawing/2014/main" id="{F5207295-1912-454E-AF6E-48C9F7853016}"/>
+                </a:ext>
+              </a:extLst>
+            </p:cNvPr>
+            <p:cNvSpPr/>
+            <p:nvPr/>
+          </p:nvSpPr>
+          <p:spPr>
+            <a:xfrm>
+              <a:off x="2612333" y="740229"/>
+              <a:ext cx="9207070" cy="5431971"/>
+            </a:xfrm>
+            <a:prstGeom prst="bracePair">
+              <a:avLst/>
+            </a:prstGeom>
+          </p:spPr>
+          <p:style>
+            <a:lnRef idx="1">
+              <a:schemeClr val="accent1"/>
+            </a:lnRef>
+            <a:fillRef idx="0">
+              <a:schemeClr val="accent1"/>
+            </a:fillRef>
+            <a:effectRef idx="0">
+              <a:schemeClr val="accent1"/>
+            </a:effectRef>
+            <a:fontRef idx="minor">
+              <a:schemeClr val="tx1"/>
+            </a:fontRef>
+          </p:style>
+          <p:txBody>
+            <a:bodyPr rtlCol="0" anchor="ctr"/>
+            <a:lstStyle/>
+            <a:p>
+              <a:pPr algn="ctr"/>
+              <a:endParaRPr lang="ko-KR" altLang="en-US"/>
+            </a:p>
+          </p:txBody>
+        </p:sp>
+        <p:pic>
+          <p:nvPicPr>
+            <p:cNvPr id="18" name="그림 17">
+              <a:extLst>
+                <a:ext uri="{FF2B5EF4-FFF2-40B4-BE49-F238E27FC236}">
+                  <a16:creationId xmlns:a16="http://schemas.microsoft.com/office/drawing/2014/main" id="{0AAF61F7-14AE-41C9-9B05-592024B35A4F}"/>
+                </a:ext>
+              </a:extLst>
+            </p:cNvPr>
+            <p:cNvPicPr>
+              <a:picLocks noChangeAspect="1"/>
+            </p:cNvPicPr>
+            <p:nvPr/>
+          </p:nvPicPr>
+          <p:blipFill rotWithShape="1">
+            <a:blip r:embed="rId4"/>
+            <a:srcRect l="44959" t="67791" r="41450" b="29757"/>
+            <a:stretch/>
+          </p:blipFill>
+          <p:spPr>
+            <a:xfrm>
+              <a:off x="3432051" y="4409311"/>
+              <a:ext cx="3191613" cy="349376"/>
+            </a:xfrm>
+            <a:prstGeom prst="rect">
+              <a:avLst/>
+            </a:prstGeom>
+          </p:spPr>
+        </p:pic>
+        <p:pic>
+          <p:nvPicPr>
+            <p:cNvPr id="19" name="그림 18">
+              <a:extLst>
+                <a:ext uri="{FF2B5EF4-FFF2-40B4-BE49-F238E27FC236}">
+                  <a16:creationId xmlns:a16="http://schemas.microsoft.com/office/drawing/2014/main" id="{5085C410-B66C-4320-B5C6-5808A72BBE6F}"/>
+                </a:ext>
+              </a:extLst>
+            </p:cNvPr>
+            <p:cNvPicPr>
+              <a:picLocks noChangeAspect="1"/>
+            </p:cNvPicPr>
+            <p:nvPr/>
+          </p:nvPicPr>
+          <p:blipFill rotWithShape="1">
+            <a:blip r:embed="rId4"/>
+            <a:srcRect l="45903" t="70320" r="50107" b="24169"/>
+            <a:stretch/>
+          </p:blipFill>
+          <p:spPr>
+            <a:xfrm>
+              <a:off x="7756166" y="4374881"/>
+              <a:ext cx="1634577" cy="1370013"/>
+            </a:xfrm>
+            <a:prstGeom prst="rect">
+              <a:avLst/>
+            </a:prstGeom>
+          </p:spPr>
+        </p:pic>
+        <p:sp>
+          <p:nvSpPr>
+            <p:cNvPr id="20" name="TextBox 19">
+              <a:extLst>
+                <a:ext uri="{FF2B5EF4-FFF2-40B4-BE49-F238E27FC236}">
+                  <a16:creationId xmlns:a16="http://schemas.microsoft.com/office/drawing/2014/main" id="{FB5679DE-8730-45B9-8A47-DEE98FEA7A2B}"/>
+                </a:ext>
+              </a:extLst>
+            </p:cNvPr>
+            <p:cNvSpPr txBox="1"/>
+            <p:nvPr/>
+          </p:nvSpPr>
+          <p:spPr>
+            <a:xfrm>
+              <a:off x="6925656" y="4409311"/>
+              <a:ext cx="235962" cy="646331"/>
+            </a:xfrm>
+            <a:prstGeom prst="rect">
+              <a:avLst/>
+            </a:prstGeom>
+            <a:noFill/>
+          </p:spPr>
+          <p:txBody>
+            <a:bodyPr wrap="none" rtlCol="0">
+              <a:spAutoFit/>
+            </a:bodyPr>
+            <a:lstStyle/>
+            <a:p>
+              <a:r>
+                <a:rPr lang="en-US" altLang="ko-KR" dirty="0"/>
+                <a:t>:</a:t>
+              </a:r>
+            </a:p>
+            <a:p>
+              <a:endParaRPr lang="ko-KR" altLang="en-US" dirty="0"/>
+            </a:p>
+          </p:txBody>
+        </p:sp>
+        <p:sp>
+          <p:nvSpPr>
+            <p:cNvPr id="21" name="TextBox 20">
+              <a:extLst>
+                <a:ext uri="{FF2B5EF4-FFF2-40B4-BE49-F238E27FC236}">
+                  <a16:creationId xmlns:a16="http://schemas.microsoft.com/office/drawing/2014/main" id="{099E536D-35C8-49D3-8BA3-321E1AB14401}"/>
+                </a:ext>
+              </a:extLst>
+            </p:cNvPr>
+            <p:cNvSpPr txBox="1"/>
+            <p:nvPr/>
+          </p:nvSpPr>
+          <p:spPr>
+            <a:xfrm>
+              <a:off x="10069836" y="1372568"/>
+              <a:ext cx="1055745" cy="5403537"/>
+            </a:xfrm>
+            <a:prstGeom prst="rect">
+              <a:avLst/>
+            </a:prstGeom>
+            <a:noFill/>
+          </p:spPr>
+          <p:txBody>
+            <a:bodyPr wrap="none" rtlCol="0">
+              <a:spAutoFit/>
+            </a:bodyPr>
+            <a:lstStyle/>
+            <a:p>
+              <a:r>
+                <a:rPr lang="en-US" altLang="ko-KR" sz="4400" dirty="0"/>
+                <a:t>,</a:t>
+              </a:r>
+            </a:p>
+            <a:p>
+              <a:endParaRPr lang="ko-KR" altLang="en-US" sz="4400" dirty="0"/>
+            </a:p>
+          </p:txBody>
+        </p:sp>
+      </p:grpSp>
     </p:spTree>
     <p:extLst>
       <p:ext uri="{BB962C8B-B14F-4D97-AF65-F5344CB8AC3E}">
-        <p14:creationId xmlns:p14="http://schemas.microsoft.com/office/powerpoint/2010/main" val="3028633267"/>
+        <p14:creationId xmlns:p14="http://schemas.microsoft.com/office/powerpoint/2010/main" val="2859007449"/>
       </p:ext>
     </p:extLst>
   </p:cSld>
@@ -4055,10 +6318,432 @@
           <a:chExt cx="0" cy="0"/>
         </a:xfrm>
       </p:grpSpPr>
+      <p:pic>
+        <p:nvPicPr>
+          <p:cNvPr id="3" name="그림 2">
+            <a:extLst>
+              <a:ext uri="{FF2B5EF4-FFF2-40B4-BE49-F238E27FC236}">
+                <a16:creationId xmlns:a16="http://schemas.microsoft.com/office/drawing/2014/main" id="{1F6BE759-61F6-4D48-A602-5386F3FE2853}"/>
+              </a:ext>
+            </a:extLst>
+          </p:cNvPr>
+          <p:cNvPicPr>
+            <a:picLocks noChangeAspect="1"/>
+          </p:cNvPicPr>
+          <p:nvPr/>
+        </p:nvPicPr>
+        <p:blipFill>
+          <a:blip r:embed="rId2"/>
+          <a:stretch>
+            <a:fillRect/>
+          </a:stretch>
+        </p:blipFill>
+        <p:spPr>
+          <a:xfrm>
+            <a:off x="0" y="687115"/>
+            <a:ext cx="12192000" cy="5483770"/>
+          </a:xfrm>
+          <a:prstGeom prst="rect">
+            <a:avLst/>
+          </a:prstGeom>
+        </p:spPr>
+      </p:pic>
+      <p:sp>
+        <p:nvSpPr>
+          <p:cNvPr id="14" name="자유형: 도형 13">
+            <a:extLst>
+              <a:ext uri="{FF2B5EF4-FFF2-40B4-BE49-F238E27FC236}">
+                <a16:creationId xmlns:a16="http://schemas.microsoft.com/office/drawing/2014/main" id="{909A20C9-8903-43BB-BB14-5B66BCD7FDB0}"/>
+              </a:ext>
+            </a:extLst>
+          </p:cNvPr>
+          <p:cNvSpPr/>
+          <p:nvPr/>
+        </p:nvSpPr>
+        <p:spPr>
+          <a:xfrm>
+            <a:off x="4606724" y="3437681"/>
+            <a:ext cx="3102015" cy="856527"/>
+          </a:xfrm>
+          <a:custGeom>
+            <a:avLst/>
+            <a:gdLst>
+              <a:gd name="connsiteX0" fmla="*/ 0 w 3102015"/>
+              <a:gd name="connsiteY0" fmla="*/ 439838 h 856527"/>
+              <a:gd name="connsiteX1" fmla="*/ 0 w 3102015"/>
+              <a:gd name="connsiteY1" fmla="*/ 0 h 856527"/>
+              <a:gd name="connsiteX2" fmla="*/ 3102015 w 3102015"/>
+              <a:gd name="connsiteY2" fmla="*/ 0 h 856527"/>
+              <a:gd name="connsiteX3" fmla="*/ 3102015 w 3102015"/>
+              <a:gd name="connsiteY3" fmla="*/ 856527 h 856527"/>
+              <a:gd name="connsiteX4" fmla="*/ 1701479 w 3102015"/>
+              <a:gd name="connsiteY4" fmla="*/ 856527 h 856527"/>
+              <a:gd name="connsiteX5" fmla="*/ 1701479 w 3102015"/>
+              <a:gd name="connsiteY5" fmla="*/ 486137 h 856527"/>
+              <a:gd name="connsiteX6" fmla="*/ 0 w 3102015"/>
+              <a:gd name="connsiteY6" fmla="*/ 439838 h 856527"/>
+            </a:gdLst>
+            <a:ahLst/>
+            <a:cxnLst>
+              <a:cxn ang="0">
+                <a:pos x="connsiteX0" y="connsiteY0"/>
+              </a:cxn>
+              <a:cxn ang="0">
+                <a:pos x="connsiteX1" y="connsiteY1"/>
+              </a:cxn>
+              <a:cxn ang="0">
+                <a:pos x="connsiteX2" y="connsiteY2"/>
+              </a:cxn>
+              <a:cxn ang="0">
+                <a:pos x="connsiteX3" y="connsiteY3"/>
+              </a:cxn>
+              <a:cxn ang="0">
+                <a:pos x="connsiteX4" y="connsiteY4"/>
+              </a:cxn>
+              <a:cxn ang="0">
+                <a:pos x="connsiteX5" y="connsiteY5"/>
+              </a:cxn>
+              <a:cxn ang="0">
+                <a:pos x="connsiteX6" y="connsiteY6"/>
+              </a:cxn>
+            </a:cxnLst>
+            <a:rect l="l" t="t" r="r" b="b"/>
+            <a:pathLst>
+              <a:path w="3102015" h="856527">
+                <a:moveTo>
+                  <a:pt x="0" y="439838"/>
+                </a:moveTo>
+                <a:lnTo>
+                  <a:pt x="0" y="0"/>
+                </a:lnTo>
+                <a:lnTo>
+                  <a:pt x="3102015" y="0"/>
+                </a:lnTo>
+                <a:lnTo>
+                  <a:pt x="3102015" y="856527"/>
+                </a:lnTo>
+                <a:lnTo>
+                  <a:pt x="1701479" y="856527"/>
+                </a:lnTo>
+                <a:lnTo>
+                  <a:pt x="1701479" y="486137"/>
+                </a:lnTo>
+                <a:lnTo>
+                  <a:pt x="0" y="439838"/>
+                </a:lnTo>
+                <a:close/>
+              </a:path>
+            </a:pathLst>
+          </a:custGeom>
+          <a:noFill/>
+          <a:ln w="19050">
+            <a:solidFill>
+              <a:schemeClr val="accent1">
+                <a:lumMod val="75000"/>
+              </a:schemeClr>
+            </a:solidFill>
+            <a:prstDash val="sysDash"/>
+            <a:extLst>
+              <a:ext uri="{C807C97D-BFC1-408E-A445-0C87EB9F89A2}">
+                <ask:lineSketchStyleProps xmlns:ask="http://schemas.microsoft.com/office/drawing/2018/sketchyshapes" sd="1219033472">
+                  <a:custGeom>
+                    <a:avLst/>
+                    <a:gdLst>
+                      <a:gd name="connsiteX0" fmla="*/ 0 w 3102015"/>
+                      <a:gd name="connsiteY0" fmla="*/ 439838 h 856527"/>
+                      <a:gd name="connsiteX1" fmla="*/ 0 w 3102015"/>
+                      <a:gd name="connsiteY1" fmla="*/ 0 h 856527"/>
+                      <a:gd name="connsiteX2" fmla="*/ 423942 w 3102015"/>
+                      <a:gd name="connsiteY2" fmla="*/ 0 h 856527"/>
+                      <a:gd name="connsiteX3" fmla="*/ 1002985 w 3102015"/>
+                      <a:gd name="connsiteY3" fmla="*/ 0 h 856527"/>
+                      <a:gd name="connsiteX4" fmla="*/ 1519987 w 3102015"/>
+                      <a:gd name="connsiteY4" fmla="*/ 0 h 856527"/>
+                      <a:gd name="connsiteX5" fmla="*/ 1974950 w 3102015"/>
+                      <a:gd name="connsiteY5" fmla="*/ 0 h 856527"/>
+                      <a:gd name="connsiteX6" fmla="*/ 2429912 w 3102015"/>
+                      <a:gd name="connsiteY6" fmla="*/ 0 h 856527"/>
+                      <a:gd name="connsiteX7" fmla="*/ 3102015 w 3102015"/>
+                      <a:gd name="connsiteY7" fmla="*/ 0 h 856527"/>
+                      <a:gd name="connsiteX8" fmla="*/ 3102015 w 3102015"/>
+                      <a:gd name="connsiteY8" fmla="*/ 428264 h 856527"/>
+                      <a:gd name="connsiteX9" fmla="*/ 3102015 w 3102015"/>
+                      <a:gd name="connsiteY9" fmla="*/ 856527 h 856527"/>
+                      <a:gd name="connsiteX10" fmla="*/ 2635170 w 3102015"/>
+                      <a:gd name="connsiteY10" fmla="*/ 856527 h 856527"/>
+                      <a:gd name="connsiteX11" fmla="*/ 2182330 w 3102015"/>
+                      <a:gd name="connsiteY11" fmla="*/ 856527 h 856527"/>
+                      <a:gd name="connsiteX12" fmla="*/ 1701479 w 3102015"/>
+                      <a:gd name="connsiteY12" fmla="*/ 856527 h 856527"/>
+                      <a:gd name="connsiteX13" fmla="*/ 1701479 w 3102015"/>
+                      <a:gd name="connsiteY13" fmla="*/ 486137 h 856527"/>
+                      <a:gd name="connsiteX14" fmla="*/ 1134319 w 3102015"/>
+                      <a:gd name="connsiteY14" fmla="*/ 470704 h 856527"/>
+                      <a:gd name="connsiteX15" fmla="*/ 533130 w 3102015"/>
+                      <a:gd name="connsiteY15" fmla="*/ 454345 h 856527"/>
+                      <a:gd name="connsiteX16" fmla="*/ 0 w 3102015"/>
+                      <a:gd name="connsiteY16" fmla="*/ 439838 h 856527"/>
+                    </a:gdLst>
+                    <a:ahLst/>
+                    <a:cxnLst>
+                      <a:cxn ang="0">
+                        <a:pos x="connsiteX0" y="connsiteY0"/>
+                      </a:cxn>
+                      <a:cxn ang="0">
+                        <a:pos x="connsiteX1" y="connsiteY1"/>
+                      </a:cxn>
+                      <a:cxn ang="0">
+                        <a:pos x="connsiteX2" y="connsiteY2"/>
+                      </a:cxn>
+                      <a:cxn ang="0">
+                        <a:pos x="connsiteX3" y="connsiteY3"/>
+                      </a:cxn>
+                      <a:cxn ang="0">
+                        <a:pos x="connsiteX4" y="connsiteY4"/>
+                      </a:cxn>
+                      <a:cxn ang="0">
+                        <a:pos x="connsiteX5" y="connsiteY5"/>
+                      </a:cxn>
+                      <a:cxn ang="0">
+                        <a:pos x="connsiteX6" y="connsiteY6"/>
+                      </a:cxn>
+                      <a:cxn ang="0">
+                        <a:pos x="connsiteX7" y="connsiteY7"/>
+                      </a:cxn>
+                      <a:cxn ang="0">
+                        <a:pos x="connsiteX8" y="connsiteY8"/>
+                      </a:cxn>
+                      <a:cxn ang="0">
+                        <a:pos x="connsiteX9" y="connsiteY9"/>
+                      </a:cxn>
+                      <a:cxn ang="0">
+                        <a:pos x="connsiteX10" y="connsiteY10"/>
+                      </a:cxn>
+                      <a:cxn ang="0">
+                        <a:pos x="connsiteX11" y="connsiteY11"/>
+                      </a:cxn>
+                      <a:cxn ang="0">
+                        <a:pos x="connsiteX12" y="connsiteY12"/>
+                      </a:cxn>
+                      <a:cxn ang="0">
+                        <a:pos x="connsiteX13" y="connsiteY13"/>
+                      </a:cxn>
+                      <a:cxn ang="0">
+                        <a:pos x="connsiteX14" y="connsiteY14"/>
+                      </a:cxn>
+                      <a:cxn ang="0">
+                        <a:pos x="connsiteX15" y="connsiteY15"/>
+                      </a:cxn>
+                      <a:cxn ang="0">
+                        <a:pos x="connsiteX16" y="connsiteY16"/>
+                      </a:cxn>
+                    </a:cxnLst>
+                    <a:rect l="l" t="t" r="r" b="b"/>
+                    <a:pathLst>
+                      <a:path w="3102015" h="856527" extrusionOk="0">
+                        <a:moveTo>
+                          <a:pt x="0" y="439838"/>
+                        </a:moveTo>
+                        <a:cubicBezTo>
+                          <a:pt x="-42104" y="345120"/>
+                          <a:pt x="30152" y="138141"/>
+                          <a:pt x="0" y="0"/>
+                        </a:cubicBezTo>
+                        <a:cubicBezTo>
+                          <a:pt x="118670" y="-6488"/>
+                          <a:pt x="255249" y="47372"/>
+                          <a:pt x="423942" y="0"/>
+                        </a:cubicBezTo>
+                        <a:cubicBezTo>
+                          <a:pt x="592635" y="-47372"/>
+                          <a:pt x="762860" y="50110"/>
+                          <a:pt x="1002985" y="0"/>
+                        </a:cubicBezTo>
+                        <a:cubicBezTo>
+                          <a:pt x="1243110" y="-50110"/>
+                          <a:pt x="1336439" y="9049"/>
+                          <a:pt x="1519987" y="0"/>
+                        </a:cubicBezTo>
+                        <a:cubicBezTo>
+                          <a:pt x="1703535" y="-9049"/>
+                          <a:pt x="1808079" y="1543"/>
+                          <a:pt x="1974950" y="0"/>
+                        </a:cubicBezTo>
+                        <a:cubicBezTo>
+                          <a:pt x="2141821" y="-1543"/>
+                          <a:pt x="2238796" y="23698"/>
+                          <a:pt x="2429912" y="0"/>
+                        </a:cubicBezTo>
+                        <a:cubicBezTo>
+                          <a:pt x="2621028" y="-23698"/>
+                          <a:pt x="2882939" y="9682"/>
+                          <a:pt x="3102015" y="0"/>
+                        </a:cubicBezTo>
+                        <a:cubicBezTo>
+                          <a:pt x="3132086" y="121013"/>
+                          <a:pt x="3051516" y="231223"/>
+                          <a:pt x="3102015" y="428264"/>
+                        </a:cubicBezTo>
+                        <a:cubicBezTo>
+                          <a:pt x="3152514" y="625305"/>
+                          <a:pt x="3069279" y="731980"/>
+                          <a:pt x="3102015" y="856527"/>
+                        </a:cubicBezTo>
+                        <a:cubicBezTo>
+                          <a:pt x="2949722" y="901080"/>
+                          <a:pt x="2811530" y="806878"/>
+                          <a:pt x="2635170" y="856527"/>
+                        </a:cubicBezTo>
+                        <a:cubicBezTo>
+                          <a:pt x="2458810" y="906176"/>
+                          <a:pt x="2388862" y="835840"/>
+                          <a:pt x="2182330" y="856527"/>
+                        </a:cubicBezTo>
+                        <a:cubicBezTo>
+                          <a:pt x="1975798" y="877214"/>
+                          <a:pt x="1800231" y="843934"/>
+                          <a:pt x="1701479" y="856527"/>
+                        </a:cubicBezTo>
+                        <a:cubicBezTo>
+                          <a:pt x="1664026" y="720366"/>
+                          <a:pt x="1728277" y="589817"/>
+                          <a:pt x="1701479" y="486137"/>
+                        </a:cubicBezTo>
+                        <a:cubicBezTo>
+                          <a:pt x="1420851" y="530588"/>
+                          <a:pt x="1252171" y="459095"/>
+                          <a:pt x="1134319" y="470704"/>
+                        </a:cubicBezTo>
+                        <a:cubicBezTo>
+                          <a:pt x="1016467" y="482313"/>
+                          <a:pt x="698083" y="427918"/>
+                          <a:pt x="533130" y="454345"/>
+                        </a:cubicBezTo>
+                        <a:cubicBezTo>
+                          <a:pt x="368177" y="480773"/>
+                          <a:pt x="155668" y="428227"/>
+                          <a:pt x="0" y="439838"/>
+                        </a:cubicBezTo>
+                        <a:close/>
+                      </a:path>
+                    </a:pathLst>
+                  </a:custGeom>
+                  <ask:type>
+                    <ask:lineSketchNone/>
+                  </ask:type>
+                </ask:lineSketchStyleProps>
+              </a:ext>
+            </a:extLst>
+          </a:ln>
+        </p:spPr>
+        <p:style>
+          <a:lnRef idx="2">
+            <a:schemeClr val="accent1">
+              <a:shade val="50000"/>
+            </a:schemeClr>
+          </a:lnRef>
+          <a:fillRef idx="1">
+            <a:schemeClr val="accent1"/>
+          </a:fillRef>
+          <a:effectRef idx="0">
+            <a:schemeClr val="accent1"/>
+          </a:effectRef>
+          <a:fontRef idx="minor">
+            <a:schemeClr val="lt1"/>
+          </a:fontRef>
+        </p:style>
+        <p:txBody>
+          <a:bodyPr rtlCol="0" anchor="ctr"/>
+          <a:lstStyle/>
+          <a:p>
+            <a:pPr algn="ctr"/>
+            <a:endParaRPr lang="ko-KR" altLang="en-US"/>
+          </a:p>
+        </p:txBody>
+      </p:sp>
+      <p:sp>
+        <p:nvSpPr>
+          <p:cNvPr id="15" name="말풍선: 타원형 14">
+            <a:extLst>
+              <a:ext uri="{FF2B5EF4-FFF2-40B4-BE49-F238E27FC236}">
+                <a16:creationId xmlns:a16="http://schemas.microsoft.com/office/drawing/2014/main" id="{8F84E9E9-54B6-4DF6-A9F5-6A44DE858C6F}"/>
+              </a:ext>
+            </a:extLst>
+          </p:cNvPr>
+          <p:cNvSpPr/>
+          <p:nvPr/>
+        </p:nvSpPr>
+        <p:spPr>
+          <a:xfrm>
+            <a:off x="7151573" y="864856"/>
+            <a:ext cx="3253689" cy="1636877"/>
+          </a:xfrm>
+          <a:prstGeom prst="wedgeEllipseCallout">
+            <a:avLst>
+              <a:gd name="adj1" fmla="val -46476"/>
+              <a:gd name="adj2" fmla="val 106094"/>
+            </a:avLst>
+          </a:prstGeom>
+        </p:spPr>
+        <p:style>
+          <a:lnRef idx="2">
+            <a:schemeClr val="accent1">
+              <a:shade val="50000"/>
+            </a:schemeClr>
+          </a:lnRef>
+          <a:fillRef idx="1">
+            <a:schemeClr val="accent1"/>
+          </a:fillRef>
+          <a:effectRef idx="0">
+            <a:schemeClr val="accent1"/>
+          </a:effectRef>
+          <a:fontRef idx="minor">
+            <a:schemeClr val="lt1"/>
+          </a:fontRef>
+        </p:style>
+        <p:txBody>
+          <a:bodyPr rtlCol="0" anchor="ctr"/>
+          <a:lstStyle/>
+          <a:p>
+            <a:pPr algn="ctr"/>
+            <a:r>
+              <a:rPr lang="en-US" altLang="ko-KR" dirty="0"/>
+              <a:t>Hey, Dictionary~</a:t>
+            </a:r>
+          </a:p>
+          <a:p>
+            <a:pPr algn="ctr"/>
+            <a:endParaRPr lang="en-US" altLang="ko-KR" dirty="0"/>
+          </a:p>
+          <a:p>
+            <a:pPr algn="ctr"/>
+            <a:r>
+              <a:rPr lang="en-US" altLang="ko-KR" dirty="0"/>
+              <a:t>Show me the</a:t>
+            </a:r>
+          </a:p>
+          <a:p>
+            <a:pPr algn="ctr"/>
+            <a:r>
+              <a:rPr lang="en-US" altLang="ko-KR" dirty="0"/>
+              <a:t>“</a:t>
+            </a:r>
+            <a:r>
+              <a:rPr lang="en-US" altLang="ko-KR" dirty="0" err="1"/>
+              <a:t>AllElement</a:t>
+            </a:r>
+            <a:r>
+              <a:rPr lang="en-US" altLang="ko-KR" dirty="0"/>
+              <a:t>”.</a:t>
+            </a:r>
+            <a:endParaRPr lang="ko-KR" altLang="en-US" dirty="0"/>
+          </a:p>
+        </p:txBody>
+      </p:sp>
     </p:spTree>
     <p:extLst>
       <p:ext uri="{BB962C8B-B14F-4D97-AF65-F5344CB8AC3E}">
-        <p14:creationId xmlns:p14="http://schemas.microsoft.com/office/powerpoint/2010/main" val="934969930"/>
+        <p14:creationId xmlns:p14="http://schemas.microsoft.com/office/powerpoint/2010/main" val="2089554246"/>
       </p:ext>
     </p:extLst>
   </p:cSld>
@@ -4085,10 +6770,119 @@
           <a:chExt cx="0" cy="0"/>
         </a:xfrm>
       </p:grpSpPr>
+      <p:pic>
+        <p:nvPicPr>
+          <p:cNvPr id="3" name="그림 2">
+            <a:extLst>
+              <a:ext uri="{FF2B5EF4-FFF2-40B4-BE49-F238E27FC236}">
+                <a16:creationId xmlns:a16="http://schemas.microsoft.com/office/drawing/2014/main" id="{6D2F4754-1A32-42A6-9B40-02449E94B7C0}"/>
+              </a:ext>
+            </a:extLst>
+          </p:cNvPr>
+          <p:cNvPicPr>
+            <a:picLocks noChangeAspect="1"/>
+          </p:cNvPicPr>
+          <p:nvPr/>
+        </p:nvPicPr>
+        <p:blipFill>
+          <a:blip r:embed="rId2"/>
+          <a:stretch>
+            <a:fillRect/>
+          </a:stretch>
+        </p:blipFill>
+        <p:spPr>
+          <a:xfrm>
+            <a:off x="0" y="707170"/>
+            <a:ext cx="12192000" cy="5443660"/>
+          </a:xfrm>
+          <a:prstGeom prst="rect">
+            <a:avLst/>
+          </a:prstGeom>
+        </p:spPr>
+      </p:pic>
+      <p:sp>
+        <p:nvSpPr>
+          <p:cNvPr id="4" name="말풍선: 모서리가 둥근 사각형 3">
+            <a:extLst>
+              <a:ext uri="{FF2B5EF4-FFF2-40B4-BE49-F238E27FC236}">
+                <a16:creationId xmlns:a16="http://schemas.microsoft.com/office/drawing/2014/main" id="{A3D2377C-823B-4FE4-BB6E-1CADC18AFE00}"/>
+              </a:ext>
+            </a:extLst>
+          </p:cNvPr>
+          <p:cNvSpPr/>
+          <p:nvPr/>
+        </p:nvSpPr>
+        <p:spPr>
+          <a:xfrm>
+            <a:off x="5662246" y="4235473"/>
+            <a:ext cx="2576187" cy="1558518"/>
+          </a:xfrm>
+          <a:prstGeom prst="wedgeRoundRectCallout">
+            <a:avLst>
+              <a:gd name="adj1" fmla="val 14709"/>
+              <a:gd name="adj2" fmla="val -64055"/>
+              <a:gd name="adj3" fmla="val 16667"/>
+            </a:avLst>
+          </a:prstGeom>
+          <a:noFill/>
+          <a:ln w="63500"/>
+        </p:spPr>
+        <p:style>
+          <a:lnRef idx="2">
+            <a:schemeClr val="accent1">
+              <a:shade val="50000"/>
+            </a:schemeClr>
+          </a:lnRef>
+          <a:fillRef idx="1">
+            <a:schemeClr val="accent1"/>
+          </a:fillRef>
+          <a:effectRef idx="0">
+            <a:schemeClr val="accent1"/>
+          </a:effectRef>
+          <a:fontRef idx="minor">
+            <a:schemeClr val="lt1"/>
+          </a:fontRef>
+        </p:style>
+        <p:txBody>
+          <a:bodyPr rtlCol="0" anchor="ctr"/>
+          <a:lstStyle/>
+          <a:p>
+            <a:r>
+              <a:rPr lang="en-US" altLang="ko-KR" dirty="0">
+                <a:solidFill>
+                  <a:schemeClr val="tx1"/>
+                </a:solidFill>
+              </a:rPr>
+              <a:t>It</a:t>
+            </a:r>
+            <a:r>
+              <a:rPr lang="ko-KR" altLang="en-US" dirty="0">
+                <a:solidFill>
+                  <a:schemeClr val="tx1"/>
+                </a:solidFill>
+              </a:rPr>
+              <a:t> </a:t>
+            </a:r>
+            <a:r>
+              <a:rPr lang="en-US" altLang="ko-KR" dirty="0">
+                <a:solidFill>
+                  <a:schemeClr val="tx1"/>
+                </a:solidFill>
+              </a:rPr>
+              <a:t>is</a:t>
+            </a:r>
+            <a:endParaRPr lang="ko-KR" altLang="en-US" dirty="0">
+              <a:solidFill>
+                <a:schemeClr val="tx1"/>
+              </a:solidFill>
+            </a:endParaRPr>
+          </a:p>
+        </p:txBody>
+      </p:sp>
     </p:spTree>
     <p:extLst>
       <p:ext uri="{BB962C8B-B14F-4D97-AF65-F5344CB8AC3E}">
-        <p14:creationId xmlns:p14="http://schemas.microsoft.com/office/powerpoint/2010/main" val="44477307"/>
+        <p14:creationId xmlns:p14="http://schemas.microsoft.com/office/powerpoint/2010/main" val="934969930"/>
       </p:ext>
     </p:extLst>
   </p:cSld>
@@ -4115,10 +6909,1401 @@
           <a:chExt cx="0" cy="0"/>
         </a:xfrm>
       </p:grpSpPr>
+      <p:pic>
+        <p:nvPicPr>
+          <p:cNvPr id="2" name="그림 1">
+            <a:extLst>
+              <a:ext uri="{FF2B5EF4-FFF2-40B4-BE49-F238E27FC236}">
+                <a16:creationId xmlns:a16="http://schemas.microsoft.com/office/drawing/2014/main" id="{592FEA51-3CAD-4817-932D-48601A7E1775}"/>
+              </a:ext>
+            </a:extLst>
+          </p:cNvPr>
+          <p:cNvPicPr>
+            <a:picLocks noChangeAspect="1"/>
+          </p:cNvPicPr>
+          <p:nvPr/>
+        </p:nvPicPr>
+        <p:blipFill>
+          <a:blip r:embed="rId2"/>
+          <a:stretch>
+            <a:fillRect/>
+          </a:stretch>
+        </p:blipFill>
+        <p:spPr>
+          <a:xfrm>
+            <a:off x="0" y="687115"/>
+            <a:ext cx="12192000" cy="5483770"/>
+          </a:xfrm>
+          <a:prstGeom prst="rect">
+            <a:avLst/>
+          </a:prstGeom>
+        </p:spPr>
+      </p:pic>
+      <p:sp>
+        <p:nvSpPr>
+          <p:cNvPr id="3" name="직사각형 2">
+            <a:extLst>
+              <a:ext uri="{FF2B5EF4-FFF2-40B4-BE49-F238E27FC236}">
+                <a16:creationId xmlns:a16="http://schemas.microsoft.com/office/drawing/2014/main" id="{641C1655-AB03-4A16-A544-43EF54D69B26}"/>
+              </a:ext>
+            </a:extLst>
+          </p:cNvPr>
+          <p:cNvSpPr/>
+          <p:nvPr/>
+        </p:nvSpPr>
+        <p:spPr>
+          <a:xfrm>
+            <a:off x="2743564" y="4981074"/>
+            <a:ext cx="5449941" cy="1105401"/>
+          </a:xfrm>
+          <a:prstGeom prst="rect">
+            <a:avLst/>
+          </a:prstGeom>
+          <a:noFill/>
+          <a:ln w="25400">
+            <a:solidFill>
+              <a:srgbClr val="C00000"/>
+            </a:solidFill>
+            <a:prstDash val="dash"/>
+          </a:ln>
+        </p:spPr>
+        <p:style>
+          <a:lnRef idx="2">
+            <a:schemeClr val="accent1">
+              <a:shade val="50000"/>
+            </a:schemeClr>
+          </a:lnRef>
+          <a:fillRef idx="1">
+            <a:schemeClr val="accent1"/>
+          </a:fillRef>
+          <a:effectRef idx="0">
+            <a:schemeClr val="accent1"/>
+          </a:effectRef>
+          <a:fontRef idx="minor">
+            <a:schemeClr val="lt1"/>
+          </a:fontRef>
+        </p:style>
+        <p:txBody>
+          <a:bodyPr rtlCol="0" anchor="ctr"/>
+          <a:lstStyle/>
+          <a:p>
+            <a:pPr algn="ctr"/>
+            <a:endParaRPr lang="ko-KR" altLang="en-US"/>
+          </a:p>
+        </p:txBody>
+      </p:sp>
+      <p:sp>
+        <p:nvSpPr>
+          <p:cNvPr id="4" name="직사각형 3">
+            <a:extLst>
+              <a:ext uri="{FF2B5EF4-FFF2-40B4-BE49-F238E27FC236}">
+                <a16:creationId xmlns:a16="http://schemas.microsoft.com/office/drawing/2014/main" id="{E7244216-BEF3-453E-9128-EE53EAEB85F4}"/>
+              </a:ext>
+            </a:extLst>
+          </p:cNvPr>
+          <p:cNvSpPr/>
+          <p:nvPr/>
+        </p:nvSpPr>
+        <p:spPr>
+          <a:xfrm>
+            <a:off x="10351477" y="4723197"/>
+            <a:ext cx="894038" cy="123123"/>
+          </a:xfrm>
+          <a:prstGeom prst="rect">
+            <a:avLst/>
+          </a:prstGeom>
+          <a:noFill/>
+          <a:ln w="25400">
+            <a:solidFill>
+              <a:srgbClr val="C00000"/>
+            </a:solidFill>
+            <a:prstDash val="dash"/>
+          </a:ln>
+        </p:spPr>
+        <p:style>
+          <a:lnRef idx="2">
+            <a:schemeClr val="accent1">
+              <a:shade val="50000"/>
+            </a:schemeClr>
+          </a:lnRef>
+          <a:fillRef idx="1">
+            <a:schemeClr val="accent1"/>
+          </a:fillRef>
+          <a:effectRef idx="0">
+            <a:schemeClr val="accent1"/>
+          </a:effectRef>
+          <a:fontRef idx="minor">
+            <a:schemeClr val="lt1"/>
+          </a:fontRef>
+        </p:style>
+        <p:txBody>
+          <a:bodyPr rtlCol="0" anchor="ctr"/>
+          <a:lstStyle/>
+          <a:p>
+            <a:pPr algn="ctr"/>
+            <a:endParaRPr lang="ko-KR" altLang="en-US"/>
+          </a:p>
+        </p:txBody>
+      </p:sp>
+      <p:cxnSp>
+        <p:nvCxnSpPr>
+          <p:cNvPr id="5" name="연결선: 구부러짐 4">
+            <a:extLst>
+              <a:ext uri="{FF2B5EF4-FFF2-40B4-BE49-F238E27FC236}">
+                <a16:creationId xmlns:a16="http://schemas.microsoft.com/office/drawing/2014/main" id="{935275A8-4700-4B42-A73B-5638A0252EC0}"/>
+              </a:ext>
+            </a:extLst>
+          </p:cNvPr>
+          <p:cNvCxnSpPr>
+            <a:cxnSpLocks/>
+            <a:endCxn id="4" idx="1"/>
+          </p:cNvCxnSpPr>
+          <p:nvPr/>
+        </p:nvCxnSpPr>
+        <p:spPr>
+          <a:xfrm flipV="1">
+            <a:off x="8193505" y="4784759"/>
+            <a:ext cx="2157972" cy="771876"/>
+          </a:xfrm>
+          <a:prstGeom prst="curvedConnector3">
+            <a:avLst/>
+          </a:prstGeom>
+          <a:ln w="19050">
+            <a:solidFill>
+              <a:srgbClr val="C00000"/>
+            </a:solidFill>
+            <a:prstDash val="dash"/>
+            <a:tailEnd type="triangle"/>
+          </a:ln>
+        </p:spPr>
+        <p:style>
+          <a:lnRef idx="1">
+            <a:schemeClr val="accent1"/>
+          </a:lnRef>
+          <a:fillRef idx="0">
+            <a:schemeClr val="accent1"/>
+          </a:fillRef>
+          <a:effectRef idx="0">
+            <a:schemeClr val="accent1"/>
+          </a:effectRef>
+          <a:fontRef idx="minor">
+            <a:schemeClr val="tx1"/>
+          </a:fontRef>
+        </p:style>
+      </p:cxnSp>
+      <p:sp>
+        <p:nvSpPr>
+          <p:cNvPr id="10" name="자유형: 도형 9">
+            <a:extLst>
+              <a:ext uri="{FF2B5EF4-FFF2-40B4-BE49-F238E27FC236}">
+                <a16:creationId xmlns:a16="http://schemas.microsoft.com/office/drawing/2014/main" id="{53D05623-B884-4C5E-A2E7-471016E6A1ED}"/>
+              </a:ext>
+            </a:extLst>
+          </p:cNvPr>
+          <p:cNvSpPr/>
+          <p:nvPr/>
+        </p:nvSpPr>
+        <p:spPr>
+          <a:xfrm>
+            <a:off x="4606724" y="3437681"/>
+            <a:ext cx="3102015" cy="856527"/>
+          </a:xfrm>
+          <a:custGeom>
+            <a:avLst/>
+            <a:gdLst>
+              <a:gd name="connsiteX0" fmla="*/ 0 w 3102015"/>
+              <a:gd name="connsiteY0" fmla="*/ 439838 h 856527"/>
+              <a:gd name="connsiteX1" fmla="*/ 0 w 3102015"/>
+              <a:gd name="connsiteY1" fmla="*/ 0 h 856527"/>
+              <a:gd name="connsiteX2" fmla="*/ 3102015 w 3102015"/>
+              <a:gd name="connsiteY2" fmla="*/ 0 h 856527"/>
+              <a:gd name="connsiteX3" fmla="*/ 3102015 w 3102015"/>
+              <a:gd name="connsiteY3" fmla="*/ 856527 h 856527"/>
+              <a:gd name="connsiteX4" fmla="*/ 1701479 w 3102015"/>
+              <a:gd name="connsiteY4" fmla="*/ 856527 h 856527"/>
+              <a:gd name="connsiteX5" fmla="*/ 1701479 w 3102015"/>
+              <a:gd name="connsiteY5" fmla="*/ 486137 h 856527"/>
+              <a:gd name="connsiteX6" fmla="*/ 0 w 3102015"/>
+              <a:gd name="connsiteY6" fmla="*/ 439838 h 856527"/>
+            </a:gdLst>
+            <a:ahLst/>
+            <a:cxnLst>
+              <a:cxn ang="0">
+                <a:pos x="connsiteX0" y="connsiteY0"/>
+              </a:cxn>
+              <a:cxn ang="0">
+                <a:pos x="connsiteX1" y="connsiteY1"/>
+              </a:cxn>
+              <a:cxn ang="0">
+                <a:pos x="connsiteX2" y="connsiteY2"/>
+              </a:cxn>
+              <a:cxn ang="0">
+                <a:pos x="connsiteX3" y="connsiteY3"/>
+              </a:cxn>
+              <a:cxn ang="0">
+                <a:pos x="connsiteX4" y="connsiteY4"/>
+              </a:cxn>
+              <a:cxn ang="0">
+                <a:pos x="connsiteX5" y="connsiteY5"/>
+              </a:cxn>
+              <a:cxn ang="0">
+                <a:pos x="connsiteX6" y="connsiteY6"/>
+              </a:cxn>
+            </a:cxnLst>
+            <a:rect l="l" t="t" r="r" b="b"/>
+            <a:pathLst>
+              <a:path w="3102015" h="856527">
+                <a:moveTo>
+                  <a:pt x="0" y="439838"/>
+                </a:moveTo>
+                <a:lnTo>
+                  <a:pt x="0" y="0"/>
+                </a:lnTo>
+                <a:lnTo>
+                  <a:pt x="3102015" y="0"/>
+                </a:lnTo>
+                <a:lnTo>
+                  <a:pt x="3102015" y="856527"/>
+                </a:lnTo>
+                <a:lnTo>
+                  <a:pt x="1701479" y="856527"/>
+                </a:lnTo>
+                <a:lnTo>
+                  <a:pt x="1701479" y="486137"/>
+                </a:lnTo>
+                <a:lnTo>
+                  <a:pt x="0" y="439838"/>
+                </a:lnTo>
+                <a:close/>
+              </a:path>
+            </a:pathLst>
+          </a:custGeom>
+          <a:noFill/>
+          <a:ln w="19050">
+            <a:solidFill>
+              <a:schemeClr val="accent1">
+                <a:lumMod val="75000"/>
+              </a:schemeClr>
+            </a:solidFill>
+            <a:prstDash val="sysDash"/>
+            <a:extLst>
+              <a:ext uri="{C807C97D-BFC1-408E-A445-0C87EB9F89A2}">
+                <ask:lineSketchStyleProps xmlns:ask="http://schemas.microsoft.com/office/drawing/2018/sketchyshapes" sd="1219033472">
+                  <a:custGeom>
+                    <a:avLst/>
+                    <a:gdLst>
+                      <a:gd name="connsiteX0" fmla="*/ 0 w 3102015"/>
+                      <a:gd name="connsiteY0" fmla="*/ 439838 h 856527"/>
+                      <a:gd name="connsiteX1" fmla="*/ 0 w 3102015"/>
+                      <a:gd name="connsiteY1" fmla="*/ 0 h 856527"/>
+                      <a:gd name="connsiteX2" fmla="*/ 423942 w 3102015"/>
+                      <a:gd name="connsiteY2" fmla="*/ 0 h 856527"/>
+                      <a:gd name="connsiteX3" fmla="*/ 1002985 w 3102015"/>
+                      <a:gd name="connsiteY3" fmla="*/ 0 h 856527"/>
+                      <a:gd name="connsiteX4" fmla="*/ 1519987 w 3102015"/>
+                      <a:gd name="connsiteY4" fmla="*/ 0 h 856527"/>
+                      <a:gd name="connsiteX5" fmla="*/ 1974950 w 3102015"/>
+                      <a:gd name="connsiteY5" fmla="*/ 0 h 856527"/>
+                      <a:gd name="connsiteX6" fmla="*/ 2429912 w 3102015"/>
+                      <a:gd name="connsiteY6" fmla="*/ 0 h 856527"/>
+                      <a:gd name="connsiteX7" fmla="*/ 3102015 w 3102015"/>
+                      <a:gd name="connsiteY7" fmla="*/ 0 h 856527"/>
+                      <a:gd name="connsiteX8" fmla="*/ 3102015 w 3102015"/>
+                      <a:gd name="connsiteY8" fmla="*/ 428264 h 856527"/>
+                      <a:gd name="connsiteX9" fmla="*/ 3102015 w 3102015"/>
+                      <a:gd name="connsiteY9" fmla="*/ 856527 h 856527"/>
+                      <a:gd name="connsiteX10" fmla="*/ 2635170 w 3102015"/>
+                      <a:gd name="connsiteY10" fmla="*/ 856527 h 856527"/>
+                      <a:gd name="connsiteX11" fmla="*/ 2182330 w 3102015"/>
+                      <a:gd name="connsiteY11" fmla="*/ 856527 h 856527"/>
+                      <a:gd name="connsiteX12" fmla="*/ 1701479 w 3102015"/>
+                      <a:gd name="connsiteY12" fmla="*/ 856527 h 856527"/>
+                      <a:gd name="connsiteX13" fmla="*/ 1701479 w 3102015"/>
+                      <a:gd name="connsiteY13" fmla="*/ 486137 h 856527"/>
+                      <a:gd name="connsiteX14" fmla="*/ 1134319 w 3102015"/>
+                      <a:gd name="connsiteY14" fmla="*/ 470704 h 856527"/>
+                      <a:gd name="connsiteX15" fmla="*/ 533130 w 3102015"/>
+                      <a:gd name="connsiteY15" fmla="*/ 454345 h 856527"/>
+                      <a:gd name="connsiteX16" fmla="*/ 0 w 3102015"/>
+                      <a:gd name="connsiteY16" fmla="*/ 439838 h 856527"/>
+                    </a:gdLst>
+                    <a:ahLst/>
+                    <a:cxnLst>
+                      <a:cxn ang="0">
+                        <a:pos x="connsiteX0" y="connsiteY0"/>
+                      </a:cxn>
+                      <a:cxn ang="0">
+                        <a:pos x="connsiteX1" y="connsiteY1"/>
+                      </a:cxn>
+                      <a:cxn ang="0">
+                        <a:pos x="connsiteX2" y="connsiteY2"/>
+                      </a:cxn>
+                      <a:cxn ang="0">
+                        <a:pos x="connsiteX3" y="connsiteY3"/>
+                      </a:cxn>
+                      <a:cxn ang="0">
+                        <a:pos x="connsiteX4" y="connsiteY4"/>
+                      </a:cxn>
+                      <a:cxn ang="0">
+                        <a:pos x="connsiteX5" y="connsiteY5"/>
+                      </a:cxn>
+                      <a:cxn ang="0">
+                        <a:pos x="connsiteX6" y="connsiteY6"/>
+                      </a:cxn>
+                      <a:cxn ang="0">
+                        <a:pos x="connsiteX7" y="connsiteY7"/>
+                      </a:cxn>
+                      <a:cxn ang="0">
+                        <a:pos x="connsiteX8" y="connsiteY8"/>
+                      </a:cxn>
+                      <a:cxn ang="0">
+                        <a:pos x="connsiteX9" y="connsiteY9"/>
+                      </a:cxn>
+                      <a:cxn ang="0">
+                        <a:pos x="connsiteX10" y="connsiteY10"/>
+                      </a:cxn>
+                      <a:cxn ang="0">
+                        <a:pos x="connsiteX11" y="connsiteY11"/>
+                      </a:cxn>
+                      <a:cxn ang="0">
+                        <a:pos x="connsiteX12" y="connsiteY12"/>
+                      </a:cxn>
+                      <a:cxn ang="0">
+                        <a:pos x="connsiteX13" y="connsiteY13"/>
+                      </a:cxn>
+                      <a:cxn ang="0">
+                        <a:pos x="connsiteX14" y="connsiteY14"/>
+                      </a:cxn>
+                      <a:cxn ang="0">
+                        <a:pos x="connsiteX15" y="connsiteY15"/>
+                      </a:cxn>
+                      <a:cxn ang="0">
+                        <a:pos x="connsiteX16" y="connsiteY16"/>
+                      </a:cxn>
+                    </a:cxnLst>
+                    <a:rect l="l" t="t" r="r" b="b"/>
+                    <a:pathLst>
+                      <a:path w="3102015" h="856527" extrusionOk="0">
+                        <a:moveTo>
+                          <a:pt x="0" y="439838"/>
+                        </a:moveTo>
+                        <a:cubicBezTo>
+                          <a:pt x="-42104" y="345120"/>
+                          <a:pt x="30152" y="138141"/>
+                          <a:pt x="0" y="0"/>
+                        </a:cubicBezTo>
+                        <a:cubicBezTo>
+                          <a:pt x="118670" y="-6488"/>
+                          <a:pt x="255249" y="47372"/>
+                          <a:pt x="423942" y="0"/>
+                        </a:cubicBezTo>
+                        <a:cubicBezTo>
+                          <a:pt x="592635" y="-47372"/>
+                          <a:pt x="762860" y="50110"/>
+                          <a:pt x="1002985" y="0"/>
+                        </a:cubicBezTo>
+                        <a:cubicBezTo>
+                          <a:pt x="1243110" y="-50110"/>
+                          <a:pt x="1336439" y="9049"/>
+                          <a:pt x="1519987" y="0"/>
+                        </a:cubicBezTo>
+                        <a:cubicBezTo>
+                          <a:pt x="1703535" y="-9049"/>
+                          <a:pt x="1808079" y="1543"/>
+                          <a:pt x="1974950" y="0"/>
+                        </a:cubicBezTo>
+                        <a:cubicBezTo>
+                          <a:pt x="2141821" y="-1543"/>
+                          <a:pt x="2238796" y="23698"/>
+                          <a:pt x="2429912" y="0"/>
+                        </a:cubicBezTo>
+                        <a:cubicBezTo>
+                          <a:pt x="2621028" y="-23698"/>
+                          <a:pt x="2882939" y="9682"/>
+                          <a:pt x="3102015" y="0"/>
+                        </a:cubicBezTo>
+                        <a:cubicBezTo>
+                          <a:pt x="3132086" y="121013"/>
+                          <a:pt x="3051516" y="231223"/>
+                          <a:pt x="3102015" y="428264"/>
+                        </a:cubicBezTo>
+                        <a:cubicBezTo>
+                          <a:pt x="3152514" y="625305"/>
+                          <a:pt x="3069279" y="731980"/>
+                          <a:pt x="3102015" y="856527"/>
+                        </a:cubicBezTo>
+                        <a:cubicBezTo>
+                          <a:pt x="2949722" y="901080"/>
+                          <a:pt x="2811530" y="806878"/>
+                          <a:pt x="2635170" y="856527"/>
+                        </a:cubicBezTo>
+                        <a:cubicBezTo>
+                          <a:pt x="2458810" y="906176"/>
+                          <a:pt x="2388862" y="835840"/>
+                          <a:pt x="2182330" y="856527"/>
+                        </a:cubicBezTo>
+                        <a:cubicBezTo>
+                          <a:pt x="1975798" y="877214"/>
+                          <a:pt x="1800231" y="843934"/>
+                          <a:pt x="1701479" y="856527"/>
+                        </a:cubicBezTo>
+                        <a:cubicBezTo>
+                          <a:pt x="1664026" y="720366"/>
+                          <a:pt x="1728277" y="589817"/>
+                          <a:pt x="1701479" y="486137"/>
+                        </a:cubicBezTo>
+                        <a:cubicBezTo>
+                          <a:pt x="1420851" y="530588"/>
+                          <a:pt x="1252171" y="459095"/>
+                          <a:pt x="1134319" y="470704"/>
+                        </a:cubicBezTo>
+                        <a:cubicBezTo>
+                          <a:pt x="1016467" y="482313"/>
+                          <a:pt x="698083" y="427918"/>
+                          <a:pt x="533130" y="454345"/>
+                        </a:cubicBezTo>
+                        <a:cubicBezTo>
+                          <a:pt x="368177" y="480773"/>
+                          <a:pt x="155668" y="428227"/>
+                          <a:pt x="0" y="439838"/>
+                        </a:cubicBezTo>
+                        <a:close/>
+                      </a:path>
+                    </a:pathLst>
+                  </a:custGeom>
+                  <ask:type>
+                    <ask:lineSketchNone/>
+                  </ask:type>
+                </ask:lineSketchStyleProps>
+              </a:ext>
+            </a:extLst>
+          </a:ln>
+        </p:spPr>
+        <p:style>
+          <a:lnRef idx="2">
+            <a:schemeClr val="accent1">
+              <a:shade val="50000"/>
+            </a:schemeClr>
+          </a:lnRef>
+          <a:fillRef idx="1">
+            <a:schemeClr val="accent1"/>
+          </a:fillRef>
+          <a:effectRef idx="0">
+            <a:schemeClr val="accent1"/>
+          </a:effectRef>
+          <a:fontRef idx="minor">
+            <a:schemeClr val="lt1"/>
+          </a:fontRef>
+        </p:style>
+        <p:txBody>
+          <a:bodyPr rtlCol="0" anchor="ctr"/>
+          <a:lstStyle/>
+          <a:p>
+            <a:pPr algn="ctr"/>
+            <a:endParaRPr lang="ko-KR" altLang="en-US"/>
+          </a:p>
+        </p:txBody>
+      </p:sp>
+      <p:sp>
+        <p:nvSpPr>
+          <p:cNvPr id="11" name="자유형: 도형 10">
+            <a:extLst>
+              <a:ext uri="{FF2B5EF4-FFF2-40B4-BE49-F238E27FC236}">
+                <a16:creationId xmlns:a16="http://schemas.microsoft.com/office/drawing/2014/main" id="{29735744-19ED-4EC8-9D64-433931C2186A}"/>
+              </a:ext>
+            </a:extLst>
+          </p:cNvPr>
+          <p:cNvSpPr/>
+          <p:nvPr/>
+        </p:nvSpPr>
+        <p:spPr>
+          <a:xfrm>
+            <a:off x="4705350" y="4357688"/>
+            <a:ext cx="2976563" cy="571500"/>
+          </a:xfrm>
+          <a:custGeom>
+            <a:avLst/>
+            <a:gdLst>
+              <a:gd name="connsiteX0" fmla="*/ 0 w 2976563"/>
+              <a:gd name="connsiteY0" fmla="*/ 114300 h 571500"/>
+              <a:gd name="connsiteX1" fmla="*/ 1700213 w 2976563"/>
+              <a:gd name="connsiteY1" fmla="*/ 114300 h 571500"/>
+              <a:gd name="connsiteX2" fmla="*/ 1700213 w 2976563"/>
+              <a:gd name="connsiteY2" fmla="*/ 0 h 571500"/>
+              <a:gd name="connsiteX3" fmla="*/ 2976563 w 2976563"/>
+              <a:gd name="connsiteY3" fmla="*/ 0 h 571500"/>
+              <a:gd name="connsiteX4" fmla="*/ 2976563 w 2976563"/>
+              <a:gd name="connsiteY4" fmla="*/ 571500 h 571500"/>
+              <a:gd name="connsiteX5" fmla="*/ 9525 w 2976563"/>
+              <a:gd name="connsiteY5" fmla="*/ 571500 h 571500"/>
+              <a:gd name="connsiteX6" fmla="*/ 0 w 2976563"/>
+              <a:gd name="connsiteY6" fmla="*/ 114300 h 571500"/>
+            </a:gdLst>
+            <a:ahLst/>
+            <a:cxnLst>
+              <a:cxn ang="0">
+                <a:pos x="connsiteX0" y="connsiteY0"/>
+              </a:cxn>
+              <a:cxn ang="0">
+                <a:pos x="connsiteX1" y="connsiteY1"/>
+              </a:cxn>
+              <a:cxn ang="0">
+                <a:pos x="connsiteX2" y="connsiteY2"/>
+              </a:cxn>
+              <a:cxn ang="0">
+                <a:pos x="connsiteX3" y="connsiteY3"/>
+              </a:cxn>
+              <a:cxn ang="0">
+                <a:pos x="connsiteX4" y="connsiteY4"/>
+              </a:cxn>
+              <a:cxn ang="0">
+                <a:pos x="connsiteX5" y="connsiteY5"/>
+              </a:cxn>
+              <a:cxn ang="0">
+                <a:pos x="connsiteX6" y="connsiteY6"/>
+              </a:cxn>
+            </a:cxnLst>
+            <a:rect l="l" t="t" r="r" b="b"/>
+            <a:pathLst>
+              <a:path w="2976563" h="571500">
+                <a:moveTo>
+                  <a:pt x="0" y="114300"/>
+                </a:moveTo>
+                <a:lnTo>
+                  <a:pt x="1700213" y="114300"/>
+                </a:lnTo>
+                <a:lnTo>
+                  <a:pt x="1700213" y="0"/>
+                </a:lnTo>
+                <a:lnTo>
+                  <a:pt x="2976563" y="0"/>
+                </a:lnTo>
+                <a:lnTo>
+                  <a:pt x="2976563" y="571500"/>
+                </a:lnTo>
+                <a:lnTo>
+                  <a:pt x="9525" y="571500"/>
+                </a:lnTo>
+                <a:lnTo>
+                  <a:pt x="0" y="114300"/>
+                </a:lnTo>
+                <a:close/>
+              </a:path>
+            </a:pathLst>
+          </a:custGeom>
+          <a:noFill/>
+          <a:ln w="19050">
+            <a:solidFill>
+              <a:schemeClr val="accent6">
+                <a:lumMod val="75000"/>
+              </a:schemeClr>
+            </a:solidFill>
+            <a:prstDash val="sysDash"/>
+            <a:extLst>
+              <a:ext uri="{C807C97D-BFC1-408E-A445-0C87EB9F89A2}">
+                <ask:lineSketchStyleProps xmlns:ask="http://schemas.microsoft.com/office/drawing/2018/sketchyshapes" sd="1219033472">
+                  <a:custGeom>
+                    <a:avLst/>
+                    <a:gdLst>
+                      <a:gd name="connsiteX0" fmla="*/ 0 w 3102015"/>
+                      <a:gd name="connsiteY0" fmla="*/ 439838 h 856527"/>
+                      <a:gd name="connsiteX1" fmla="*/ 0 w 3102015"/>
+                      <a:gd name="connsiteY1" fmla="*/ 0 h 856527"/>
+                      <a:gd name="connsiteX2" fmla="*/ 423942 w 3102015"/>
+                      <a:gd name="connsiteY2" fmla="*/ 0 h 856527"/>
+                      <a:gd name="connsiteX3" fmla="*/ 1002985 w 3102015"/>
+                      <a:gd name="connsiteY3" fmla="*/ 0 h 856527"/>
+                      <a:gd name="connsiteX4" fmla="*/ 1519987 w 3102015"/>
+                      <a:gd name="connsiteY4" fmla="*/ 0 h 856527"/>
+                      <a:gd name="connsiteX5" fmla="*/ 1974950 w 3102015"/>
+                      <a:gd name="connsiteY5" fmla="*/ 0 h 856527"/>
+                      <a:gd name="connsiteX6" fmla="*/ 2429912 w 3102015"/>
+                      <a:gd name="connsiteY6" fmla="*/ 0 h 856527"/>
+                      <a:gd name="connsiteX7" fmla="*/ 3102015 w 3102015"/>
+                      <a:gd name="connsiteY7" fmla="*/ 0 h 856527"/>
+                      <a:gd name="connsiteX8" fmla="*/ 3102015 w 3102015"/>
+                      <a:gd name="connsiteY8" fmla="*/ 428264 h 856527"/>
+                      <a:gd name="connsiteX9" fmla="*/ 3102015 w 3102015"/>
+                      <a:gd name="connsiteY9" fmla="*/ 856527 h 856527"/>
+                      <a:gd name="connsiteX10" fmla="*/ 2635170 w 3102015"/>
+                      <a:gd name="connsiteY10" fmla="*/ 856527 h 856527"/>
+                      <a:gd name="connsiteX11" fmla="*/ 2182330 w 3102015"/>
+                      <a:gd name="connsiteY11" fmla="*/ 856527 h 856527"/>
+                      <a:gd name="connsiteX12" fmla="*/ 1701479 w 3102015"/>
+                      <a:gd name="connsiteY12" fmla="*/ 856527 h 856527"/>
+                      <a:gd name="connsiteX13" fmla="*/ 1701479 w 3102015"/>
+                      <a:gd name="connsiteY13" fmla="*/ 486137 h 856527"/>
+                      <a:gd name="connsiteX14" fmla="*/ 1134319 w 3102015"/>
+                      <a:gd name="connsiteY14" fmla="*/ 470704 h 856527"/>
+                      <a:gd name="connsiteX15" fmla="*/ 533130 w 3102015"/>
+                      <a:gd name="connsiteY15" fmla="*/ 454345 h 856527"/>
+                      <a:gd name="connsiteX16" fmla="*/ 0 w 3102015"/>
+                      <a:gd name="connsiteY16" fmla="*/ 439838 h 856527"/>
+                    </a:gdLst>
+                    <a:ahLst/>
+                    <a:cxnLst>
+                      <a:cxn ang="0">
+                        <a:pos x="connsiteX0" y="connsiteY0"/>
+                      </a:cxn>
+                      <a:cxn ang="0">
+                        <a:pos x="connsiteX1" y="connsiteY1"/>
+                      </a:cxn>
+                      <a:cxn ang="0">
+                        <a:pos x="connsiteX2" y="connsiteY2"/>
+                      </a:cxn>
+                      <a:cxn ang="0">
+                        <a:pos x="connsiteX3" y="connsiteY3"/>
+                      </a:cxn>
+                      <a:cxn ang="0">
+                        <a:pos x="connsiteX4" y="connsiteY4"/>
+                      </a:cxn>
+                      <a:cxn ang="0">
+                        <a:pos x="connsiteX5" y="connsiteY5"/>
+                      </a:cxn>
+                      <a:cxn ang="0">
+                        <a:pos x="connsiteX6" y="connsiteY6"/>
+                      </a:cxn>
+                      <a:cxn ang="0">
+                        <a:pos x="connsiteX7" y="connsiteY7"/>
+                      </a:cxn>
+                      <a:cxn ang="0">
+                        <a:pos x="connsiteX8" y="connsiteY8"/>
+                      </a:cxn>
+                      <a:cxn ang="0">
+                        <a:pos x="connsiteX9" y="connsiteY9"/>
+                      </a:cxn>
+                      <a:cxn ang="0">
+                        <a:pos x="connsiteX10" y="connsiteY10"/>
+                      </a:cxn>
+                      <a:cxn ang="0">
+                        <a:pos x="connsiteX11" y="connsiteY11"/>
+                      </a:cxn>
+                      <a:cxn ang="0">
+                        <a:pos x="connsiteX12" y="connsiteY12"/>
+                      </a:cxn>
+                      <a:cxn ang="0">
+                        <a:pos x="connsiteX13" y="connsiteY13"/>
+                      </a:cxn>
+                      <a:cxn ang="0">
+                        <a:pos x="connsiteX14" y="connsiteY14"/>
+                      </a:cxn>
+                      <a:cxn ang="0">
+                        <a:pos x="connsiteX15" y="connsiteY15"/>
+                      </a:cxn>
+                      <a:cxn ang="0">
+                        <a:pos x="connsiteX16" y="connsiteY16"/>
+                      </a:cxn>
+                    </a:cxnLst>
+                    <a:rect l="l" t="t" r="r" b="b"/>
+                    <a:pathLst>
+                      <a:path w="3102015" h="856527" extrusionOk="0">
+                        <a:moveTo>
+                          <a:pt x="0" y="439838"/>
+                        </a:moveTo>
+                        <a:cubicBezTo>
+                          <a:pt x="-42104" y="345120"/>
+                          <a:pt x="30152" y="138141"/>
+                          <a:pt x="0" y="0"/>
+                        </a:cubicBezTo>
+                        <a:cubicBezTo>
+                          <a:pt x="118670" y="-6488"/>
+                          <a:pt x="255249" y="47372"/>
+                          <a:pt x="423942" y="0"/>
+                        </a:cubicBezTo>
+                        <a:cubicBezTo>
+                          <a:pt x="592635" y="-47372"/>
+                          <a:pt x="762860" y="50110"/>
+                          <a:pt x="1002985" y="0"/>
+                        </a:cubicBezTo>
+                        <a:cubicBezTo>
+                          <a:pt x="1243110" y="-50110"/>
+                          <a:pt x="1336439" y="9049"/>
+                          <a:pt x="1519987" y="0"/>
+                        </a:cubicBezTo>
+                        <a:cubicBezTo>
+                          <a:pt x="1703535" y="-9049"/>
+                          <a:pt x="1808079" y="1543"/>
+                          <a:pt x="1974950" y="0"/>
+                        </a:cubicBezTo>
+                        <a:cubicBezTo>
+                          <a:pt x="2141821" y="-1543"/>
+                          <a:pt x="2238796" y="23698"/>
+                          <a:pt x="2429912" y="0"/>
+                        </a:cubicBezTo>
+                        <a:cubicBezTo>
+                          <a:pt x="2621028" y="-23698"/>
+                          <a:pt x="2882939" y="9682"/>
+                          <a:pt x="3102015" y="0"/>
+                        </a:cubicBezTo>
+                        <a:cubicBezTo>
+                          <a:pt x="3132086" y="121013"/>
+                          <a:pt x="3051516" y="231223"/>
+                          <a:pt x="3102015" y="428264"/>
+                        </a:cubicBezTo>
+                        <a:cubicBezTo>
+                          <a:pt x="3152514" y="625305"/>
+                          <a:pt x="3069279" y="731980"/>
+                          <a:pt x="3102015" y="856527"/>
+                        </a:cubicBezTo>
+                        <a:cubicBezTo>
+                          <a:pt x="2949722" y="901080"/>
+                          <a:pt x="2811530" y="806878"/>
+                          <a:pt x="2635170" y="856527"/>
+                        </a:cubicBezTo>
+                        <a:cubicBezTo>
+                          <a:pt x="2458810" y="906176"/>
+                          <a:pt x="2388862" y="835840"/>
+                          <a:pt x="2182330" y="856527"/>
+                        </a:cubicBezTo>
+                        <a:cubicBezTo>
+                          <a:pt x="1975798" y="877214"/>
+                          <a:pt x="1800231" y="843934"/>
+                          <a:pt x="1701479" y="856527"/>
+                        </a:cubicBezTo>
+                        <a:cubicBezTo>
+                          <a:pt x="1664026" y="720366"/>
+                          <a:pt x="1728277" y="589817"/>
+                          <a:pt x="1701479" y="486137"/>
+                        </a:cubicBezTo>
+                        <a:cubicBezTo>
+                          <a:pt x="1420851" y="530588"/>
+                          <a:pt x="1252171" y="459095"/>
+                          <a:pt x="1134319" y="470704"/>
+                        </a:cubicBezTo>
+                        <a:cubicBezTo>
+                          <a:pt x="1016467" y="482313"/>
+                          <a:pt x="698083" y="427918"/>
+                          <a:pt x="533130" y="454345"/>
+                        </a:cubicBezTo>
+                        <a:cubicBezTo>
+                          <a:pt x="368177" y="480773"/>
+                          <a:pt x="155668" y="428227"/>
+                          <a:pt x="0" y="439838"/>
+                        </a:cubicBezTo>
+                        <a:close/>
+                      </a:path>
+                    </a:pathLst>
+                  </a:custGeom>
+                  <ask:type>
+                    <ask:lineSketchNone/>
+                  </ask:type>
+                </ask:lineSketchStyleProps>
+              </a:ext>
+            </a:extLst>
+          </a:ln>
+        </p:spPr>
+        <p:style>
+          <a:lnRef idx="2">
+            <a:schemeClr val="accent1">
+              <a:shade val="50000"/>
+            </a:schemeClr>
+          </a:lnRef>
+          <a:fillRef idx="1">
+            <a:schemeClr val="accent1"/>
+          </a:fillRef>
+          <a:effectRef idx="0">
+            <a:schemeClr val="accent1"/>
+          </a:effectRef>
+          <a:fontRef idx="minor">
+            <a:schemeClr val="lt1"/>
+          </a:fontRef>
+        </p:style>
+        <p:txBody>
+          <a:bodyPr rtlCol="0" anchor="ctr"/>
+          <a:lstStyle/>
+          <a:p>
+            <a:pPr algn="ctr"/>
+            <a:endParaRPr lang="ko-KR" altLang="en-US"/>
+          </a:p>
+        </p:txBody>
+      </p:sp>
+      <p:sp>
+        <p:nvSpPr>
+          <p:cNvPr id="13" name="직사각형 12">
+            <a:extLst>
+              <a:ext uri="{FF2B5EF4-FFF2-40B4-BE49-F238E27FC236}">
+                <a16:creationId xmlns:a16="http://schemas.microsoft.com/office/drawing/2014/main" id="{05A5955C-855A-4E38-80B4-A6502E5ADB01}"/>
+              </a:ext>
+            </a:extLst>
+          </p:cNvPr>
+          <p:cNvSpPr/>
+          <p:nvPr/>
+        </p:nvSpPr>
+        <p:spPr>
+          <a:xfrm>
+            <a:off x="10656276" y="4634616"/>
+            <a:ext cx="1002323" cy="88582"/>
+          </a:xfrm>
+          <a:prstGeom prst="rect">
+            <a:avLst/>
+          </a:prstGeom>
+          <a:noFill/>
+          <a:ln w="19050">
+            <a:solidFill>
+              <a:schemeClr val="accent6">
+                <a:lumMod val="75000"/>
+              </a:schemeClr>
+            </a:solidFill>
+            <a:prstDash val="sysDash"/>
+            <a:extLst>
+              <a:ext uri="{C807C97D-BFC1-408E-A445-0C87EB9F89A2}">
+                <ask:lineSketchStyleProps xmlns:ask="http://schemas.microsoft.com/office/drawing/2018/sketchyshapes" sd="1219033472">
+                  <a:custGeom>
+                    <a:avLst/>
+                    <a:gdLst>
+                      <a:gd name="connsiteX0" fmla="*/ 0 w 3102015"/>
+                      <a:gd name="connsiteY0" fmla="*/ 439838 h 856527"/>
+                      <a:gd name="connsiteX1" fmla="*/ 0 w 3102015"/>
+                      <a:gd name="connsiteY1" fmla="*/ 0 h 856527"/>
+                      <a:gd name="connsiteX2" fmla="*/ 423942 w 3102015"/>
+                      <a:gd name="connsiteY2" fmla="*/ 0 h 856527"/>
+                      <a:gd name="connsiteX3" fmla="*/ 1002985 w 3102015"/>
+                      <a:gd name="connsiteY3" fmla="*/ 0 h 856527"/>
+                      <a:gd name="connsiteX4" fmla="*/ 1519987 w 3102015"/>
+                      <a:gd name="connsiteY4" fmla="*/ 0 h 856527"/>
+                      <a:gd name="connsiteX5" fmla="*/ 1974950 w 3102015"/>
+                      <a:gd name="connsiteY5" fmla="*/ 0 h 856527"/>
+                      <a:gd name="connsiteX6" fmla="*/ 2429912 w 3102015"/>
+                      <a:gd name="connsiteY6" fmla="*/ 0 h 856527"/>
+                      <a:gd name="connsiteX7" fmla="*/ 3102015 w 3102015"/>
+                      <a:gd name="connsiteY7" fmla="*/ 0 h 856527"/>
+                      <a:gd name="connsiteX8" fmla="*/ 3102015 w 3102015"/>
+                      <a:gd name="connsiteY8" fmla="*/ 428264 h 856527"/>
+                      <a:gd name="connsiteX9" fmla="*/ 3102015 w 3102015"/>
+                      <a:gd name="connsiteY9" fmla="*/ 856527 h 856527"/>
+                      <a:gd name="connsiteX10" fmla="*/ 2635170 w 3102015"/>
+                      <a:gd name="connsiteY10" fmla="*/ 856527 h 856527"/>
+                      <a:gd name="connsiteX11" fmla="*/ 2182330 w 3102015"/>
+                      <a:gd name="connsiteY11" fmla="*/ 856527 h 856527"/>
+                      <a:gd name="connsiteX12" fmla="*/ 1701479 w 3102015"/>
+                      <a:gd name="connsiteY12" fmla="*/ 856527 h 856527"/>
+                      <a:gd name="connsiteX13" fmla="*/ 1701479 w 3102015"/>
+                      <a:gd name="connsiteY13" fmla="*/ 486137 h 856527"/>
+                      <a:gd name="connsiteX14" fmla="*/ 1134319 w 3102015"/>
+                      <a:gd name="connsiteY14" fmla="*/ 470704 h 856527"/>
+                      <a:gd name="connsiteX15" fmla="*/ 533130 w 3102015"/>
+                      <a:gd name="connsiteY15" fmla="*/ 454345 h 856527"/>
+                      <a:gd name="connsiteX16" fmla="*/ 0 w 3102015"/>
+                      <a:gd name="connsiteY16" fmla="*/ 439838 h 856527"/>
+                    </a:gdLst>
+                    <a:ahLst/>
+                    <a:cxnLst>
+                      <a:cxn ang="0">
+                        <a:pos x="connsiteX0" y="connsiteY0"/>
+                      </a:cxn>
+                      <a:cxn ang="0">
+                        <a:pos x="connsiteX1" y="connsiteY1"/>
+                      </a:cxn>
+                      <a:cxn ang="0">
+                        <a:pos x="connsiteX2" y="connsiteY2"/>
+                      </a:cxn>
+                      <a:cxn ang="0">
+                        <a:pos x="connsiteX3" y="connsiteY3"/>
+                      </a:cxn>
+                      <a:cxn ang="0">
+                        <a:pos x="connsiteX4" y="connsiteY4"/>
+                      </a:cxn>
+                      <a:cxn ang="0">
+                        <a:pos x="connsiteX5" y="connsiteY5"/>
+                      </a:cxn>
+                      <a:cxn ang="0">
+                        <a:pos x="connsiteX6" y="connsiteY6"/>
+                      </a:cxn>
+                      <a:cxn ang="0">
+                        <a:pos x="connsiteX7" y="connsiteY7"/>
+                      </a:cxn>
+                      <a:cxn ang="0">
+                        <a:pos x="connsiteX8" y="connsiteY8"/>
+                      </a:cxn>
+                      <a:cxn ang="0">
+                        <a:pos x="connsiteX9" y="connsiteY9"/>
+                      </a:cxn>
+                      <a:cxn ang="0">
+                        <a:pos x="connsiteX10" y="connsiteY10"/>
+                      </a:cxn>
+                      <a:cxn ang="0">
+                        <a:pos x="connsiteX11" y="connsiteY11"/>
+                      </a:cxn>
+                      <a:cxn ang="0">
+                        <a:pos x="connsiteX12" y="connsiteY12"/>
+                      </a:cxn>
+                      <a:cxn ang="0">
+                        <a:pos x="connsiteX13" y="connsiteY13"/>
+                      </a:cxn>
+                      <a:cxn ang="0">
+                        <a:pos x="connsiteX14" y="connsiteY14"/>
+                      </a:cxn>
+                      <a:cxn ang="0">
+                        <a:pos x="connsiteX15" y="connsiteY15"/>
+                      </a:cxn>
+                      <a:cxn ang="0">
+                        <a:pos x="connsiteX16" y="connsiteY16"/>
+                      </a:cxn>
+                    </a:cxnLst>
+                    <a:rect l="l" t="t" r="r" b="b"/>
+                    <a:pathLst>
+                      <a:path w="3102015" h="856527" extrusionOk="0">
+                        <a:moveTo>
+                          <a:pt x="0" y="439838"/>
+                        </a:moveTo>
+                        <a:cubicBezTo>
+                          <a:pt x="-42104" y="345120"/>
+                          <a:pt x="30152" y="138141"/>
+                          <a:pt x="0" y="0"/>
+                        </a:cubicBezTo>
+                        <a:cubicBezTo>
+                          <a:pt x="118670" y="-6488"/>
+                          <a:pt x="255249" y="47372"/>
+                          <a:pt x="423942" y="0"/>
+                        </a:cubicBezTo>
+                        <a:cubicBezTo>
+                          <a:pt x="592635" y="-47372"/>
+                          <a:pt x="762860" y="50110"/>
+                          <a:pt x="1002985" y="0"/>
+                        </a:cubicBezTo>
+                        <a:cubicBezTo>
+                          <a:pt x="1243110" y="-50110"/>
+                          <a:pt x="1336439" y="9049"/>
+                          <a:pt x="1519987" y="0"/>
+                        </a:cubicBezTo>
+                        <a:cubicBezTo>
+                          <a:pt x="1703535" y="-9049"/>
+                          <a:pt x="1808079" y="1543"/>
+                          <a:pt x="1974950" y="0"/>
+                        </a:cubicBezTo>
+                        <a:cubicBezTo>
+                          <a:pt x="2141821" y="-1543"/>
+                          <a:pt x="2238796" y="23698"/>
+                          <a:pt x="2429912" y="0"/>
+                        </a:cubicBezTo>
+                        <a:cubicBezTo>
+                          <a:pt x="2621028" y="-23698"/>
+                          <a:pt x="2882939" y="9682"/>
+                          <a:pt x="3102015" y="0"/>
+                        </a:cubicBezTo>
+                        <a:cubicBezTo>
+                          <a:pt x="3132086" y="121013"/>
+                          <a:pt x="3051516" y="231223"/>
+                          <a:pt x="3102015" y="428264"/>
+                        </a:cubicBezTo>
+                        <a:cubicBezTo>
+                          <a:pt x="3152514" y="625305"/>
+                          <a:pt x="3069279" y="731980"/>
+                          <a:pt x="3102015" y="856527"/>
+                        </a:cubicBezTo>
+                        <a:cubicBezTo>
+                          <a:pt x="2949722" y="901080"/>
+                          <a:pt x="2811530" y="806878"/>
+                          <a:pt x="2635170" y="856527"/>
+                        </a:cubicBezTo>
+                        <a:cubicBezTo>
+                          <a:pt x="2458810" y="906176"/>
+                          <a:pt x="2388862" y="835840"/>
+                          <a:pt x="2182330" y="856527"/>
+                        </a:cubicBezTo>
+                        <a:cubicBezTo>
+                          <a:pt x="1975798" y="877214"/>
+                          <a:pt x="1800231" y="843934"/>
+                          <a:pt x="1701479" y="856527"/>
+                        </a:cubicBezTo>
+                        <a:cubicBezTo>
+                          <a:pt x="1664026" y="720366"/>
+                          <a:pt x="1728277" y="589817"/>
+                          <a:pt x="1701479" y="486137"/>
+                        </a:cubicBezTo>
+                        <a:cubicBezTo>
+                          <a:pt x="1420851" y="530588"/>
+                          <a:pt x="1252171" y="459095"/>
+                          <a:pt x="1134319" y="470704"/>
+                        </a:cubicBezTo>
+                        <a:cubicBezTo>
+                          <a:pt x="1016467" y="482313"/>
+                          <a:pt x="698083" y="427918"/>
+                          <a:pt x="533130" y="454345"/>
+                        </a:cubicBezTo>
+                        <a:cubicBezTo>
+                          <a:pt x="368177" y="480773"/>
+                          <a:pt x="155668" y="428227"/>
+                          <a:pt x="0" y="439838"/>
+                        </a:cubicBezTo>
+                        <a:close/>
+                      </a:path>
+                    </a:pathLst>
+                  </a:custGeom>
+                  <ask:type>
+                    <ask:lineSketchNone/>
+                  </ask:type>
+                </ask:lineSketchStyleProps>
+              </a:ext>
+            </a:extLst>
+          </a:ln>
+        </p:spPr>
+        <p:style>
+          <a:lnRef idx="2">
+            <a:schemeClr val="accent1">
+              <a:shade val="50000"/>
+            </a:schemeClr>
+          </a:lnRef>
+          <a:fillRef idx="1">
+            <a:schemeClr val="accent1"/>
+          </a:fillRef>
+          <a:effectRef idx="0">
+            <a:schemeClr val="accent1"/>
+          </a:effectRef>
+          <a:fontRef idx="minor">
+            <a:schemeClr val="lt1"/>
+          </a:fontRef>
+        </p:style>
+        <p:txBody>
+          <a:bodyPr rtlCol="0" anchor="ctr"/>
+          <a:lstStyle/>
+          <a:p>
+            <a:pPr algn="ctr"/>
+            <a:endParaRPr lang="ko-KR" altLang="en-US"/>
+          </a:p>
+        </p:txBody>
+      </p:sp>
+      <p:sp>
+        <p:nvSpPr>
+          <p:cNvPr id="14" name="직사각형 13">
+            <a:extLst>
+              <a:ext uri="{FF2B5EF4-FFF2-40B4-BE49-F238E27FC236}">
+                <a16:creationId xmlns:a16="http://schemas.microsoft.com/office/drawing/2014/main" id="{0CF4F2C8-CF4C-42D3-B886-239159055B75}"/>
+              </a:ext>
+            </a:extLst>
+          </p:cNvPr>
+          <p:cNvSpPr/>
+          <p:nvPr/>
+        </p:nvSpPr>
+        <p:spPr>
+          <a:xfrm>
+            <a:off x="10122875" y="4538414"/>
+            <a:ext cx="533401" cy="88582"/>
+          </a:xfrm>
+          <a:prstGeom prst="rect">
+            <a:avLst/>
+          </a:prstGeom>
+          <a:noFill/>
+          <a:ln w="19050">
+            <a:solidFill>
+              <a:schemeClr val="accent1">
+                <a:lumMod val="75000"/>
+              </a:schemeClr>
+            </a:solidFill>
+            <a:prstDash val="sysDash"/>
+            <a:extLst>
+              <a:ext uri="{C807C97D-BFC1-408E-A445-0C87EB9F89A2}">
+                <ask:lineSketchStyleProps xmlns:ask="http://schemas.microsoft.com/office/drawing/2018/sketchyshapes" sd="1219033472">
+                  <a:custGeom>
+                    <a:avLst/>
+                    <a:gdLst>
+                      <a:gd name="connsiteX0" fmla="*/ 0 w 3102015"/>
+                      <a:gd name="connsiteY0" fmla="*/ 439838 h 856527"/>
+                      <a:gd name="connsiteX1" fmla="*/ 0 w 3102015"/>
+                      <a:gd name="connsiteY1" fmla="*/ 0 h 856527"/>
+                      <a:gd name="connsiteX2" fmla="*/ 423942 w 3102015"/>
+                      <a:gd name="connsiteY2" fmla="*/ 0 h 856527"/>
+                      <a:gd name="connsiteX3" fmla="*/ 1002985 w 3102015"/>
+                      <a:gd name="connsiteY3" fmla="*/ 0 h 856527"/>
+                      <a:gd name="connsiteX4" fmla="*/ 1519987 w 3102015"/>
+                      <a:gd name="connsiteY4" fmla="*/ 0 h 856527"/>
+                      <a:gd name="connsiteX5" fmla="*/ 1974950 w 3102015"/>
+                      <a:gd name="connsiteY5" fmla="*/ 0 h 856527"/>
+                      <a:gd name="connsiteX6" fmla="*/ 2429912 w 3102015"/>
+                      <a:gd name="connsiteY6" fmla="*/ 0 h 856527"/>
+                      <a:gd name="connsiteX7" fmla="*/ 3102015 w 3102015"/>
+                      <a:gd name="connsiteY7" fmla="*/ 0 h 856527"/>
+                      <a:gd name="connsiteX8" fmla="*/ 3102015 w 3102015"/>
+                      <a:gd name="connsiteY8" fmla="*/ 428264 h 856527"/>
+                      <a:gd name="connsiteX9" fmla="*/ 3102015 w 3102015"/>
+                      <a:gd name="connsiteY9" fmla="*/ 856527 h 856527"/>
+                      <a:gd name="connsiteX10" fmla="*/ 2635170 w 3102015"/>
+                      <a:gd name="connsiteY10" fmla="*/ 856527 h 856527"/>
+                      <a:gd name="connsiteX11" fmla="*/ 2182330 w 3102015"/>
+                      <a:gd name="connsiteY11" fmla="*/ 856527 h 856527"/>
+                      <a:gd name="connsiteX12" fmla="*/ 1701479 w 3102015"/>
+                      <a:gd name="connsiteY12" fmla="*/ 856527 h 856527"/>
+                      <a:gd name="connsiteX13" fmla="*/ 1701479 w 3102015"/>
+                      <a:gd name="connsiteY13" fmla="*/ 486137 h 856527"/>
+                      <a:gd name="connsiteX14" fmla="*/ 1134319 w 3102015"/>
+                      <a:gd name="connsiteY14" fmla="*/ 470704 h 856527"/>
+                      <a:gd name="connsiteX15" fmla="*/ 533130 w 3102015"/>
+                      <a:gd name="connsiteY15" fmla="*/ 454345 h 856527"/>
+                      <a:gd name="connsiteX16" fmla="*/ 0 w 3102015"/>
+                      <a:gd name="connsiteY16" fmla="*/ 439838 h 856527"/>
+                    </a:gdLst>
+                    <a:ahLst/>
+                    <a:cxnLst>
+                      <a:cxn ang="0">
+                        <a:pos x="connsiteX0" y="connsiteY0"/>
+                      </a:cxn>
+                      <a:cxn ang="0">
+                        <a:pos x="connsiteX1" y="connsiteY1"/>
+                      </a:cxn>
+                      <a:cxn ang="0">
+                        <a:pos x="connsiteX2" y="connsiteY2"/>
+                      </a:cxn>
+                      <a:cxn ang="0">
+                        <a:pos x="connsiteX3" y="connsiteY3"/>
+                      </a:cxn>
+                      <a:cxn ang="0">
+                        <a:pos x="connsiteX4" y="connsiteY4"/>
+                      </a:cxn>
+                      <a:cxn ang="0">
+                        <a:pos x="connsiteX5" y="connsiteY5"/>
+                      </a:cxn>
+                      <a:cxn ang="0">
+                        <a:pos x="connsiteX6" y="connsiteY6"/>
+                      </a:cxn>
+                      <a:cxn ang="0">
+                        <a:pos x="connsiteX7" y="connsiteY7"/>
+                      </a:cxn>
+                      <a:cxn ang="0">
+                        <a:pos x="connsiteX8" y="connsiteY8"/>
+                      </a:cxn>
+                      <a:cxn ang="0">
+                        <a:pos x="connsiteX9" y="connsiteY9"/>
+                      </a:cxn>
+                      <a:cxn ang="0">
+                        <a:pos x="connsiteX10" y="connsiteY10"/>
+                      </a:cxn>
+                      <a:cxn ang="0">
+                        <a:pos x="connsiteX11" y="connsiteY11"/>
+                      </a:cxn>
+                      <a:cxn ang="0">
+                        <a:pos x="connsiteX12" y="connsiteY12"/>
+                      </a:cxn>
+                      <a:cxn ang="0">
+                        <a:pos x="connsiteX13" y="connsiteY13"/>
+                      </a:cxn>
+                      <a:cxn ang="0">
+                        <a:pos x="connsiteX14" y="connsiteY14"/>
+                      </a:cxn>
+                      <a:cxn ang="0">
+                        <a:pos x="connsiteX15" y="connsiteY15"/>
+                      </a:cxn>
+                      <a:cxn ang="0">
+                        <a:pos x="connsiteX16" y="connsiteY16"/>
+                      </a:cxn>
+                    </a:cxnLst>
+                    <a:rect l="l" t="t" r="r" b="b"/>
+                    <a:pathLst>
+                      <a:path w="3102015" h="856527" extrusionOk="0">
+                        <a:moveTo>
+                          <a:pt x="0" y="439838"/>
+                        </a:moveTo>
+                        <a:cubicBezTo>
+                          <a:pt x="-42104" y="345120"/>
+                          <a:pt x="30152" y="138141"/>
+                          <a:pt x="0" y="0"/>
+                        </a:cubicBezTo>
+                        <a:cubicBezTo>
+                          <a:pt x="118670" y="-6488"/>
+                          <a:pt x="255249" y="47372"/>
+                          <a:pt x="423942" y="0"/>
+                        </a:cubicBezTo>
+                        <a:cubicBezTo>
+                          <a:pt x="592635" y="-47372"/>
+                          <a:pt x="762860" y="50110"/>
+                          <a:pt x="1002985" y="0"/>
+                        </a:cubicBezTo>
+                        <a:cubicBezTo>
+                          <a:pt x="1243110" y="-50110"/>
+                          <a:pt x="1336439" y="9049"/>
+                          <a:pt x="1519987" y="0"/>
+                        </a:cubicBezTo>
+                        <a:cubicBezTo>
+                          <a:pt x="1703535" y="-9049"/>
+                          <a:pt x="1808079" y="1543"/>
+                          <a:pt x="1974950" y="0"/>
+                        </a:cubicBezTo>
+                        <a:cubicBezTo>
+                          <a:pt x="2141821" y="-1543"/>
+                          <a:pt x="2238796" y="23698"/>
+                          <a:pt x="2429912" y="0"/>
+                        </a:cubicBezTo>
+                        <a:cubicBezTo>
+                          <a:pt x="2621028" y="-23698"/>
+                          <a:pt x="2882939" y="9682"/>
+                          <a:pt x="3102015" y="0"/>
+                        </a:cubicBezTo>
+                        <a:cubicBezTo>
+                          <a:pt x="3132086" y="121013"/>
+                          <a:pt x="3051516" y="231223"/>
+                          <a:pt x="3102015" y="428264"/>
+                        </a:cubicBezTo>
+                        <a:cubicBezTo>
+                          <a:pt x="3152514" y="625305"/>
+                          <a:pt x="3069279" y="731980"/>
+                          <a:pt x="3102015" y="856527"/>
+                        </a:cubicBezTo>
+                        <a:cubicBezTo>
+                          <a:pt x="2949722" y="901080"/>
+                          <a:pt x="2811530" y="806878"/>
+                          <a:pt x="2635170" y="856527"/>
+                        </a:cubicBezTo>
+                        <a:cubicBezTo>
+                          <a:pt x="2458810" y="906176"/>
+                          <a:pt x="2388862" y="835840"/>
+                          <a:pt x="2182330" y="856527"/>
+                        </a:cubicBezTo>
+                        <a:cubicBezTo>
+                          <a:pt x="1975798" y="877214"/>
+                          <a:pt x="1800231" y="843934"/>
+                          <a:pt x="1701479" y="856527"/>
+                        </a:cubicBezTo>
+                        <a:cubicBezTo>
+                          <a:pt x="1664026" y="720366"/>
+                          <a:pt x="1728277" y="589817"/>
+                          <a:pt x="1701479" y="486137"/>
+                        </a:cubicBezTo>
+                        <a:cubicBezTo>
+                          <a:pt x="1420851" y="530588"/>
+                          <a:pt x="1252171" y="459095"/>
+                          <a:pt x="1134319" y="470704"/>
+                        </a:cubicBezTo>
+                        <a:cubicBezTo>
+                          <a:pt x="1016467" y="482313"/>
+                          <a:pt x="698083" y="427918"/>
+                          <a:pt x="533130" y="454345"/>
+                        </a:cubicBezTo>
+                        <a:cubicBezTo>
+                          <a:pt x="368177" y="480773"/>
+                          <a:pt x="155668" y="428227"/>
+                          <a:pt x="0" y="439838"/>
+                        </a:cubicBezTo>
+                        <a:close/>
+                      </a:path>
+                    </a:pathLst>
+                  </a:custGeom>
+                  <ask:type>
+                    <ask:lineSketchNone/>
+                  </ask:type>
+                </ask:lineSketchStyleProps>
+              </a:ext>
+            </a:extLst>
+          </a:ln>
+        </p:spPr>
+        <p:style>
+          <a:lnRef idx="2">
+            <a:schemeClr val="accent1">
+              <a:shade val="50000"/>
+            </a:schemeClr>
+          </a:lnRef>
+          <a:fillRef idx="1">
+            <a:schemeClr val="accent1"/>
+          </a:fillRef>
+          <a:effectRef idx="0">
+            <a:schemeClr val="accent1"/>
+          </a:effectRef>
+          <a:fontRef idx="minor">
+            <a:schemeClr val="lt1"/>
+          </a:fontRef>
+        </p:style>
+        <p:txBody>
+          <a:bodyPr rtlCol="0" anchor="ctr"/>
+          <a:lstStyle/>
+          <a:p>
+            <a:pPr algn="ctr"/>
+            <a:endParaRPr lang="ko-KR" altLang="en-US"/>
+          </a:p>
+        </p:txBody>
+      </p:sp>
+      <p:cxnSp>
+        <p:nvCxnSpPr>
+          <p:cNvPr id="15" name="연결선: 구부러짐 14">
+            <a:extLst>
+              <a:ext uri="{FF2B5EF4-FFF2-40B4-BE49-F238E27FC236}">
+                <a16:creationId xmlns:a16="http://schemas.microsoft.com/office/drawing/2014/main" id="{3239E6DA-D28E-44E2-9D2D-95DD977D1FFB}"/>
+              </a:ext>
+            </a:extLst>
+          </p:cNvPr>
+          <p:cNvCxnSpPr>
+            <a:cxnSpLocks/>
+          </p:cNvCxnSpPr>
+          <p:nvPr/>
+        </p:nvCxnSpPr>
+        <p:spPr>
+          <a:xfrm>
+            <a:off x="7708739" y="3792838"/>
+            <a:ext cx="2414136" cy="745576"/>
+          </a:xfrm>
+          <a:prstGeom prst="curvedConnector3">
+            <a:avLst/>
+          </a:prstGeom>
+          <a:ln w="19050">
+            <a:solidFill>
+              <a:srgbClr val="0070C0"/>
+            </a:solidFill>
+            <a:prstDash val="dash"/>
+            <a:tailEnd type="triangle"/>
+          </a:ln>
+        </p:spPr>
+        <p:style>
+          <a:lnRef idx="1">
+            <a:schemeClr val="accent1"/>
+          </a:lnRef>
+          <a:fillRef idx="0">
+            <a:schemeClr val="accent1"/>
+          </a:fillRef>
+          <a:effectRef idx="0">
+            <a:schemeClr val="accent1"/>
+          </a:effectRef>
+          <a:fontRef idx="minor">
+            <a:schemeClr val="tx1"/>
+          </a:fontRef>
+        </p:style>
+      </p:cxnSp>
+      <p:cxnSp>
+        <p:nvCxnSpPr>
+          <p:cNvPr id="18" name="연결선: 구부러짐 17">
+            <a:extLst>
+              <a:ext uri="{FF2B5EF4-FFF2-40B4-BE49-F238E27FC236}">
+                <a16:creationId xmlns:a16="http://schemas.microsoft.com/office/drawing/2014/main" id="{2DB14C74-4C8B-4EF8-BE28-F4C563709A2A}"/>
+              </a:ext>
+            </a:extLst>
+          </p:cNvPr>
+          <p:cNvCxnSpPr>
+            <a:cxnSpLocks/>
+            <a:endCxn id="13" idx="1"/>
+          </p:cNvCxnSpPr>
+          <p:nvPr/>
+        </p:nvCxnSpPr>
+        <p:spPr>
+          <a:xfrm>
+            <a:off x="7695326" y="4653662"/>
+            <a:ext cx="2960950" cy="25245"/>
+          </a:xfrm>
+          <a:prstGeom prst="curvedConnector3">
+            <a:avLst/>
+          </a:prstGeom>
+          <a:ln w="19050">
+            <a:solidFill>
+              <a:srgbClr val="00B050"/>
+            </a:solidFill>
+            <a:prstDash val="dash"/>
+            <a:tailEnd type="triangle"/>
+          </a:ln>
+        </p:spPr>
+        <p:style>
+          <a:lnRef idx="1">
+            <a:schemeClr val="accent1"/>
+          </a:lnRef>
+          <a:fillRef idx="0">
+            <a:schemeClr val="accent1"/>
+          </a:fillRef>
+          <a:effectRef idx="0">
+            <a:schemeClr val="accent1"/>
+          </a:effectRef>
+          <a:fontRef idx="minor">
+            <a:schemeClr val="tx1"/>
+          </a:fontRef>
+        </p:style>
+      </p:cxnSp>
     </p:spTree>
     <p:extLst>
       <p:ext uri="{BB962C8B-B14F-4D97-AF65-F5344CB8AC3E}">
-        <p14:creationId xmlns:p14="http://schemas.microsoft.com/office/powerpoint/2010/main" val="3790534129"/>
+        <p14:creationId xmlns:p14="http://schemas.microsoft.com/office/powerpoint/2010/main" val="44477307"/>
       </p:ext>
     </p:extLst>
   </p:cSld>
